--- a/Simple Perceptron Networks.pptx
+++ b/Simple Perceptron Networks.pptx
@@ -8,6 +8,13 @@
     <p:sldId id="258" r:id="rId2"/>
     <p:sldId id="257" r:id="rId3"/>
     <p:sldId id="256" r:id="rId4"/>
+    <p:sldId id="259" r:id="rId5"/>
+    <p:sldId id="260" r:id="rId6"/>
+    <p:sldId id="261" r:id="rId7"/>
+    <p:sldId id="262" r:id="rId8"/>
+    <p:sldId id="263" r:id="rId9"/>
+    <p:sldId id="264" r:id="rId10"/>
+    <p:sldId id="265" r:id="rId11"/>
   </p:sldIdLst>
   <p:sldSz cx="12192000" cy="6858000"/>
   <p:notesSz cx="6858000" cy="9144000"/>
@@ -261,7 +268,7 @@
           <a:p>
             <a:fld id="{2F2D5E0F-6BA4-4F07-8D91-E3B51CA2606D}" type="datetimeFigureOut">
               <a:rPr lang="en-US" smtClean="0"/>
-              <a:t>3/29/2018</a:t>
+              <a:t>3/30/2018</a:t>
             </a:fld>
             <a:endParaRPr lang="en-US"/>
           </a:p>
@@ -459,7 +466,7 @@
           <a:p>
             <a:fld id="{2F2D5E0F-6BA4-4F07-8D91-E3B51CA2606D}" type="datetimeFigureOut">
               <a:rPr lang="en-US" smtClean="0"/>
-              <a:t>3/29/2018</a:t>
+              <a:t>3/30/2018</a:t>
             </a:fld>
             <a:endParaRPr lang="en-US"/>
           </a:p>
@@ -667,7 +674,7 @@
           <a:p>
             <a:fld id="{2F2D5E0F-6BA4-4F07-8D91-E3B51CA2606D}" type="datetimeFigureOut">
               <a:rPr lang="en-US" smtClean="0"/>
-              <a:t>3/29/2018</a:t>
+              <a:t>3/30/2018</a:t>
             </a:fld>
             <a:endParaRPr lang="en-US"/>
           </a:p>
@@ -865,7 +872,7 @@
           <a:p>
             <a:fld id="{2F2D5E0F-6BA4-4F07-8D91-E3B51CA2606D}" type="datetimeFigureOut">
               <a:rPr lang="en-US" smtClean="0"/>
-              <a:t>3/29/2018</a:t>
+              <a:t>3/30/2018</a:t>
             </a:fld>
             <a:endParaRPr lang="en-US"/>
           </a:p>
@@ -1140,7 +1147,7 @@
           <a:p>
             <a:fld id="{2F2D5E0F-6BA4-4F07-8D91-E3B51CA2606D}" type="datetimeFigureOut">
               <a:rPr lang="en-US" smtClean="0"/>
-              <a:t>3/29/2018</a:t>
+              <a:t>3/30/2018</a:t>
             </a:fld>
             <a:endParaRPr lang="en-US"/>
           </a:p>
@@ -1405,7 +1412,7 @@
           <a:p>
             <a:fld id="{2F2D5E0F-6BA4-4F07-8D91-E3B51CA2606D}" type="datetimeFigureOut">
               <a:rPr lang="en-US" smtClean="0"/>
-              <a:t>3/29/2018</a:t>
+              <a:t>3/30/2018</a:t>
             </a:fld>
             <a:endParaRPr lang="en-US"/>
           </a:p>
@@ -1817,7 +1824,7 @@
           <a:p>
             <a:fld id="{2F2D5E0F-6BA4-4F07-8D91-E3B51CA2606D}" type="datetimeFigureOut">
               <a:rPr lang="en-US" smtClean="0"/>
-              <a:t>3/29/2018</a:t>
+              <a:t>3/30/2018</a:t>
             </a:fld>
             <a:endParaRPr lang="en-US"/>
           </a:p>
@@ -1958,7 +1965,7 @@
           <a:p>
             <a:fld id="{2F2D5E0F-6BA4-4F07-8D91-E3B51CA2606D}" type="datetimeFigureOut">
               <a:rPr lang="en-US" smtClean="0"/>
-              <a:t>3/29/2018</a:t>
+              <a:t>3/30/2018</a:t>
             </a:fld>
             <a:endParaRPr lang="en-US"/>
           </a:p>
@@ -2071,7 +2078,7 @@
           <a:p>
             <a:fld id="{2F2D5E0F-6BA4-4F07-8D91-E3B51CA2606D}" type="datetimeFigureOut">
               <a:rPr lang="en-US" smtClean="0"/>
-              <a:t>3/29/2018</a:t>
+              <a:t>3/30/2018</a:t>
             </a:fld>
             <a:endParaRPr lang="en-US"/>
           </a:p>
@@ -2382,7 +2389,7 @@
           <a:p>
             <a:fld id="{2F2D5E0F-6BA4-4F07-8D91-E3B51CA2606D}" type="datetimeFigureOut">
               <a:rPr lang="en-US" smtClean="0"/>
-              <a:t>3/29/2018</a:t>
+              <a:t>3/30/2018</a:t>
             </a:fld>
             <a:endParaRPr lang="en-US"/>
           </a:p>
@@ -2670,7 +2677,7 @@
           <a:p>
             <a:fld id="{2F2D5E0F-6BA4-4F07-8D91-E3B51CA2606D}" type="datetimeFigureOut">
               <a:rPr lang="en-US" smtClean="0"/>
-              <a:t>3/29/2018</a:t>
+              <a:t>3/30/2018</a:t>
             </a:fld>
             <a:endParaRPr lang="en-US"/>
           </a:p>
@@ -2911,7 +2918,7 @@
           <a:p>
             <a:fld id="{2F2D5E0F-6BA4-4F07-8D91-E3B51CA2606D}" type="datetimeFigureOut">
               <a:rPr lang="en-US" smtClean="0"/>
-              <a:t>3/29/2018</a:t>
+              <a:t>3/30/2018</a:t>
             </a:fld>
             <a:endParaRPr lang="en-US"/>
           </a:p>
@@ -3385,6 +3392,417 @@
 </p:sld>
 </file>
 
+<file path=ppt/slides/slide10.xml><?xml version="1.0" encoding="utf-8"?>
+<p:sld xmlns:a="http://schemas.openxmlformats.org/drawingml/2006/main" xmlns:r="http://schemas.openxmlformats.org/officeDocument/2006/relationships" xmlns:p="http://schemas.openxmlformats.org/presentationml/2006/main">
+  <p:cSld>
+    <p:spTree>
+      <p:nvGrpSpPr>
+        <p:cNvPr id="1" name=""/>
+        <p:cNvGrpSpPr/>
+        <p:nvPr/>
+      </p:nvGrpSpPr>
+      <p:grpSpPr>
+        <a:xfrm>
+          <a:off x="0" y="0"/>
+          <a:ext cx="0" cy="0"/>
+          <a:chOff x="0" y="0"/>
+          <a:chExt cx="0" cy="0"/>
+        </a:xfrm>
+      </p:grpSpPr>
+      <p:pic>
+        <p:nvPicPr>
+          <p:cNvPr id="2" name="Picture 1">
+            <a:extLst>
+              <a:ext uri="{FF2B5EF4-FFF2-40B4-BE49-F238E27FC236}">
+                <a16:creationId xmlns:a16="http://schemas.microsoft.com/office/drawing/2014/main" id="{BF37A51B-C8C1-4D3A-9981-CE4097BCD9D7}"/>
+              </a:ext>
+            </a:extLst>
+          </p:cNvPr>
+          <p:cNvPicPr>
+            <a:picLocks noChangeAspect="1"/>
+          </p:cNvPicPr>
+          <p:nvPr/>
+        </p:nvPicPr>
+        <p:blipFill rotWithShape="1">
+          <a:blip r:embed="rId2"/>
+          <a:srcRect l="33138" t="20000" r="27645" b="9932"/>
+          <a:stretch/>
+        </p:blipFill>
+        <p:spPr>
+          <a:xfrm>
+            <a:off x="3009436" y="528942"/>
+            <a:ext cx="5929950" cy="5959547"/>
+          </a:xfrm>
+          <a:prstGeom prst="rect">
+            <a:avLst/>
+          </a:prstGeom>
+        </p:spPr>
+      </p:pic>
+      <p:sp>
+        <p:nvSpPr>
+          <p:cNvPr id="41" name="TextBox 40">
+            <a:extLst>
+              <a:ext uri="{FF2B5EF4-FFF2-40B4-BE49-F238E27FC236}">
+                <a16:creationId xmlns:a16="http://schemas.microsoft.com/office/drawing/2014/main" id="{79874ED8-A3F3-4331-9980-AF08CEA7FFA6}"/>
+              </a:ext>
+            </a:extLst>
+          </p:cNvPr>
+          <p:cNvSpPr txBox="1"/>
+          <p:nvPr/>
+        </p:nvSpPr>
+        <p:spPr>
+          <a:xfrm>
+            <a:off x="5875799" y="2346051"/>
+            <a:ext cx="4911794" cy="1815882"/>
+          </a:xfrm>
+          <a:prstGeom prst="rect">
+            <a:avLst/>
+          </a:prstGeom>
+          <a:noFill/>
+        </p:spPr>
+        <p:txBody>
+          <a:bodyPr wrap="none" rtlCol="0">
+            <a:spAutoFit/>
+          </a:bodyPr>
+          <a:lstStyle/>
+          <a:p>
+            <a:r>
+              <a:rPr lang="en-US" sz="2800" dirty="0"/>
+              <a:t>After </a:t>
+            </a:r>
+            <a:r>
+              <a:rPr lang="en-US" sz="2800" u="sng" dirty="0"/>
+              <a:t>100 million</a:t>
+            </a:r>
+            <a:r>
+              <a:rPr lang="en-US" sz="2800" dirty="0"/>
+              <a:t> training points:</a:t>
+            </a:r>
+          </a:p>
+          <a:p>
+            <a:r>
+              <a:rPr lang="en-US" sz="2800" dirty="0"/>
+              <a:t>w1 = -19.20</a:t>
+            </a:r>
+          </a:p>
+          <a:p>
+            <a:r>
+              <a:rPr lang="en-US" sz="2800" dirty="0"/>
+              <a:t>w2 = +35.63</a:t>
+            </a:r>
+          </a:p>
+          <a:p>
+            <a:r>
+              <a:rPr lang="en-US" sz="2800" dirty="0"/>
+              <a:t>w3 = -16457.09</a:t>
+            </a:r>
+          </a:p>
+        </p:txBody>
+      </p:sp>
+      <p:sp>
+        <p:nvSpPr>
+          <p:cNvPr id="42" name="TextBox 41">
+            <a:extLst>
+              <a:ext uri="{FF2B5EF4-FFF2-40B4-BE49-F238E27FC236}">
+                <a16:creationId xmlns:a16="http://schemas.microsoft.com/office/drawing/2014/main" id="{D5089785-7557-4124-9CA9-C0C6C979FA64}"/>
+              </a:ext>
+            </a:extLst>
+          </p:cNvPr>
+          <p:cNvSpPr txBox="1"/>
+          <p:nvPr/>
+        </p:nvSpPr>
+        <p:spPr>
+          <a:xfrm>
+            <a:off x="5875799" y="4175957"/>
+            <a:ext cx="4689104" cy="523220"/>
+          </a:xfrm>
+          <a:prstGeom prst="rect">
+            <a:avLst/>
+          </a:prstGeom>
+          <a:noFill/>
+        </p:spPr>
+        <p:txBody>
+          <a:bodyPr wrap="none" rtlCol="0">
+            <a:spAutoFit/>
+          </a:bodyPr>
+          <a:lstStyle/>
+          <a:p>
+            <a:r>
+              <a:rPr lang="en-US" sz="2800" dirty="0"/>
+              <a:t>-19.20x + 35.63y -16457.09 = 0</a:t>
+            </a:r>
+          </a:p>
+        </p:txBody>
+      </p:sp>
+      <p:sp>
+        <p:nvSpPr>
+          <p:cNvPr id="43" name="TextBox 42">
+            <a:extLst>
+              <a:ext uri="{FF2B5EF4-FFF2-40B4-BE49-F238E27FC236}">
+                <a16:creationId xmlns:a16="http://schemas.microsoft.com/office/drawing/2014/main" id="{476C0C5C-EC66-43F8-AF2A-2666B34C8260}"/>
+              </a:ext>
+            </a:extLst>
+          </p:cNvPr>
+          <p:cNvSpPr txBox="1"/>
+          <p:nvPr/>
+        </p:nvSpPr>
+        <p:spPr>
+          <a:xfrm>
+            <a:off x="5870325" y="4702321"/>
+            <a:ext cx="5740674" cy="1384995"/>
+          </a:xfrm>
+          <a:prstGeom prst="rect">
+            <a:avLst/>
+          </a:prstGeom>
+          <a:noFill/>
+        </p:spPr>
+        <p:txBody>
+          <a:bodyPr wrap="none" rtlCol="0">
+            <a:spAutoFit/>
+          </a:bodyPr>
+          <a:lstStyle/>
+          <a:p>
+            <a:r>
+              <a:rPr lang="en-US" sz="2800" dirty="0"/>
+              <a:t>y = (19.20/35.63)x + (16457.09/35.63)</a:t>
+            </a:r>
+          </a:p>
+          <a:p>
+            <a:r>
+              <a:rPr lang="en-US" sz="2800" dirty="0"/>
+              <a:t>y = 0.5389 * x + 461.889</a:t>
+            </a:r>
+          </a:p>
+          <a:p>
+            <a:r>
+              <a:rPr lang="en-US" sz="2800" dirty="0"/>
+              <a:t>accuracy 97.7%</a:t>
+            </a:r>
+          </a:p>
+        </p:txBody>
+      </p:sp>
+      <p:pic>
+        <p:nvPicPr>
+          <p:cNvPr id="7" name="Picture 6">
+            <a:extLst>
+              <a:ext uri="{FF2B5EF4-FFF2-40B4-BE49-F238E27FC236}">
+                <a16:creationId xmlns:a16="http://schemas.microsoft.com/office/drawing/2014/main" id="{D0EF5CA3-8613-4FC6-97A2-2A9D2F68E40D}"/>
+              </a:ext>
+            </a:extLst>
+          </p:cNvPr>
+          <p:cNvPicPr>
+            <a:picLocks noChangeAspect="1"/>
+          </p:cNvPicPr>
+          <p:nvPr/>
+        </p:nvPicPr>
+        <p:blipFill>
+          <a:blip r:embed="rId3"/>
+          <a:stretch>
+            <a:fillRect/>
+          </a:stretch>
+        </p:blipFill>
+        <p:spPr>
+          <a:xfrm>
+            <a:off x="321274" y="114643"/>
+            <a:ext cx="5621414" cy="2675210"/>
+          </a:xfrm>
+          <a:prstGeom prst="rect">
+            <a:avLst/>
+          </a:prstGeom>
+        </p:spPr>
+      </p:pic>
+      <p:grpSp>
+        <p:nvGrpSpPr>
+          <p:cNvPr id="6" name="summation equation">
+            <a:extLst>
+              <a:ext uri="{FF2B5EF4-FFF2-40B4-BE49-F238E27FC236}">
+                <a16:creationId xmlns:a16="http://schemas.microsoft.com/office/drawing/2014/main" id="{22347190-B710-4747-AA01-CA6CF08FD564}"/>
+              </a:ext>
+            </a:extLst>
+          </p:cNvPr>
+          <p:cNvGrpSpPr/>
+          <p:nvPr/>
+        </p:nvGrpSpPr>
+        <p:grpSpPr>
+          <a:xfrm>
+            <a:off x="7738769" y="1206984"/>
+            <a:ext cx="4131957" cy="1108239"/>
+            <a:chOff x="5253013" y="4253956"/>
+            <a:chExt cx="4131957" cy="1108239"/>
+          </a:xfrm>
+        </p:grpSpPr>
+        <p:sp>
+          <p:nvSpPr>
+            <p:cNvPr id="8" name="text">
+              <a:extLst>
+                <a:ext uri="{FF2B5EF4-FFF2-40B4-BE49-F238E27FC236}">
+                  <a16:creationId xmlns:a16="http://schemas.microsoft.com/office/drawing/2014/main" id="{A3D8930B-A200-48FC-8151-E05D9025A096}"/>
+                </a:ext>
+              </a:extLst>
+            </p:cNvPr>
+            <p:cNvSpPr txBox="1"/>
+            <p:nvPr/>
+          </p:nvSpPr>
+          <p:spPr>
+            <a:xfrm>
+              <a:off x="6087272" y="4715864"/>
+              <a:ext cx="3297698" cy="646331"/>
+            </a:xfrm>
+            <a:prstGeom prst="rect">
+              <a:avLst/>
+            </a:prstGeom>
+            <a:noFill/>
+          </p:spPr>
+          <p:txBody>
+            <a:bodyPr wrap="none" rtlCol="0">
+              <a:spAutoFit/>
+            </a:bodyPr>
+            <a:lstStyle/>
+            <a:p>
+              <a:r>
+                <a:rPr lang="en-US" sz="3600" dirty="0"/>
+                <a:t>y  = 0.5 * x + 500</a:t>
+              </a:r>
+              <a:endParaRPr lang="en-US" sz="4400" baseline="-25000" dirty="0"/>
+            </a:p>
+          </p:txBody>
+        </p:sp>
+        <p:pic>
+          <p:nvPicPr>
+            <p:cNvPr id="10" name="Graphic 9" descr="Arrow: Counterclockwise curve">
+              <a:extLst>
+                <a:ext uri="{FF2B5EF4-FFF2-40B4-BE49-F238E27FC236}">
+                  <a16:creationId xmlns:a16="http://schemas.microsoft.com/office/drawing/2014/main" id="{8C075E70-84AC-4F04-B1C7-5AF24D096B26}"/>
+                </a:ext>
+              </a:extLst>
+            </p:cNvPr>
+            <p:cNvPicPr>
+              <a:picLocks noChangeAspect="1"/>
+            </p:cNvPicPr>
+            <p:nvPr/>
+          </p:nvPicPr>
+          <p:blipFill>
+            <a:blip r:embed="rId4">
+              <a:extLst>
+                <a:ext uri="{28A0092B-C50C-407E-A947-70E740481C1C}">
+                  <a14:useLocalDpi xmlns:a14="http://schemas.microsoft.com/office/drawing/2010/main" val="0"/>
+                </a:ext>
+                <a:ext uri="{96DAC541-7B7A-43D3-8B79-37D633B846F1}">
+                  <asvg:svgBlip xmlns:asvg="http://schemas.microsoft.com/office/drawing/2016/SVG/main" r:embed="rId5"/>
+                </a:ext>
+              </a:extLst>
+            </a:blip>
+            <a:stretch>
+              <a:fillRect/>
+            </a:stretch>
+          </p:blipFill>
+          <p:spPr>
+            <a:xfrm rot="20725794" flipH="1" flipV="1">
+              <a:off x="5253013" y="4253956"/>
+              <a:ext cx="915155" cy="915155"/>
+            </a:xfrm>
+            <a:prstGeom prst="rect">
+              <a:avLst/>
+            </a:prstGeom>
+          </p:spPr>
+        </p:pic>
+      </p:grpSp>
+    </p:spTree>
+    <p:extLst>
+      <p:ext uri="{BB962C8B-B14F-4D97-AF65-F5344CB8AC3E}">
+        <p14:creationId xmlns:p14="http://schemas.microsoft.com/office/powerpoint/2010/main" val="3038518396"/>
+      </p:ext>
+    </p:extLst>
+  </p:cSld>
+  <p:clrMapOvr>
+    <a:masterClrMapping/>
+  </p:clrMapOvr>
+  <p:timing>
+    <p:tnLst>
+      <p:par>
+        <p:cTn id="1" dur="indefinite" restart="never" nodeType="tmRoot">
+          <p:childTnLst>
+            <p:seq concurrent="1" nextAc="seek">
+              <p:cTn id="2" dur="indefinite" nodeType="mainSeq">
+                <p:childTnLst>
+                  <p:par>
+                    <p:cTn id="3" fill="hold">
+                      <p:stCondLst>
+                        <p:cond delay="indefinite"/>
+                      </p:stCondLst>
+                      <p:childTnLst>
+                        <p:par>
+                          <p:cTn id="4" fill="hold">
+                            <p:stCondLst>
+                              <p:cond delay="0"/>
+                            </p:stCondLst>
+                            <p:childTnLst>
+                              <p:par>
+                                <p:cTn id="5" presetID="10" presetClass="entr" presetSubtype="0" fill="hold" nodeType="clickEffect">
+                                  <p:stCondLst>
+                                    <p:cond delay="0"/>
+                                  </p:stCondLst>
+                                  <p:childTnLst>
+                                    <p:set>
+                                      <p:cBhvr>
+                                        <p:cTn id="6" dur="1" fill="hold">
+                                          <p:stCondLst>
+                                            <p:cond delay="0"/>
+                                          </p:stCondLst>
+                                        </p:cTn>
+                                        <p:tgtEl>
+                                          <p:spTgt spid="6"/>
+                                        </p:tgtEl>
+                                        <p:attrNameLst>
+                                          <p:attrName>style.visibility</p:attrName>
+                                        </p:attrNameLst>
+                                      </p:cBhvr>
+                                      <p:to>
+                                        <p:strVal val="visible"/>
+                                      </p:to>
+                                    </p:set>
+                                    <p:animEffect transition="in" filter="fade">
+                                      <p:cBhvr>
+                                        <p:cTn id="7" dur="500"/>
+                                        <p:tgtEl>
+                                          <p:spTgt spid="6"/>
+                                        </p:tgtEl>
+                                      </p:cBhvr>
+                                    </p:animEffect>
+                                  </p:childTnLst>
+                                </p:cTn>
+                              </p:par>
+                            </p:childTnLst>
+                          </p:cTn>
+                        </p:par>
+                      </p:childTnLst>
+                    </p:cTn>
+                  </p:par>
+                </p:childTnLst>
+              </p:cTn>
+              <p:prevCondLst>
+                <p:cond evt="onPrev" delay="0">
+                  <p:tgtEl>
+                    <p:sldTgt/>
+                  </p:tgtEl>
+                </p:cond>
+              </p:prevCondLst>
+              <p:nextCondLst>
+                <p:cond evt="onNext" delay="0">
+                  <p:tgtEl>
+                    <p:sldTgt/>
+                  </p:tgtEl>
+                </p:cond>
+              </p:nextCondLst>
+            </p:seq>
+          </p:childTnLst>
+        </p:cTn>
+      </p:par>
+    </p:tnLst>
+  </p:timing>
+</p:sld>
+</file>
+
 <file path=ppt/slides/slide2.xml><?xml version="1.0" encoding="utf-8"?>
 <p:sld xmlns:a="http://schemas.openxmlformats.org/drawingml/2006/main" xmlns:r="http://schemas.openxmlformats.org/officeDocument/2006/relationships" xmlns:p="http://schemas.openxmlformats.org/presentationml/2006/main">
   <p:cSld>
@@ -4724,9 +5142,9 @@
         <p:grpSpPr>
           <a:xfrm>
             <a:off x="6455708" y="843851"/>
-            <a:ext cx="4132003" cy="1827288"/>
+            <a:ext cx="4096352" cy="1827288"/>
             <a:chOff x="6455708" y="843851"/>
-            <a:chExt cx="4132003" cy="1827288"/>
+            <a:chExt cx="4096352" cy="1827288"/>
           </a:xfrm>
         </p:grpSpPr>
         <p:pic>
@@ -4783,7 +5201,7 @@
           <p:spPr>
             <a:xfrm>
               <a:off x="6627909" y="843851"/>
-              <a:ext cx="3959802" cy="646331"/>
+              <a:ext cx="3924151" cy="646331"/>
             </a:xfrm>
             <a:prstGeom prst="rect">
               <a:avLst/>
@@ -4804,7 +5222,7 @@
                     </a:schemeClr>
                   </a:solidFill>
                 </a:rPr>
-                <a:t>Activation (i.e. Step)</a:t>
+                <a:t>Activation (i.e. step)</a:t>
               </a:r>
             </a:p>
           </p:txBody>
@@ -4898,8 +5316,8 @@
           </p:nvSpPr>
           <p:spPr>
             <a:xfrm rot="16200000">
-              <a:off x="-76190" y="3105833"/>
-              <a:ext cx="1362874" cy="646331"/>
+              <a:off x="-70579" y="3105833"/>
+              <a:ext cx="1351652" cy="646331"/>
             </a:xfrm>
             <a:prstGeom prst="rect">
               <a:avLst/>
@@ -4914,7 +5332,7 @@
             <a:p>
               <a:r>
                 <a:rPr lang="en-US" sz="3600" dirty="0"/>
-                <a:t>Inputs</a:t>
+                <a:t>inputs</a:t>
               </a:r>
             </a:p>
           </p:txBody>
@@ -4935,7 +5353,7 @@
         <p:spPr>
           <a:xfrm>
             <a:off x="9463604" y="2551548"/>
-            <a:ext cx="1524776" cy="646331"/>
+            <a:ext cx="1462260" cy="646331"/>
           </a:xfrm>
           <a:prstGeom prst="rect">
             <a:avLst/>
@@ -4950,7 +5368,7 @@
           <a:p>
             <a:r>
               <a:rPr lang="en-US" sz="3600" dirty="0"/>
-              <a:t>Output</a:t>
+              <a:t>output</a:t>
             </a:r>
           </a:p>
         </p:txBody>
@@ -5295,9 +5713,9 @@
         <p:grpSpPr>
           <a:xfrm>
             <a:off x="2723133" y="5562961"/>
-            <a:ext cx="1793526" cy="860898"/>
+            <a:ext cx="1741012" cy="860898"/>
             <a:chOff x="2723133" y="5562961"/>
-            <a:chExt cx="1793526" cy="860898"/>
+            <a:chExt cx="1741012" cy="860898"/>
           </a:xfrm>
         </p:grpSpPr>
         <p:pic>
@@ -5354,7 +5772,7 @@
           <p:spPr>
             <a:xfrm>
               <a:off x="3151029" y="5900639"/>
-              <a:ext cx="1365630" cy="523220"/>
+              <a:ext cx="1313116" cy="523220"/>
             </a:xfrm>
             <a:prstGeom prst="rect">
               <a:avLst/>
@@ -5369,7 +5787,7 @@
             <a:p>
               <a:r>
                 <a:rPr lang="en-US" sz="2800" dirty="0"/>
-                <a:t>Weights</a:t>
+                <a:t>weights</a:t>
               </a:r>
             </a:p>
           </p:txBody>
@@ -6276,10 +6694,10 @@
       </p:grpSpPr>
       <p:pic>
         <p:nvPicPr>
-          <p:cNvPr id="5" name="Picture 4">
-            <a:extLst>
-              <a:ext uri="{FF2B5EF4-FFF2-40B4-BE49-F238E27FC236}">
-                <a16:creationId xmlns:a16="http://schemas.microsoft.com/office/drawing/2014/main" id="{749A327E-99DA-4F8F-80FB-B0E577E81AE5}"/>
+          <p:cNvPr id="2" name="Picture 1">
+            <a:extLst>
+              <a:ext uri="{FF2B5EF4-FFF2-40B4-BE49-F238E27FC236}">
+                <a16:creationId xmlns:a16="http://schemas.microsoft.com/office/drawing/2014/main" id="{08C808A1-5272-4940-A1C0-0C21A69C97F6}"/>
               </a:ext>
             </a:extLst>
           </p:cNvPr>
@@ -6290,19 +6708,475 @@
         </p:nvPicPr>
         <p:blipFill rotWithShape="1">
           <a:blip r:embed="rId2"/>
-          <a:srcRect l="25791" t="19592" r="33725" b="7755"/>
+          <a:srcRect l="33133" t="19747" r="27278" b="9536"/>
           <a:stretch/>
         </p:blipFill>
         <p:spPr>
           <a:xfrm>
-            <a:off x="3399453" y="706966"/>
-            <a:ext cx="5393094" cy="5444068"/>
+            <a:off x="2970834" y="288846"/>
+            <a:ext cx="6250331" cy="6280308"/>
           </a:xfrm>
           <a:prstGeom prst="rect">
             <a:avLst/>
           </a:prstGeom>
         </p:spPr>
       </p:pic>
+      <p:grpSp>
+        <p:nvGrpSpPr>
+          <p:cNvPr id="6" name="summation equation">
+            <a:extLst>
+              <a:ext uri="{FF2B5EF4-FFF2-40B4-BE49-F238E27FC236}">
+                <a16:creationId xmlns:a16="http://schemas.microsoft.com/office/drawing/2014/main" id="{22347190-B710-4747-AA01-CA6CF08FD564}"/>
+              </a:ext>
+            </a:extLst>
+          </p:cNvPr>
+          <p:cNvGrpSpPr/>
+          <p:nvPr/>
+        </p:nvGrpSpPr>
+        <p:grpSpPr>
+          <a:xfrm>
+            <a:off x="8612033" y="3330225"/>
+            <a:ext cx="2992222" cy="1108239"/>
+            <a:chOff x="5253013" y="4253956"/>
+            <a:chExt cx="2992222" cy="1108239"/>
+          </a:xfrm>
+        </p:grpSpPr>
+        <p:sp>
+          <p:nvSpPr>
+            <p:cNvPr id="8" name="text">
+              <a:extLst>
+                <a:ext uri="{FF2B5EF4-FFF2-40B4-BE49-F238E27FC236}">
+                  <a16:creationId xmlns:a16="http://schemas.microsoft.com/office/drawing/2014/main" id="{A3D8930B-A200-48FC-8151-E05D9025A096}"/>
+                </a:ext>
+              </a:extLst>
+            </p:cNvPr>
+            <p:cNvSpPr txBox="1"/>
+            <p:nvPr/>
+          </p:nvSpPr>
+          <p:spPr>
+            <a:xfrm>
+              <a:off x="6087272" y="4715864"/>
+              <a:ext cx="2157963" cy="646331"/>
+            </a:xfrm>
+            <a:prstGeom prst="rect">
+              <a:avLst/>
+            </a:prstGeom>
+            <a:noFill/>
+          </p:spPr>
+          <p:txBody>
+            <a:bodyPr wrap="none" rtlCol="0">
+              <a:spAutoFit/>
+            </a:bodyPr>
+            <a:lstStyle/>
+            <a:p>
+              <a:r>
+                <a:rPr lang="en-US" sz="3600" dirty="0"/>
+                <a:t>y  = 0.5 * x</a:t>
+              </a:r>
+              <a:endParaRPr lang="en-US" sz="4400" baseline="-25000" dirty="0"/>
+            </a:p>
+          </p:txBody>
+        </p:sp>
+        <p:pic>
+          <p:nvPicPr>
+            <p:cNvPr id="10" name="Graphic 9" descr="Arrow: Counterclockwise curve">
+              <a:extLst>
+                <a:ext uri="{FF2B5EF4-FFF2-40B4-BE49-F238E27FC236}">
+                  <a16:creationId xmlns:a16="http://schemas.microsoft.com/office/drawing/2014/main" id="{8C075E70-84AC-4F04-B1C7-5AF24D096B26}"/>
+                </a:ext>
+              </a:extLst>
+            </p:cNvPr>
+            <p:cNvPicPr>
+              <a:picLocks noChangeAspect="1"/>
+            </p:cNvPicPr>
+            <p:nvPr/>
+          </p:nvPicPr>
+          <p:blipFill>
+            <a:blip r:embed="rId3">
+              <a:extLst>
+                <a:ext uri="{28A0092B-C50C-407E-A947-70E740481C1C}">
+                  <a14:useLocalDpi xmlns:a14="http://schemas.microsoft.com/office/drawing/2010/main" val="0"/>
+                </a:ext>
+                <a:ext uri="{96DAC541-7B7A-43D3-8B79-37D633B846F1}">
+                  <asvg:svgBlip xmlns:asvg="http://schemas.microsoft.com/office/drawing/2016/SVG/main" r:embed="rId4"/>
+                </a:ext>
+              </a:extLst>
+            </a:blip>
+            <a:stretch>
+              <a:fillRect/>
+            </a:stretch>
+          </p:blipFill>
+          <p:spPr>
+            <a:xfrm rot="20725794" flipH="1" flipV="1">
+              <a:off x="5253013" y="4253956"/>
+              <a:ext cx="915155" cy="915155"/>
+            </a:xfrm>
+            <a:prstGeom prst="rect">
+              <a:avLst/>
+            </a:prstGeom>
+          </p:spPr>
+        </p:pic>
+      </p:grpSp>
+      <p:sp>
+        <p:nvSpPr>
+          <p:cNvPr id="3" name="Oval 2">
+            <a:extLst>
+              <a:ext uri="{FF2B5EF4-FFF2-40B4-BE49-F238E27FC236}">
+                <a16:creationId xmlns:a16="http://schemas.microsoft.com/office/drawing/2014/main" id="{4A5C97DD-BB65-41D5-9AE6-0F033C47AC3E}"/>
+              </a:ext>
+            </a:extLst>
+          </p:cNvPr>
+          <p:cNvSpPr/>
+          <p:nvPr/>
+        </p:nvSpPr>
+        <p:spPr>
+          <a:xfrm>
+            <a:off x="5122506" y="2453951"/>
+            <a:ext cx="93306" cy="102637"/>
+          </a:xfrm>
+          <a:prstGeom prst="ellipse">
+            <a:avLst/>
+          </a:prstGeom>
+        </p:spPr>
+        <p:style>
+          <a:lnRef idx="2">
+            <a:schemeClr val="accent1">
+              <a:shade val="50000"/>
+            </a:schemeClr>
+          </a:lnRef>
+          <a:fillRef idx="1">
+            <a:schemeClr val="accent1"/>
+          </a:fillRef>
+          <a:effectRef idx="0">
+            <a:schemeClr val="accent1"/>
+          </a:effectRef>
+          <a:fontRef idx="minor">
+            <a:schemeClr val="lt1"/>
+          </a:fontRef>
+        </p:style>
+        <p:txBody>
+          <a:bodyPr rtlCol="0" anchor="ctr"/>
+          <a:lstStyle/>
+          <a:p>
+            <a:pPr algn="ctr"/>
+            <a:endParaRPr lang="en-US"/>
+          </a:p>
+        </p:txBody>
+      </p:sp>
+      <p:grpSp>
+        <p:nvGrpSpPr>
+          <p:cNvPr id="4" name="Group 3">
+            <a:extLst>
+              <a:ext uri="{FF2B5EF4-FFF2-40B4-BE49-F238E27FC236}">
+                <a16:creationId xmlns:a16="http://schemas.microsoft.com/office/drawing/2014/main" id="{B89DEF7E-07BC-419A-8F4B-CE585CEC267C}"/>
+              </a:ext>
+            </a:extLst>
+          </p:cNvPr>
+          <p:cNvGrpSpPr/>
+          <p:nvPr/>
+        </p:nvGrpSpPr>
+        <p:grpSpPr>
+          <a:xfrm>
+            <a:off x="5062905" y="1629529"/>
+            <a:ext cx="2917326" cy="838674"/>
+            <a:chOff x="5053177" y="1561433"/>
+            <a:chExt cx="2917326" cy="838674"/>
+          </a:xfrm>
+        </p:grpSpPr>
+        <p:pic>
+          <p:nvPicPr>
+            <p:cNvPr id="11" name="Graphic 10" descr="Arrow: Counterclockwise curve">
+              <a:extLst>
+                <a:ext uri="{FF2B5EF4-FFF2-40B4-BE49-F238E27FC236}">
+                  <a16:creationId xmlns:a16="http://schemas.microsoft.com/office/drawing/2014/main" id="{10F1E3E4-1D1F-4E01-91D5-A4446D533DC5}"/>
+                </a:ext>
+              </a:extLst>
+            </p:cNvPr>
+            <p:cNvPicPr>
+              <a:picLocks noChangeAspect="1"/>
+            </p:cNvPicPr>
+            <p:nvPr/>
+          </p:nvPicPr>
+          <p:blipFill>
+            <a:blip r:embed="rId3">
+              <a:extLst>
+                <a:ext uri="{28A0092B-C50C-407E-A947-70E740481C1C}">
+                  <a14:useLocalDpi xmlns:a14="http://schemas.microsoft.com/office/drawing/2010/main" val="0"/>
+                </a:ext>
+                <a:ext uri="{96DAC541-7B7A-43D3-8B79-37D633B846F1}">
+                  <asvg:svgBlip xmlns:asvg="http://schemas.microsoft.com/office/drawing/2016/SVG/main" r:embed="rId4"/>
+                </a:ext>
+              </a:extLst>
+            </a:blip>
+            <a:stretch>
+              <a:fillRect/>
+            </a:stretch>
+          </p:blipFill>
+          <p:spPr>
+            <a:xfrm rot="3698135" flipH="1" flipV="1">
+              <a:off x="5053177" y="1807679"/>
+              <a:ext cx="592428" cy="592428"/>
+            </a:xfrm>
+            <a:prstGeom prst="rect">
+              <a:avLst/>
+            </a:prstGeom>
+          </p:spPr>
+        </p:pic>
+        <p:sp>
+          <p:nvSpPr>
+            <p:cNvPr id="12" name="text">
+              <a:extLst>
+                <a:ext uri="{FF2B5EF4-FFF2-40B4-BE49-F238E27FC236}">
+                  <a16:creationId xmlns:a16="http://schemas.microsoft.com/office/drawing/2014/main" id="{53EFD2F4-03FB-439C-913C-B4E7021BDB0F}"/>
+                </a:ext>
+              </a:extLst>
+            </p:cNvPr>
+            <p:cNvSpPr txBox="1"/>
+            <p:nvPr/>
+          </p:nvSpPr>
+          <p:spPr>
+            <a:xfrm>
+              <a:off x="5493222" y="1561433"/>
+              <a:ext cx="2477281" cy="646331"/>
+            </a:xfrm>
+            <a:prstGeom prst="rect">
+              <a:avLst/>
+            </a:prstGeom>
+            <a:noFill/>
+          </p:spPr>
+          <p:txBody>
+            <a:bodyPr wrap="none" rtlCol="0">
+              <a:spAutoFit/>
+            </a:bodyPr>
+            <a:lstStyle/>
+            <a:p>
+              <a:r>
+                <a:rPr lang="en-US" sz="3600" dirty="0"/>
+                <a:t>point to test</a:t>
+              </a:r>
+              <a:endParaRPr lang="en-US" sz="4400" baseline="-25000" dirty="0"/>
+            </a:p>
+          </p:txBody>
+        </p:sp>
+      </p:grpSp>
+      <p:grpSp>
+        <p:nvGrpSpPr>
+          <p:cNvPr id="13" name="weights">
+            <a:extLst>
+              <a:ext uri="{FF2B5EF4-FFF2-40B4-BE49-F238E27FC236}">
+                <a16:creationId xmlns:a16="http://schemas.microsoft.com/office/drawing/2014/main" id="{6EEADFC7-459F-42B4-AD70-44D4F0CC446F}"/>
+              </a:ext>
+            </a:extLst>
+          </p:cNvPr>
+          <p:cNvGrpSpPr/>
+          <p:nvPr/>
+        </p:nvGrpSpPr>
+        <p:grpSpPr>
+          <a:xfrm>
+            <a:off x="9231668" y="5530988"/>
+            <a:ext cx="2594146" cy="954107"/>
+            <a:chOff x="2577949" y="5900639"/>
+            <a:chExt cx="2594146" cy="954107"/>
+          </a:xfrm>
+        </p:grpSpPr>
+        <p:pic>
+          <p:nvPicPr>
+            <p:cNvPr id="14" name="Graphic 13" descr="Arrow: Counterclockwise curve">
+              <a:extLst>
+                <a:ext uri="{FF2B5EF4-FFF2-40B4-BE49-F238E27FC236}">
+                  <a16:creationId xmlns:a16="http://schemas.microsoft.com/office/drawing/2014/main" id="{28911310-DBC1-4055-88B7-F343CBD729E1}"/>
+                </a:ext>
+              </a:extLst>
+            </p:cNvPr>
+            <p:cNvPicPr>
+              <a:picLocks noChangeAspect="1"/>
+            </p:cNvPicPr>
+            <p:nvPr/>
+          </p:nvPicPr>
+          <p:blipFill>
+            <a:blip r:embed="rId3">
+              <a:extLst>
+                <a:ext uri="{28A0092B-C50C-407E-A947-70E740481C1C}">
+                  <a14:useLocalDpi xmlns:a14="http://schemas.microsoft.com/office/drawing/2010/main" val="0"/>
+                </a:ext>
+                <a:ext uri="{96DAC541-7B7A-43D3-8B79-37D633B846F1}">
+                  <asvg:svgBlip xmlns:asvg="http://schemas.microsoft.com/office/drawing/2016/SVG/main" r:embed="rId4"/>
+                </a:ext>
+              </a:extLst>
+            </a:blip>
+            <a:stretch>
+              <a:fillRect/>
+            </a:stretch>
+          </p:blipFill>
+          <p:spPr>
+            <a:xfrm rot="2655656" flipV="1">
+              <a:off x="2577949" y="6158283"/>
+              <a:ext cx="693165" cy="693165"/>
+            </a:xfrm>
+            <a:prstGeom prst="rect">
+              <a:avLst/>
+            </a:prstGeom>
+          </p:spPr>
+        </p:pic>
+        <p:sp>
+          <p:nvSpPr>
+            <p:cNvPr id="15" name="TextBox 14">
+              <a:extLst>
+                <a:ext uri="{FF2B5EF4-FFF2-40B4-BE49-F238E27FC236}">
+                  <a16:creationId xmlns:a16="http://schemas.microsoft.com/office/drawing/2014/main" id="{2F7EFDB0-1F18-4215-8641-C76E631919B5}"/>
+                </a:ext>
+              </a:extLst>
+            </p:cNvPr>
+            <p:cNvSpPr txBox="1"/>
+            <p:nvPr/>
+          </p:nvSpPr>
+          <p:spPr>
+            <a:xfrm>
+              <a:off x="3151029" y="5900639"/>
+              <a:ext cx="2021066" cy="954107"/>
+            </a:xfrm>
+            <a:prstGeom prst="rect">
+              <a:avLst/>
+            </a:prstGeom>
+            <a:noFill/>
+          </p:spPr>
+          <p:txBody>
+            <a:bodyPr wrap="none" rtlCol="0">
+              <a:spAutoFit/>
+            </a:bodyPr>
+            <a:lstStyle/>
+            <a:p>
+              <a:r>
+                <a:rPr lang="en-US" sz="2800" dirty="0"/>
+                <a:t>1</a:t>
+              </a:r>
+              <a:r>
+                <a:rPr lang="en-US" sz="2800" baseline="30000" dirty="0"/>
+                <a:t>st</a:t>
+              </a:r>
+              <a:r>
+                <a:rPr lang="en-US" sz="2800" dirty="0"/>
+                <a:t> input – </a:t>
+              </a:r>
+            </a:p>
+            <a:p>
+              <a:r>
+                <a:rPr lang="en-US" sz="2800" dirty="0"/>
+                <a:t>x-coordinate</a:t>
+              </a:r>
+            </a:p>
+          </p:txBody>
+        </p:sp>
+      </p:grpSp>
+      <p:grpSp>
+        <p:nvGrpSpPr>
+          <p:cNvPr id="16" name="weights">
+            <a:extLst>
+              <a:ext uri="{FF2B5EF4-FFF2-40B4-BE49-F238E27FC236}">
+                <a16:creationId xmlns:a16="http://schemas.microsoft.com/office/drawing/2014/main" id="{DBAB652C-7001-4450-9D22-C3BDBBCDC023}"/>
+              </a:ext>
+            </a:extLst>
+          </p:cNvPr>
+          <p:cNvGrpSpPr/>
+          <p:nvPr/>
+        </p:nvGrpSpPr>
+        <p:grpSpPr>
+          <a:xfrm>
+            <a:off x="707213" y="2453951"/>
+            <a:ext cx="2203786" cy="1375666"/>
+            <a:chOff x="3151029" y="5900639"/>
+            <a:chExt cx="2203786" cy="1375666"/>
+          </a:xfrm>
+        </p:grpSpPr>
+        <p:pic>
+          <p:nvPicPr>
+            <p:cNvPr id="17" name="Graphic 16" descr="Arrow: Counterclockwise curve">
+              <a:extLst>
+                <a:ext uri="{FF2B5EF4-FFF2-40B4-BE49-F238E27FC236}">
+                  <a16:creationId xmlns:a16="http://schemas.microsoft.com/office/drawing/2014/main" id="{3F209566-E7AF-41D5-ADFE-00B510D86EF1}"/>
+                </a:ext>
+              </a:extLst>
+            </p:cNvPr>
+            <p:cNvPicPr>
+              <a:picLocks noChangeAspect="1"/>
+            </p:cNvPicPr>
+            <p:nvPr/>
+          </p:nvPicPr>
+          <p:blipFill>
+            <a:blip r:embed="rId3">
+              <a:extLst>
+                <a:ext uri="{28A0092B-C50C-407E-A947-70E740481C1C}">
+                  <a14:useLocalDpi xmlns:a14="http://schemas.microsoft.com/office/drawing/2010/main" val="0"/>
+                </a:ext>
+                <a:ext uri="{96DAC541-7B7A-43D3-8B79-37D633B846F1}">
+                  <asvg:svgBlip xmlns:asvg="http://schemas.microsoft.com/office/drawing/2016/SVG/main" r:embed="rId4"/>
+                </a:ext>
+              </a:extLst>
+            </a:blip>
+            <a:stretch>
+              <a:fillRect/>
+            </a:stretch>
+          </p:blipFill>
+          <p:spPr>
+            <a:xfrm rot="7997139">
+              <a:off x="4661650" y="6583140"/>
+              <a:ext cx="693165" cy="693165"/>
+            </a:xfrm>
+            <a:prstGeom prst="rect">
+              <a:avLst/>
+            </a:prstGeom>
+          </p:spPr>
+        </p:pic>
+        <p:sp>
+          <p:nvSpPr>
+            <p:cNvPr id="18" name="TextBox 17">
+              <a:extLst>
+                <a:ext uri="{FF2B5EF4-FFF2-40B4-BE49-F238E27FC236}">
+                  <a16:creationId xmlns:a16="http://schemas.microsoft.com/office/drawing/2014/main" id="{290F0D35-9FB1-4F14-BFD3-3A736C802A58}"/>
+                </a:ext>
+              </a:extLst>
+            </p:cNvPr>
+            <p:cNvSpPr txBox="1"/>
+            <p:nvPr/>
+          </p:nvSpPr>
+          <p:spPr>
+            <a:xfrm>
+              <a:off x="3151029" y="5900639"/>
+              <a:ext cx="2027478" cy="954107"/>
+            </a:xfrm>
+            <a:prstGeom prst="rect">
+              <a:avLst/>
+            </a:prstGeom>
+            <a:noFill/>
+          </p:spPr>
+          <p:txBody>
+            <a:bodyPr wrap="none" rtlCol="0">
+              <a:spAutoFit/>
+            </a:bodyPr>
+            <a:lstStyle/>
+            <a:p>
+              <a:r>
+                <a:rPr lang="en-US" sz="2800" dirty="0"/>
+                <a:t>2</a:t>
+              </a:r>
+              <a:r>
+                <a:rPr lang="en-US" sz="2800" baseline="30000" dirty="0"/>
+                <a:t>nd</a:t>
+              </a:r>
+              <a:r>
+                <a:rPr lang="en-US" sz="2800" dirty="0"/>
+                <a:t> input – </a:t>
+              </a:r>
+            </a:p>
+            <a:p>
+              <a:r>
+                <a:rPr lang="en-US" sz="2800" dirty="0"/>
+                <a:t>y-coordinate</a:t>
+              </a:r>
+            </a:p>
+          </p:txBody>
+        </p:sp>
+      </p:grpSp>
     </p:spTree>
     <p:extLst>
       <p:ext uri="{BB962C8B-B14F-4D97-AF65-F5344CB8AC3E}">
@@ -6313,6 +7187,8121 @@
   <p:clrMapOvr>
     <a:masterClrMapping/>
   </p:clrMapOvr>
+  <p:timing>
+    <p:tnLst>
+      <p:par>
+        <p:cTn id="1" dur="indefinite" restart="never" nodeType="tmRoot">
+          <p:childTnLst>
+            <p:seq concurrent="1" nextAc="seek">
+              <p:cTn id="2" dur="indefinite" nodeType="mainSeq">
+                <p:childTnLst>
+                  <p:par>
+                    <p:cTn id="3" fill="hold">
+                      <p:stCondLst>
+                        <p:cond delay="indefinite"/>
+                      </p:stCondLst>
+                      <p:childTnLst>
+                        <p:par>
+                          <p:cTn id="4" fill="hold">
+                            <p:stCondLst>
+                              <p:cond delay="0"/>
+                            </p:stCondLst>
+                            <p:childTnLst>
+                              <p:par>
+                                <p:cTn id="5" presetID="10" presetClass="entr" presetSubtype="0" fill="hold" nodeType="clickEffect">
+                                  <p:stCondLst>
+                                    <p:cond delay="0"/>
+                                  </p:stCondLst>
+                                  <p:childTnLst>
+                                    <p:set>
+                                      <p:cBhvr>
+                                        <p:cTn id="6" dur="1" fill="hold">
+                                          <p:stCondLst>
+                                            <p:cond delay="0"/>
+                                          </p:stCondLst>
+                                        </p:cTn>
+                                        <p:tgtEl>
+                                          <p:spTgt spid="6"/>
+                                        </p:tgtEl>
+                                        <p:attrNameLst>
+                                          <p:attrName>style.visibility</p:attrName>
+                                        </p:attrNameLst>
+                                      </p:cBhvr>
+                                      <p:to>
+                                        <p:strVal val="visible"/>
+                                      </p:to>
+                                    </p:set>
+                                    <p:animEffect transition="in" filter="fade">
+                                      <p:cBhvr>
+                                        <p:cTn id="7" dur="500"/>
+                                        <p:tgtEl>
+                                          <p:spTgt spid="6"/>
+                                        </p:tgtEl>
+                                      </p:cBhvr>
+                                    </p:animEffect>
+                                  </p:childTnLst>
+                                </p:cTn>
+                              </p:par>
+                            </p:childTnLst>
+                          </p:cTn>
+                        </p:par>
+                        <p:par>
+                          <p:cTn id="8" fill="hold">
+                            <p:stCondLst>
+                              <p:cond delay="500"/>
+                            </p:stCondLst>
+                            <p:childTnLst>
+                              <p:par>
+                                <p:cTn id="9" presetID="2" presetClass="entr" presetSubtype="4" fill="hold" nodeType="afterEffect">
+                                  <p:stCondLst>
+                                    <p:cond delay="0"/>
+                                  </p:stCondLst>
+                                  <p:childTnLst>
+                                    <p:set>
+                                      <p:cBhvr>
+                                        <p:cTn id="10" dur="1" fill="hold">
+                                          <p:stCondLst>
+                                            <p:cond delay="0"/>
+                                          </p:stCondLst>
+                                        </p:cTn>
+                                        <p:tgtEl>
+                                          <p:spTgt spid="13"/>
+                                        </p:tgtEl>
+                                        <p:attrNameLst>
+                                          <p:attrName>style.visibility</p:attrName>
+                                        </p:attrNameLst>
+                                      </p:cBhvr>
+                                      <p:to>
+                                        <p:strVal val="visible"/>
+                                      </p:to>
+                                    </p:set>
+                                    <p:anim calcmode="lin" valueType="num">
+                                      <p:cBhvr additive="base">
+                                        <p:cTn id="11" dur="1000" fill="hold"/>
+                                        <p:tgtEl>
+                                          <p:spTgt spid="13"/>
+                                        </p:tgtEl>
+                                        <p:attrNameLst>
+                                          <p:attrName>ppt_x</p:attrName>
+                                        </p:attrNameLst>
+                                      </p:cBhvr>
+                                      <p:tavLst>
+                                        <p:tav tm="0">
+                                          <p:val>
+                                            <p:strVal val="#ppt_x"/>
+                                          </p:val>
+                                        </p:tav>
+                                        <p:tav tm="100000">
+                                          <p:val>
+                                            <p:strVal val="#ppt_x"/>
+                                          </p:val>
+                                        </p:tav>
+                                      </p:tavLst>
+                                    </p:anim>
+                                    <p:anim calcmode="lin" valueType="num">
+                                      <p:cBhvr additive="base">
+                                        <p:cTn id="12" dur="1000" fill="hold"/>
+                                        <p:tgtEl>
+                                          <p:spTgt spid="13"/>
+                                        </p:tgtEl>
+                                        <p:attrNameLst>
+                                          <p:attrName>ppt_y</p:attrName>
+                                        </p:attrNameLst>
+                                      </p:cBhvr>
+                                      <p:tavLst>
+                                        <p:tav tm="0">
+                                          <p:val>
+                                            <p:strVal val="1+#ppt_h/2"/>
+                                          </p:val>
+                                        </p:tav>
+                                        <p:tav tm="100000">
+                                          <p:val>
+                                            <p:strVal val="#ppt_y"/>
+                                          </p:val>
+                                        </p:tav>
+                                      </p:tavLst>
+                                    </p:anim>
+                                  </p:childTnLst>
+                                </p:cTn>
+                              </p:par>
+                            </p:childTnLst>
+                          </p:cTn>
+                        </p:par>
+                        <p:par>
+                          <p:cTn id="13" fill="hold">
+                            <p:stCondLst>
+                              <p:cond delay="1500"/>
+                            </p:stCondLst>
+                            <p:childTnLst>
+                              <p:par>
+                                <p:cTn id="14" presetID="2" presetClass="entr" presetSubtype="4" fill="hold" nodeType="afterEffect">
+                                  <p:stCondLst>
+                                    <p:cond delay="0"/>
+                                  </p:stCondLst>
+                                  <p:childTnLst>
+                                    <p:set>
+                                      <p:cBhvr>
+                                        <p:cTn id="15" dur="1" fill="hold">
+                                          <p:stCondLst>
+                                            <p:cond delay="0"/>
+                                          </p:stCondLst>
+                                        </p:cTn>
+                                        <p:tgtEl>
+                                          <p:spTgt spid="16"/>
+                                        </p:tgtEl>
+                                        <p:attrNameLst>
+                                          <p:attrName>style.visibility</p:attrName>
+                                        </p:attrNameLst>
+                                      </p:cBhvr>
+                                      <p:to>
+                                        <p:strVal val="visible"/>
+                                      </p:to>
+                                    </p:set>
+                                    <p:anim calcmode="lin" valueType="num">
+                                      <p:cBhvr additive="base">
+                                        <p:cTn id="16" dur="1000" fill="hold"/>
+                                        <p:tgtEl>
+                                          <p:spTgt spid="16"/>
+                                        </p:tgtEl>
+                                        <p:attrNameLst>
+                                          <p:attrName>ppt_x</p:attrName>
+                                        </p:attrNameLst>
+                                      </p:cBhvr>
+                                      <p:tavLst>
+                                        <p:tav tm="0">
+                                          <p:val>
+                                            <p:strVal val="#ppt_x"/>
+                                          </p:val>
+                                        </p:tav>
+                                        <p:tav tm="100000">
+                                          <p:val>
+                                            <p:strVal val="#ppt_x"/>
+                                          </p:val>
+                                        </p:tav>
+                                      </p:tavLst>
+                                    </p:anim>
+                                    <p:anim calcmode="lin" valueType="num">
+                                      <p:cBhvr additive="base">
+                                        <p:cTn id="17" dur="1000" fill="hold"/>
+                                        <p:tgtEl>
+                                          <p:spTgt spid="16"/>
+                                        </p:tgtEl>
+                                        <p:attrNameLst>
+                                          <p:attrName>ppt_y</p:attrName>
+                                        </p:attrNameLst>
+                                      </p:cBhvr>
+                                      <p:tavLst>
+                                        <p:tav tm="0">
+                                          <p:val>
+                                            <p:strVal val="1+#ppt_h/2"/>
+                                          </p:val>
+                                        </p:tav>
+                                        <p:tav tm="100000">
+                                          <p:val>
+                                            <p:strVal val="#ppt_y"/>
+                                          </p:val>
+                                        </p:tav>
+                                      </p:tavLst>
+                                    </p:anim>
+                                  </p:childTnLst>
+                                </p:cTn>
+                              </p:par>
+                            </p:childTnLst>
+                          </p:cTn>
+                        </p:par>
+                      </p:childTnLst>
+                    </p:cTn>
+                  </p:par>
+                </p:childTnLst>
+              </p:cTn>
+              <p:prevCondLst>
+                <p:cond evt="onPrev" delay="0">
+                  <p:tgtEl>
+                    <p:sldTgt/>
+                  </p:tgtEl>
+                </p:cond>
+              </p:prevCondLst>
+              <p:nextCondLst>
+                <p:cond evt="onNext" delay="0">
+                  <p:tgtEl>
+                    <p:sldTgt/>
+                  </p:tgtEl>
+                </p:cond>
+              </p:nextCondLst>
+            </p:seq>
+          </p:childTnLst>
+        </p:cTn>
+      </p:par>
+    </p:tnLst>
+  </p:timing>
+</p:sld>
+</file>
+
+<file path=ppt/slides/slide4.xml><?xml version="1.0" encoding="utf-8"?>
+<p:sld xmlns:a="http://schemas.openxmlformats.org/drawingml/2006/main" xmlns:r="http://schemas.openxmlformats.org/officeDocument/2006/relationships" xmlns:p="http://schemas.openxmlformats.org/presentationml/2006/main">
+  <p:cSld>
+    <p:spTree>
+      <p:nvGrpSpPr>
+        <p:cNvPr id="1" name=""/>
+        <p:cNvGrpSpPr/>
+        <p:nvPr/>
+      </p:nvGrpSpPr>
+      <p:grpSpPr>
+        <a:xfrm>
+          <a:off x="0" y="0"/>
+          <a:ext cx="0" cy="0"/>
+          <a:chOff x="0" y="0"/>
+          <a:chExt cx="0" cy="0"/>
+        </a:xfrm>
+      </p:grpSpPr>
+      <p:sp>
+        <p:nvSpPr>
+          <p:cNvPr id="2" name="Oval 1">
+            <a:extLst>
+              <a:ext uri="{FF2B5EF4-FFF2-40B4-BE49-F238E27FC236}">
+                <a16:creationId xmlns:a16="http://schemas.microsoft.com/office/drawing/2014/main" id="{A607762E-A8CB-4AD3-BD3D-9E6988B08604}"/>
+              </a:ext>
+            </a:extLst>
+          </p:cNvPr>
+          <p:cNvSpPr/>
+          <p:nvPr/>
+        </p:nvSpPr>
+        <p:spPr>
+          <a:xfrm>
+            <a:off x="4099249" y="2272004"/>
+            <a:ext cx="3993502" cy="2313992"/>
+          </a:xfrm>
+          <a:prstGeom prst="ellipse">
+            <a:avLst/>
+          </a:prstGeom>
+          <a:solidFill>
+            <a:schemeClr val="accent1">
+              <a:lumMod val="40000"/>
+              <a:lumOff val="60000"/>
+            </a:schemeClr>
+          </a:solidFill>
+          <a:ln w="57150"/>
+        </p:spPr>
+        <p:style>
+          <a:lnRef idx="2">
+            <a:schemeClr val="accent1">
+              <a:shade val="50000"/>
+            </a:schemeClr>
+          </a:lnRef>
+          <a:fillRef idx="1">
+            <a:schemeClr val="accent1"/>
+          </a:fillRef>
+          <a:effectRef idx="0">
+            <a:schemeClr val="accent1"/>
+          </a:effectRef>
+          <a:fontRef idx="minor">
+            <a:schemeClr val="lt1"/>
+          </a:fontRef>
+        </p:style>
+        <p:txBody>
+          <a:bodyPr rtlCol="0" anchor="ctr"/>
+          <a:lstStyle/>
+          <a:p>
+            <a:pPr algn="ctr"/>
+            <a:endParaRPr lang="en-US" dirty="0"/>
+          </a:p>
+        </p:txBody>
+      </p:sp>
+      <p:cxnSp>
+        <p:nvCxnSpPr>
+          <p:cNvPr id="4" name="Straight Arrow Connector 3">
+            <a:extLst>
+              <a:ext uri="{FF2B5EF4-FFF2-40B4-BE49-F238E27FC236}">
+                <a16:creationId xmlns:a16="http://schemas.microsoft.com/office/drawing/2014/main" id="{F1D393E5-C876-4FE1-94B7-2DEEC9B5F388}"/>
+              </a:ext>
+            </a:extLst>
+          </p:cNvPr>
+          <p:cNvCxnSpPr>
+            <a:stCxn id="2" idx="6"/>
+          </p:cNvCxnSpPr>
+          <p:nvPr/>
+        </p:nvCxnSpPr>
+        <p:spPr>
+          <a:xfrm>
+            <a:off x="8092751" y="3429000"/>
+            <a:ext cx="1844351" cy="0"/>
+          </a:xfrm>
+          <a:prstGeom prst="straightConnector1">
+            <a:avLst/>
+          </a:prstGeom>
+          <a:ln w="57150">
+            <a:solidFill>
+              <a:schemeClr val="accent1">
+                <a:lumMod val="75000"/>
+              </a:schemeClr>
+            </a:solidFill>
+            <a:tailEnd type="triangle"/>
+          </a:ln>
+        </p:spPr>
+        <p:style>
+          <a:lnRef idx="1">
+            <a:schemeClr val="accent1"/>
+          </a:lnRef>
+          <a:fillRef idx="0">
+            <a:schemeClr val="accent1"/>
+          </a:fillRef>
+          <a:effectRef idx="0">
+            <a:schemeClr val="accent1"/>
+          </a:effectRef>
+          <a:fontRef idx="minor">
+            <a:schemeClr val="tx1"/>
+          </a:fontRef>
+        </p:style>
+      </p:cxnSp>
+      <p:cxnSp>
+        <p:nvCxnSpPr>
+          <p:cNvPr id="6" name="node divider">
+            <a:extLst>
+              <a:ext uri="{FF2B5EF4-FFF2-40B4-BE49-F238E27FC236}">
+                <a16:creationId xmlns:a16="http://schemas.microsoft.com/office/drawing/2014/main" id="{23D96383-F792-49B6-AB29-BD05DD23B80F}"/>
+              </a:ext>
+            </a:extLst>
+          </p:cNvPr>
+          <p:cNvCxnSpPr>
+            <a:stCxn id="2" idx="0"/>
+            <a:endCxn id="2" idx="4"/>
+          </p:cNvCxnSpPr>
+          <p:nvPr/>
+        </p:nvCxnSpPr>
+        <p:spPr>
+          <a:xfrm>
+            <a:off x="6096000" y="2272004"/>
+            <a:ext cx="0" cy="2313992"/>
+          </a:xfrm>
+          <a:prstGeom prst="line">
+            <a:avLst/>
+          </a:prstGeom>
+          <a:ln w="57150">
+            <a:solidFill>
+              <a:schemeClr val="accent1">
+                <a:lumMod val="75000"/>
+              </a:schemeClr>
+            </a:solidFill>
+          </a:ln>
+        </p:spPr>
+        <p:style>
+          <a:lnRef idx="1">
+            <a:schemeClr val="accent1"/>
+          </a:lnRef>
+          <a:fillRef idx="0">
+            <a:schemeClr val="accent1"/>
+          </a:fillRef>
+          <a:effectRef idx="0">
+            <a:schemeClr val="accent1"/>
+          </a:effectRef>
+          <a:fontRef idx="minor">
+            <a:schemeClr val="tx1"/>
+          </a:fontRef>
+        </p:style>
+      </p:cxnSp>
+      <p:sp>
+        <p:nvSpPr>
+          <p:cNvPr id="8" name="summation symbol">
+            <a:extLst>
+              <a:ext uri="{FF2B5EF4-FFF2-40B4-BE49-F238E27FC236}">
+                <a16:creationId xmlns:a16="http://schemas.microsoft.com/office/drawing/2014/main" id="{478EF2D6-AEA9-4AA8-B482-B2E7E2929599}"/>
+              </a:ext>
+            </a:extLst>
+          </p:cNvPr>
+          <p:cNvSpPr txBox="1"/>
+          <p:nvPr/>
+        </p:nvSpPr>
+        <p:spPr>
+          <a:xfrm>
+            <a:off x="4770452" y="2767280"/>
+            <a:ext cx="654346" cy="1323439"/>
+          </a:xfrm>
+          <a:prstGeom prst="rect">
+            <a:avLst/>
+          </a:prstGeom>
+          <a:noFill/>
+        </p:spPr>
+        <p:txBody>
+          <a:bodyPr wrap="none" rtlCol="0">
+            <a:spAutoFit/>
+          </a:bodyPr>
+          <a:lstStyle/>
+          <a:p>
+            <a:r>
+              <a:rPr lang="el-GR" sz="8000" dirty="0"/>
+              <a:t>Σ</a:t>
+            </a:r>
+            <a:endParaRPr lang="en-US" sz="8000" dirty="0"/>
+          </a:p>
+        </p:txBody>
+      </p:sp>
+      <p:cxnSp>
+        <p:nvCxnSpPr>
+          <p:cNvPr id="13" name="Straight Arrow Connector 12">
+            <a:extLst>
+              <a:ext uri="{FF2B5EF4-FFF2-40B4-BE49-F238E27FC236}">
+                <a16:creationId xmlns:a16="http://schemas.microsoft.com/office/drawing/2014/main" id="{A799E481-9039-4A80-840D-5213D168ED21}"/>
+              </a:ext>
+            </a:extLst>
+          </p:cNvPr>
+          <p:cNvCxnSpPr>
+            <a:cxnSpLocks/>
+          </p:cNvCxnSpPr>
+          <p:nvPr/>
+        </p:nvCxnSpPr>
+        <p:spPr>
+          <a:xfrm flipV="1">
+            <a:off x="2404972" y="4069884"/>
+            <a:ext cx="1992649" cy="1165589"/>
+          </a:xfrm>
+          <a:prstGeom prst="straightConnector1">
+            <a:avLst/>
+          </a:prstGeom>
+          <a:ln w="57150">
+            <a:solidFill>
+              <a:schemeClr val="accent1">
+                <a:lumMod val="75000"/>
+              </a:schemeClr>
+            </a:solidFill>
+            <a:tailEnd type="triangle"/>
+          </a:ln>
+        </p:spPr>
+        <p:style>
+          <a:lnRef idx="1">
+            <a:schemeClr val="accent1"/>
+          </a:lnRef>
+          <a:fillRef idx="0">
+            <a:schemeClr val="accent1"/>
+          </a:fillRef>
+          <a:effectRef idx="0">
+            <a:schemeClr val="accent1"/>
+          </a:effectRef>
+          <a:fontRef idx="minor">
+            <a:schemeClr val="tx1"/>
+          </a:fontRef>
+        </p:style>
+      </p:cxnSp>
+      <p:cxnSp>
+        <p:nvCxnSpPr>
+          <p:cNvPr id="16" name="step symbol">
+            <a:extLst>
+              <a:ext uri="{FF2B5EF4-FFF2-40B4-BE49-F238E27FC236}">
+                <a16:creationId xmlns:a16="http://schemas.microsoft.com/office/drawing/2014/main" id="{303E8858-DFDE-485B-820F-B7FB90E46CE2}"/>
+              </a:ext>
+            </a:extLst>
+          </p:cNvPr>
+          <p:cNvCxnSpPr>
+            <a:cxnSpLocks/>
+          </p:cNvCxnSpPr>
+          <p:nvPr/>
+        </p:nvCxnSpPr>
+        <p:spPr>
+          <a:xfrm flipV="1">
+            <a:off x="6578081" y="3144416"/>
+            <a:ext cx="746449" cy="569166"/>
+          </a:xfrm>
+          <a:prstGeom prst="bentConnector3">
+            <a:avLst/>
+          </a:prstGeom>
+          <a:ln w="76200">
+            <a:solidFill>
+              <a:schemeClr val="tx1"/>
+            </a:solidFill>
+          </a:ln>
+        </p:spPr>
+        <p:style>
+          <a:lnRef idx="1">
+            <a:schemeClr val="accent1"/>
+          </a:lnRef>
+          <a:fillRef idx="0">
+            <a:schemeClr val="accent1"/>
+          </a:fillRef>
+          <a:effectRef idx="0">
+            <a:schemeClr val="accent1"/>
+          </a:effectRef>
+          <a:fontRef idx="minor">
+            <a:schemeClr val="tx1"/>
+          </a:fontRef>
+        </p:style>
+      </p:cxnSp>
+      <p:cxnSp>
+        <p:nvCxnSpPr>
+          <p:cNvPr id="22" name="Straight Arrow Connector 21">
+            <a:extLst>
+              <a:ext uri="{FF2B5EF4-FFF2-40B4-BE49-F238E27FC236}">
+                <a16:creationId xmlns:a16="http://schemas.microsoft.com/office/drawing/2014/main" id="{37F09429-0594-42B4-82A5-B24609C66315}"/>
+              </a:ext>
+            </a:extLst>
+          </p:cNvPr>
+          <p:cNvCxnSpPr>
+            <a:cxnSpLocks/>
+          </p:cNvCxnSpPr>
+          <p:nvPr/>
+        </p:nvCxnSpPr>
+        <p:spPr>
+          <a:xfrm>
+            <a:off x="2284521" y="1800808"/>
+            <a:ext cx="2190912" cy="954432"/>
+          </a:xfrm>
+          <a:prstGeom prst="straightConnector1">
+            <a:avLst/>
+          </a:prstGeom>
+          <a:ln w="57150">
+            <a:solidFill>
+              <a:schemeClr val="accent1">
+                <a:lumMod val="75000"/>
+              </a:schemeClr>
+            </a:solidFill>
+            <a:tailEnd type="triangle"/>
+          </a:ln>
+        </p:spPr>
+        <p:style>
+          <a:lnRef idx="1">
+            <a:schemeClr val="accent1"/>
+          </a:lnRef>
+          <a:fillRef idx="0">
+            <a:schemeClr val="accent1"/>
+          </a:fillRef>
+          <a:effectRef idx="0">
+            <a:schemeClr val="accent1"/>
+          </a:effectRef>
+          <a:fontRef idx="minor">
+            <a:schemeClr val="tx1"/>
+          </a:fontRef>
+        </p:style>
+      </p:cxnSp>
+      <p:grpSp>
+        <p:nvGrpSpPr>
+          <p:cNvPr id="5" name="input variables">
+            <a:extLst>
+              <a:ext uri="{FF2B5EF4-FFF2-40B4-BE49-F238E27FC236}">
+                <a16:creationId xmlns:a16="http://schemas.microsoft.com/office/drawing/2014/main" id="{E65095B9-356F-4B29-A89B-3B3803BA9C83}"/>
+              </a:ext>
+            </a:extLst>
+          </p:cNvPr>
+          <p:cNvGrpSpPr/>
+          <p:nvPr/>
+        </p:nvGrpSpPr>
+        <p:grpSpPr>
+          <a:xfrm>
+            <a:off x="1543757" y="1308237"/>
+            <a:ext cx="669410" cy="4241527"/>
+            <a:chOff x="1543757" y="1308237"/>
+            <a:chExt cx="669410" cy="4241527"/>
+          </a:xfrm>
+        </p:grpSpPr>
+        <p:sp>
+          <p:nvSpPr>
+            <p:cNvPr id="45" name="TextBox 44">
+              <a:extLst>
+                <a:ext uri="{FF2B5EF4-FFF2-40B4-BE49-F238E27FC236}">
+                  <a16:creationId xmlns:a16="http://schemas.microsoft.com/office/drawing/2014/main" id="{6E36D63E-70F6-45CC-A576-53B51BC624EF}"/>
+                </a:ext>
+              </a:extLst>
+            </p:cNvPr>
+            <p:cNvSpPr txBox="1"/>
+            <p:nvPr/>
+          </p:nvSpPr>
+          <p:spPr>
+            <a:xfrm>
+              <a:off x="1543757" y="1308237"/>
+              <a:ext cx="659155" cy="830997"/>
+            </a:xfrm>
+            <a:prstGeom prst="rect">
+              <a:avLst/>
+            </a:prstGeom>
+            <a:noFill/>
+          </p:spPr>
+          <p:txBody>
+            <a:bodyPr wrap="none" rtlCol="0">
+              <a:spAutoFit/>
+            </a:bodyPr>
+            <a:lstStyle/>
+            <a:p>
+              <a:r>
+                <a:rPr lang="en-US" sz="4800" dirty="0"/>
+                <a:t>x</a:t>
+              </a:r>
+              <a:r>
+                <a:rPr lang="en-US" sz="4800" baseline="-25000" dirty="0"/>
+                <a:t>1</a:t>
+              </a:r>
+            </a:p>
+          </p:txBody>
+        </p:sp>
+        <p:sp>
+          <p:nvSpPr>
+            <p:cNvPr id="48" name="TextBox 47">
+              <a:extLst>
+                <a:ext uri="{FF2B5EF4-FFF2-40B4-BE49-F238E27FC236}">
+                  <a16:creationId xmlns:a16="http://schemas.microsoft.com/office/drawing/2014/main" id="{6447DE84-A0D6-4277-9FBD-066EA01108D3}"/>
+                </a:ext>
+              </a:extLst>
+            </p:cNvPr>
+            <p:cNvSpPr txBox="1"/>
+            <p:nvPr/>
+          </p:nvSpPr>
+          <p:spPr>
+            <a:xfrm>
+              <a:off x="1554012" y="4718767"/>
+              <a:ext cx="659155" cy="830997"/>
+            </a:xfrm>
+            <a:prstGeom prst="rect">
+              <a:avLst/>
+            </a:prstGeom>
+            <a:noFill/>
+          </p:spPr>
+          <p:txBody>
+            <a:bodyPr wrap="none" rtlCol="0">
+              <a:spAutoFit/>
+            </a:bodyPr>
+            <a:lstStyle/>
+            <a:p>
+              <a:r>
+                <a:rPr lang="en-US" sz="4800" dirty="0"/>
+                <a:t>x</a:t>
+              </a:r>
+              <a:r>
+                <a:rPr lang="en-US" sz="4800" baseline="-25000" dirty="0"/>
+                <a:t>2</a:t>
+              </a:r>
+            </a:p>
+          </p:txBody>
+        </p:sp>
+      </p:grpSp>
+      <p:sp>
+        <p:nvSpPr>
+          <p:cNvPr id="50" name="output variable">
+            <a:extLst>
+              <a:ext uri="{FF2B5EF4-FFF2-40B4-BE49-F238E27FC236}">
+                <a16:creationId xmlns:a16="http://schemas.microsoft.com/office/drawing/2014/main" id="{BAA6C886-3C19-4C62-BEC5-A79A5B838B80}"/>
+              </a:ext>
+            </a:extLst>
+          </p:cNvPr>
+          <p:cNvSpPr txBox="1"/>
+          <p:nvPr/>
+        </p:nvSpPr>
+        <p:spPr>
+          <a:xfrm>
+            <a:off x="9994198" y="2879461"/>
+            <a:ext cx="463588" cy="830997"/>
+          </a:xfrm>
+          <a:prstGeom prst="rect">
+            <a:avLst/>
+          </a:prstGeom>
+          <a:noFill/>
+        </p:spPr>
+        <p:txBody>
+          <a:bodyPr wrap="none" rtlCol="0">
+            <a:spAutoFit/>
+          </a:bodyPr>
+          <a:lstStyle/>
+          <a:p>
+            <a:r>
+              <a:rPr lang="en-US" sz="4800" dirty="0"/>
+              <a:t>y</a:t>
+            </a:r>
+            <a:endParaRPr lang="en-US" sz="4800" baseline="-25000" dirty="0"/>
+          </a:p>
+        </p:txBody>
+      </p:sp>
+      <p:grpSp>
+        <p:nvGrpSpPr>
+          <p:cNvPr id="10" name="weight variables">
+            <a:extLst>
+              <a:ext uri="{FF2B5EF4-FFF2-40B4-BE49-F238E27FC236}">
+                <a16:creationId xmlns:a16="http://schemas.microsoft.com/office/drawing/2014/main" id="{C7768F97-9A35-4E95-BC65-C33C1B9C1D08}"/>
+              </a:ext>
+            </a:extLst>
+          </p:cNvPr>
+          <p:cNvGrpSpPr/>
+          <p:nvPr/>
+        </p:nvGrpSpPr>
+        <p:grpSpPr>
+          <a:xfrm>
+            <a:off x="2649057" y="1505299"/>
+            <a:ext cx="635271" cy="3289288"/>
+            <a:chOff x="2649057" y="1505299"/>
+            <a:chExt cx="635271" cy="3289288"/>
+          </a:xfrm>
+        </p:grpSpPr>
+        <p:sp>
+          <p:nvSpPr>
+            <p:cNvPr id="52" name="TextBox 51">
+              <a:extLst>
+                <a:ext uri="{FF2B5EF4-FFF2-40B4-BE49-F238E27FC236}">
+                  <a16:creationId xmlns:a16="http://schemas.microsoft.com/office/drawing/2014/main" id="{5305D105-4CF9-4718-B8D6-53B5FA2A4CA9}"/>
+                </a:ext>
+              </a:extLst>
+            </p:cNvPr>
+            <p:cNvSpPr txBox="1"/>
+            <p:nvPr/>
+          </p:nvSpPr>
+          <p:spPr>
+            <a:xfrm>
+              <a:off x="2649057" y="1505299"/>
+              <a:ext cx="617477" cy="584775"/>
+            </a:xfrm>
+            <a:prstGeom prst="rect">
+              <a:avLst/>
+            </a:prstGeom>
+            <a:noFill/>
+          </p:spPr>
+          <p:txBody>
+            <a:bodyPr wrap="none" rtlCol="0">
+              <a:spAutoFit/>
+            </a:bodyPr>
+            <a:lstStyle/>
+            <a:p>
+              <a:r>
+                <a:rPr lang="en-US" sz="3200" dirty="0">
+                  <a:solidFill>
+                    <a:schemeClr val="tx2">
+                      <a:lumMod val="75000"/>
+                    </a:schemeClr>
+                  </a:solidFill>
+                </a:rPr>
+                <a:t>w</a:t>
+              </a:r>
+              <a:r>
+                <a:rPr lang="en-US" sz="3200" baseline="-25000" dirty="0">
+                  <a:solidFill>
+                    <a:schemeClr val="tx2">
+                      <a:lumMod val="75000"/>
+                    </a:schemeClr>
+                  </a:solidFill>
+                </a:rPr>
+                <a:t>1</a:t>
+              </a:r>
+            </a:p>
+          </p:txBody>
+        </p:sp>
+        <p:sp>
+          <p:nvSpPr>
+            <p:cNvPr id="55" name="TextBox 54">
+              <a:extLst>
+                <a:ext uri="{FF2B5EF4-FFF2-40B4-BE49-F238E27FC236}">
+                  <a16:creationId xmlns:a16="http://schemas.microsoft.com/office/drawing/2014/main" id="{AB3F375A-FEB9-4400-A78E-ABD9A5BACBE5}"/>
+                </a:ext>
+              </a:extLst>
+            </p:cNvPr>
+            <p:cNvSpPr txBox="1"/>
+            <p:nvPr/>
+          </p:nvSpPr>
+          <p:spPr>
+            <a:xfrm>
+              <a:off x="2666851" y="4209812"/>
+              <a:ext cx="617477" cy="584775"/>
+            </a:xfrm>
+            <a:prstGeom prst="rect">
+              <a:avLst/>
+            </a:prstGeom>
+            <a:noFill/>
+          </p:spPr>
+          <p:txBody>
+            <a:bodyPr wrap="none" rtlCol="0">
+              <a:spAutoFit/>
+            </a:bodyPr>
+            <a:lstStyle/>
+            <a:p>
+              <a:r>
+                <a:rPr lang="en-US" sz="3200" dirty="0">
+                  <a:solidFill>
+                    <a:schemeClr val="tx2">
+                      <a:lumMod val="75000"/>
+                    </a:schemeClr>
+                  </a:solidFill>
+                </a:rPr>
+                <a:t>w</a:t>
+              </a:r>
+              <a:r>
+                <a:rPr lang="en-US" sz="3200" baseline="-25000" dirty="0">
+                  <a:solidFill>
+                    <a:schemeClr val="tx2">
+                      <a:lumMod val="75000"/>
+                    </a:schemeClr>
+                  </a:solidFill>
+                </a:rPr>
+                <a:t>2</a:t>
+              </a:r>
+            </a:p>
+          </p:txBody>
+        </p:sp>
+      </p:grpSp>
+      <p:grpSp>
+        <p:nvGrpSpPr>
+          <p:cNvPr id="7" name="inputs">
+            <a:extLst>
+              <a:ext uri="{FF2B5EF4-FFF2-40B4-BE49-F238E27FC236}">
+                <a16:creationId xmlns:a16="http://schemas.microsoft.com/office/drawing/2014/main" id="{7CC8B52A-2DE5-4604-ADEF-D5AA83E7B746}"/>
+              </a:ext>
+            </a:extLst>
+          </p:cNvPr>
+          <p:cNvGrpSpPr/>
+          <p:nvPr/>
+        </p:nvGrpSpPr>
+        <p:grpSpPr>
+          <a:xfrm>
+            <a:off x="282081" y="1400783"/>
+            <a:ext cx="1277187" cy="4148980"/>
+            <a:chOff x="282081" y="512333"/>
+            <a:chExt cx="1277187" cy="5833334"/>
+          </a:xfrm>
+        </p:grpSpPr>
+        <p:sp>
+          <p:nvSpPr>
+            <p:cNvPr id="62" name="Left Brace 61">
+              <a:extLst>
+                <a:ext uri="{FF2B5EF4-FFF2-40B4-BE49-F238E27FC236}">
+                  <a16:creationId xmlns:a16="http://schemas.microsoft.com/office/drawing/2014/main" id="{7DA8FF88-BCFB-401D-B66A-6B0400BC9D1F}"/>
+                </a:ext>
+              </a:extLst>
+            </p:cNvPr>
+            <p:cNvSpPr/>
+            <p:nvPr/>
+          </p:nvSpPr>
+          <p:spPr>
+            <a:xfrm>
+              <a:off x="1070632" y="512333"/>
+              <a:ext cx="488636" cy="5833334"/>
+            </a:xfrm>
+            <a:prstGeom prst="leftBrace">
+              <a:avLst>
+                <a:gd name="adj1" fmla="val 132452"/>
+                <a:gd name="adj2" fmla="val 50000"/>
+              </a:avLst>
+            </a:prstGeom>
+            <a:ln w="38100">
+              <a:solidFill>
+                <a:schemeClr val="tx2">
+                  <a:lumMod val="75000"/>
+                </a:schemeClr>
+              </a:solidFill>
+            </a:ln>
+          </p:spPr>
+          <p:style>
+            <a:lnRef idx="1">
+              <a:schemeClr val="accent1"/>
+            </a:lnRef>
+            <a:fillRef idx="0">
+              <a:schemeClr val="accent1"/>
+            </a:fillRef>
+            <a:effectRef idx="0">
+              <a:schemeClr val="accent1"/>
+            </a:effectRef>
+            <a:fontRef idx="minor">
+              <a:schemeClr val="tx1"/>
+            </a:fontRef>
+          </p:style>
+          <p:txBody>
+            <a:bodyPr rtlCol="0" anchor="ctr"/>
+            <a:lstStyle/>
+            <a:p>
+              <a:pPr algn="ctr"/>
+              <a:endParaRPr lang="en-US"/>
+            </a:p>
+          </p:txBody>
+        </p:sp>
+        <p:sp>
+          <p:nvSpPr>
+            <p:cNvPr id="63" name="TextBox 62">
+              <a:extLst>
+                <a:ext uri="{FF2B5EF4-FFF2-40B4-BE49-F238E27FC236}">
+                  <a16:creationId xmlns:a16="http://schemas.microsoft.com/office/drawing/2014/main" id="{5C43ED60-25EC-4F5D-8259-147654C51445}"/>
+                </a:ext>
+              </a:extLst>
+            </p:cNvPr>
+            <p:cNvSpPr txBox="1"/>
+            <p:nvPr/>
+          </p:nvSpPr>
+          <p:spPr>
+            <a:xfrm rot="16200000">
+              <a:off x="-344943" y="3228928"/>
+              <a:ext cx="1900380" cy="646331"/>
+            </a:xfrm>
+            <a:prstGeom prst="rect">
+              <a:avLst/>
+            </a:prstGeom>
+            <a:noFill/>
+          </p:spPr>
+          <p:txBody>
+            <a:bodyPr wrap="none" rtlCol="0">
+              <a:spAutoFit/>
+            </a:bodyPr>
+            <a:lstStyle/>
+            <a:p>
+              <a:r>
+                <a:rPr lang="en-US" sz="3600" dirty="0"/>
+                <a:t>inputs</a:t>
+              </a:r>
+            </a:p>
+          </p:txBody>
+        </p:sp>
+      </p:grpSp>
+      <p:sp>
+        <p:nvSpPr>
+          <p:cNvPr id="64" name="output">
+            <a:extLst>
+              <a:ext uri="{FF2B5EF4-FFF2-40B4-BE49-F238E27FC236}">
+                <a16:creationId xmlns:a16="http://schemas.microsoft.com/office/drawing/2014/main" id="{C121EDEF-86CC-485B-B3EA-D07B64FCE677}"/>
+              </a:ext>
+            </a:extLst>
+          </p:cNvPr>
+          <p:cNvSpPr txBox="1"/>
+          <p:nvPr/>
+        </p:nvSpPr>
+        <p:spPr>
+          <a:xfrm>
+            <a:off x="9494862" y="2563831"/>
+            <a:ext cx="1462260" cy="646331"/>
+          </a:xfrm>
+          <a:prstGeom prst="rect">
+            <a:avLst/>
+          </a:prstGeom>
+          <a:noFill/>
+        </p:spPr>
+        <p:txBody>
+          <a:bodyPr wrap="none" rtlCol="0">
+            <a:spAutoFit/>
+          </a:bodyPr>
+          <a:lstStyle/>
+          <a:p>
+            <a:r>
+              <a:rPr lang="en-US" sz="3600" dirty="0"/>
+              <a:t>output</a:t>
+            </a:r>
+          </a:p>
+        </p:txBody>
+      </p:sp>
+      <p:grpSp>
+        <p:nvGrpSpPr>
+          <p:cNvPr id="11" name="weights">
+            <a:extLst>
+              <a:ext uri="{FF2B5EF4-FFF2-40B4-BE49-F238E27FC236}">
+                <a16:creationId xmlns:a16="http://schemas.microsoft.com/office/drawing/2014/main" id="{99F187D0-418B-4FED-A2C8-7A068F193733}"/>
+              </a:ext>
+            </a:extLst>
+          </p:cNvPr>
+          <p:cNvGrpSpPr/>
+          <p:nvPr/>
+        </p:nvGrpSpPr>
+        <p:grpSpPr>
+          <a:xfrm>
+            <a:off x="2780408" y="4944952"/>
+            <a:ext cx="1741012" cy="860898"/>
+            <a:chOff x="2723133" y="5562961"/>
+            <a:chExt cx="1741012" cy="860898"/>
+          </a:xfrm>
+        </p:grpSpPr>
+        <p:pic>
+          <p:nvPicPr>
+            <p:cNvPr id="71" name="Graphic 70" descr="Arrow: Counterclockwise curve">
+              <a:extLst>
+                <a:ext uri="{FF2B5EF4-FFF2-40B4-BE49-F238E27FC236}">
+                  <a16:creationId xmlns:a16="http://schemas.microsoft.com/office/drawing/2014/main" id="{8F6C6D0D-113F-4929-A3F7-C0AD3B51B742}"/>
+                </a:ext>
+              </a:extLst>
+            </p:cNvPr>
+            <p:cNvPicPr>
+              <a:picLocks noChangeAspect="1"/>
+            </p:cNvPicPr>
+            <p:nvPr/>
+          </p:nvPicPr>
+          <p:blipFill>
+            <a:blip r:embed="rId2">
+              <a:extLst>
+                <a:ext uri="{28A0092B-C50C-407E-A947-70E740481C1C}">
+                  <a14:useLocalDpi xmlns:a14="http://schemas.microsoft.com/office/drawing/2010/main" val="0"/>
+                </a:ext>
+                <a:ext uri="{96DAC541-7B7A-43D3-8B79-37D633B846F1}">
+                  <asvg:svgBlip xmlns:asvg="http://schemas.microsoft.com/office/drawing/2016/SVG/main" r:embed="rId3"/>
+                </a:ext>
+              </a:extLst>
+            </a:blip>
+            <a:stretch>
+              <a:fillRect/>
+            </a:stretch>
+          </p:blipFill>
+          <p:spPr>
+            <a:xfrm rot="8013434" flipV="1">
+              <a:off x="2723133" y="5562961"/>
+              <a:ext cx="693165" cy="693165"/>
+            </a:xfrm>
+            <a:prstGeom prst="rect">
+              <a:avLst/>
+            </a:prstGeom>
+          </p:spPr>
+        </p:pic>
+        <p:sp>
+          <p:nvSpPr>
+            <p:cNvPr id="72" name="TextBox 71">
+              <a:extLst>
+                <a:ext uri="{FF2B5EF4-FFF2-40B4-BE49-F238E27FC236}">
+                  <a16:creationId xmlns:a16="http://schemas.microsoft.com/office/drawing/2014/main" id="{D47E754D-63F5-4105-B223-0F89697F87A5}"/>
+                </a:ext>
+              </a:extLst>
+            </p:cNvPr>
+            <p:cNvSpPr txBox="1"/>
+            <p:nvPr/>
+          </p:nvSpPr>
+          <p:spPr>
+            <a:xfrm>
+              <a:off x="3151029" y="5900639"/>
+              <a:ext cx="1313116" cy="523220"/>
+            </a:xfrm>
+            <a:prstGeom prst="rect">
+              <a:avLst/>
+            </a:prstGeom>
+            <a:noFill/>
+          </p:spPr>
+          <p:txBody>
+            <a:bodyPr wrap="none" rtlCol="0">
+              <a:spAutoFit/>
+            </a:bodyPr>
+            <a:lstStyle/>
+            <a:p>
+              <a:r>
+                <a:rPr lang="en-US" sz="2800" dirty="0"/>
+                <a:t>weights</a:t>
+              </a:r>
+            </a:p>
+          </p:txBody>
+        </p:sp>
+      </p:grpSp>
+      <p:grpSp>
+        <p:nvGrpSpPr>
+          <p:cNvPr id="57" name="weights">
+            <a:extLst>
+              <a:ext uri="{FF2B5EF4-FFF2-40B4-BE49-F238E27FC236}">
+                <a16:creationId xmlns:a16="http://schemas.microsoft.com/office/drawing/2014/main" id="{50FB0871-4966-4FCB-9A67-BBED46E1BACD}"/>
+              </a:ext>
+            </a:extLst>
+          </p:cNvPr>
+          <p:cNvGrpSpPr/>
+          <p:nvPr/>
+        </p:nvGrpSpPr>
+        <p:grpSpPr>
+          <a:xfrm>
+            <a:off x="1686568" y="5652287"/>
+            <a:ext cx="2409296" cy="957254"/>
+            <a:chOff x="2723133" y="5562961"/>
+            <a:chExt cx="2409296" cy="957254"/>
+          </a:xfrm>
+        </p:grpSpPr>
+        <p:pic>
+          <p:nvPicPr>
+            <p:cNvPr id="73" name="Graphic 72" descr="Arrow: Counterclockwise curve">
+              <a:extLst>
+                <a:ext uri="{FF2B5EF4-FFF2-40B4-BE49-F238E27FC236}">
+                  <a16:creationId xmlns:a16="http://schemas.microsoft.com/office/drawing/2014/main" id="{DF43F800-8F13-409A-890D-9BE2575CBA9F}"/>
+                </a:ext>
+              </a:extLst>
+            </p:cNvPr>
+            <p:cNvPicPr>
+              <a:picLocks noChangeAspect="1"/>
+            </p:cNvPicPr>
+            <p:nvPr/>
+          </p:nvPicPr>
+          <p:blipFill>
+            <a:blip r:embed="rId2">
+              <a:extLst>
+                <a:ext uri="{28A0092B-C50C-407E-A947-70E740481C1C}">
+                  <a14:useLocalDpi xmlns:a14="http://schemas.microsoft.com/office/drawing/2010/main" val="0"/>
+                </a:ext>
+                <a:ext uri="{96DAC541-7B7A-43D3-8B79-37D633B846F1}">
+                  <asvg:svgBlip xmlns:asvg="http://schemas.microsoft.com/office/drawing/2016/SVG/main" r:embed="rId3"/>
+                </a:ext>
+              </a:extLst>
+            </a:blip>
+            <a:stretch>
+              <a:fillRect/>
+            </a:stretch>
+          </p:blipFill>
+          <p:spPr>
+            <a:xfrm rot="8013434" flipV="1">
+              <a:off x="2723133" y="5562961"/>
+              <a:ext cx="693165" cy="693165"/>
+            </a:xfrm>
+            <a:prstGeom prst="rect">
+              <a:avLst/>
+            </a:prstGeom>
+          </p:spPr>
+        </p:pic>
+        <p:sp>
+          <p:nvSpPr>
+            <p:cNvPr id="74" name="TextBox 73">
+              <a:extLst>
+                <a:ext uri="{FF2B5EF4-FFF2-40B4-BE49-F238E27FC236}">
+                  <a16:creationId xmlns:a16="http://schemas.microsoft.com/office/drawing/2014/main" id="{57382632-E897-4BF8-8765-698760AC14DE}"/>
+                </a:ext>
+              </a:extLst>
+            </p:cNvPr>
+            <p:cNvSpPr txBox="1"/>
+            <p:nvPr/>
+          </p:nvSpPr>
+          <p:spPr>
+            <a:xfrm>
+              <a:off x="3104951" y="5996995"/>
+              <a:ext cx="2027478" cy="523220"/>
+            </a:xfrm>
+            <a:prstGeom prst="rect">
+              <a:avLst/>
+            </a:prstGeom>
+            <a:noFill/>
+          </p:spPr>
+          <p:txBody>
+            <a:bodyPr wrap="none" rtlCol="0">
+              <a:spAutoFit/>
+            </a:bodyPr>
+            <a:lstStyle/>
+            <a:p>
+              <a:r>
+                <a:rPr lang="en-US" sz="2800" dirty="0"/>
+                <a:t>y-coordinate</a:t>
+              </a:r>
+            </a:p>
+          </p:txBody>
+        </p:sp>
+      </p:grpSp>
+      <p:grpSp>
+        <p:nvGrpSpPr>
+          <p:cNvPr id="75" name="weights">
+            <a:extLst>
+              <a:ext uri="{FF2B5EF4-FFF2-40B4-BE49-F238E27FC236}">
+                <a16:creationId xmlns:a16="http://schemas.microsoft.com/office/drawing/2014/main" id="{45F7CEAC-F6EF-4196-A271-99B393BC7C18}"/>
+              </a:ext>
+            </a:extLst>
+          </p:cNvPr>
+          <p:cNvGrpSpPr/>
+          <p:nvPr/>
+        </p:nvGrpSpPr>
+        <p:grpSpPr>
+          <a:xfrm>
+            <a:off x="1609296" y="539703"/>
+            <a:ext cx="2359551" cy="1059054"/>
+            <a:chOff x="2976931" y="5813303"/>
+            <a:chExt cx="2359551" cy="1059054"/>
+          </a:xfrm>
+        </p:grpSpPr>
+        <p:pic>
+          <p:nvPicPr>
+            <p:cNvPr id="76" name="Graphic 75" descr="Arrow: Counterclockwise curve">
+              <a:extLst>
+                <a:ext uri="{FF2B5EF4-FFF2-40B4-BE49-F238E27FC236}">
+                  <a16:creationId xmlns:a16="http://schemas.microsoft.com/office/drawing/2014/main" id="{6FF31F91-EDC9-4EFD-9FE2-DA4E31449472}"/>
+                </a:ext>
+              </a:extLst>
+            </p:cNvPr>
+            <p:cNvPicPr>
+              <a:picLocks noChangeAspect="1"/>
+            </p:cNvPicPr>
+            <p:nvPr/>
+          </p:nvPicPr>
+          <p:blipFill>
+            <a:blip r:embed="rId2">
+              <a:extLst>
+                <a:ext uri="{28A0092B-C50C-407E-A947-70E740481C1C}">
+                  <a14:useLocalDpi xmlns:a14="http://schemas.microsoft.com/office/drawing/2010/main" val="0"/>
+                </a:ext>
+                <a:ext uri="{96DAC541-7B7A-43D3-8B79-37D633B846F1}">
+                  <asvg:svgBlip xmlns:asvg="http://schemas.microsoft.com/office/drawing/2016/SVG/main" r:embed="rId3"/>
+                </a:ext>
+              </a:extLst>
+            </a:blip>
+            <a:stretch>
+              <a:fillRect/>
+            </a:stretch>
+          </p:blipFill>
+          <p:spPr>
+            <a:xfrm rot="13586566">
+              <a:off x="2976931" y="6179192"/>
+              <a:ext cx="693165" cy="693165"/>
+            </a:xfrm>
+            <a:prstGeom prst="rect">
+              <a:avLst/>
+            </a:prstGeom>
+          </p:spPr>
+        </p:pic>
+        <p:sp>
+          <p:nvSpPr>
+            <p:cNvPr id="77" name="TextBox 76">
+              <a:extLst>
+                <a:ext uri="{FF2B5EF4-FFF2-40B4-BE49-F238E27FC236}">
+                  <a16:creationId xmlns:a16="http://schemas.microsoft.com/office/drawing/2014/main" id="{826E10B2-BA4C-4DA3-A5DB-8A8A7A241498}"/>
+                </a:ext>
+              </a:extLst>
+            </p:cNvPr>
+            <p:cNvSpPr txBox="1"/>
+            <p:nvPr/>
+          </p:nvSpPr>
+          <p:spPr>
+            <a:xfrm>
+              <a:off x="3315416" y="5813303"/>
+              <a:ext cx="2021066" cy="523220"/>
+            </a:xfrm>
+            <a:prstGeom prst="rect">
+              <a:avLst/>
+            </a:prstGeom>
+            <a:noFill/>
+          </p:spPr>
+          <p:txBody>
+            <a:bodyPr wrap="none" rtlCol="0">
+              <a:spAutoFit/>
+            </a:bodyPr>
+            <a:lstStyle/>
+            <a:p>
+              <a:r>
+                <a:rPr lang="en-US" sz="2800" dirty="0"/>
+                <a:t>x-coordinate</a:t>
+              </a:r>
+            </a:p>
+          </p:txBody>
+        </p:sp>
+      </p:grpSp>
+    </p:spTree>
+    <p:extLst>
+      <p:ext uri="{BB962C8B-B14F-4D97-AF65-F5344CB8AC3E}">
+        <p14:creationId xmlns:p14="http://schemas.microsoft.com/office/powerpoint/2010/main" val="373762010"/>
+      </p:ext>
+    </p:extLst>
+  </p:cSld>
+  <p:clrMapOvr>
+    <a:masterClrMapping/>
+  </p:clrMapOvr>
+  <p:timing>
+    <p:tnLst>
+      <p:par>
+        <p:cTn id="1" dur="indefinite" restart="never" nodeType="tmRoot">
+          <p:childTnLst>
+            <p:seq concurrent="1" nextAc="seek">
+              <p:cTn id="2" dur="indefinite" nodeType="mainSeq">
+                <p:childTnLst>
+                  <p:par>
+                    <p:cTn id="3" fill="hold">
+                      <p:stCondLst>
+                        <p:cond delay="indefinite"/>
+                      </p:stCondLst>
+                      <p:childTnLst>
+                        <p:par>
+                          <p:cTn id="4" fill="hold">
+                            <p:stCondLst>
+                              <p:cond delay="0"/>
+                            </p:stCondLst>
+                            <p:childTnLst>
+                              <p:par>
+                                <p:cTn id="5" presetID="10" presetClass="entr" presetSubtype="0" fill="hold" nodeType="clickEffect">
+                                  <p:stCondLst>
+                                    <p:cond delay="0"/>
+                                  </p:stCondLst>
+                                  <p:childTnLst>
+                                    <p:set>
+                                      <p:cBhvr>
+                                        <p:cTn id="6" dur="1" fill="hold">
+                                          <p:stCondLst>
+                                            <p:cond delay="0"/>
+                                          </p:stCondLst>
+                                        </p:cTn>
+                                        <p:tgtEl>
+                                          <p:spTgt spid="5"/>
+                                        </p:tgtEl>
+                                        <p:attrNameLst>
+                                          <p:attrName>style.visibility</p:attrName>
+                                        </p:attrNameLst>
+                                      </p:cBhvr>
+                                      <p:to>
+                                        <p:strVal val="visible"/>
+                                      </p:to>
+                                    </p:set>
+                                    <p:animEffect transition="in" filter="fade">
+                                      <p:cBhvr>
+                                        <p:cTn id="7" dur="2000"/>
+                                        <p:tgtEl>
+                                          <p:spTgt spid="5"/>
+                                        </p:tgtEl>
+                                      </p:cBhvr>
+                                    </p:animEffect>
+                                  </p:childTnLst>
+                                </p:cTn>
+                              </p:par>
+                            </p:childTnLst>
+                          </p:cTn>
+                        </p:par>
+                        <p:par>
+                          <p:cTn id="8" fill="hold">
+                            <p:stCondLst>
+                              <p:cond delay="2000"/>
+                            </p:stCondLst>
+                            <p:childTnLst>
+                              <p:par>
+                                <p:cTn id="9" presetID="2" presetClass="entr" presetSubtype="8" fill="hold" nodeType="afterEffect">
+                                  <p:stCondLst>
+                                    <p:cond delay="0"/>
+                                  </p:stCondLst>
+                                  <p:childTnLst>
+                                    <p:set>
+                                      <p:cBhvr>
+                                        <p:cTn id="10" dur="1" fill="hold">
+                                          <p:stCondLst>
+                                            <p:cond delay="0"/>
+                                          </p:stCondLst>
+                                        </p:cTn>
+                                        <p:tgtEl>
+                                          <p:spTgt spid="7"/>
+                                        </p:tgtEl>
+                                        <p:attrNameLst>
+                                          <p:attrName>style.visibility</p:attrName>
+                                        </p:attrNameLst>
+                                      </p:cBhvr>
+                                      <p:to>
+                                        <p:strVal val="visible"/>
+                                      </p:to>
+                                    </p:set>
+                                    <p:anim calcmode="lin" valueType="num">
+                                      <p:cBhvr additive="base">
+                                        <p:cTn id="11" dur="1000" fill="hold"/>
+                                        <p:tgtEl>
+                                          <p:spTgt spid="7"/>
+                                        </p:tgtEl>
+                                        <p:attrNameLst>
+                                          <p:attrName>ppt_x</p:attrName>
+                                        </p:attrNameLst>
+                                      </p:cBhvr>
+                                      <p:tavLst>
+                                        <p:tav tm="0">
+                                          <p:val>
+                                            <p:strVal val="0-#ppt_w/2"/>
+                                          </p:val>
+                                        </p:tav>
+                                        <p:tav tm="100000">
+                                          <p:val>
+                                            <p:strVal val="#ppt_x"/>
+                                          </p:val>
+                                        </p:tav>
+                                      </p:tavLst>
+                                    </p:anim>
+                                    <p:anim calcmode="lin" valueType="num">
+                                      <p:cBhvr additive="base">
+                                        <p:cTn id="12" dur="1000" fill="hold"/>
+                                        <p:tgtEl>
+                                          <p:spTgt spid="7"/>
+                                        </p:tgtEl>
+                                        <p:attrNameLst>
+                                          <p:attrName>ppt_y</p:attrName>
+                                        </p:attrNameLst>
+                                      </p:cBhvr>
+                                      <p:tavLst>
+                                        <p:tav tm="0">
+                                          <p:val>
+                                            <p:strVal val="#ppt_y"/>
+                                          </p:val>
+                                        </p:tav>
+                                        <p:tav tm="100000">
+                                          <p:val>
+                                            <p:strVal val="#ppt_y"/>
+                                          </p:val>
+                                        </p:tav>
+                                      </p:tavLst>
+                                    </p:anim>
+                                  </p:childTnLst>
+                                </p:cTn>
+                              </p:par>
+                            </p:childTnLst>
+                          </p:cTn>
+                        </p:par>
+                      </p:childTnLst>
+                    </p:cTn>
+                  </p:par>
+                  <p:par>
+                    <p:cTn id="13" fill="hold">
+                      <p:stCondLst>
+                        <p:cond delay="indefinite"/>
+                      </p:stCondLst>
+                      <p:childTnLst>
+                        <p:par>
+                          <p:cTn id="14" fill="hold">
+                            <p:stCondLst>
+                              <p:cond delay="0"/>
+                            </p:stCondLst>
+                            <p:childTnLst>
+                              <p:par>
+                                <p:cTn id="15" presetID="10" presetClass="entr" presetSubtype="0" fill="hold" grpId="0" nodeType="clickEffect">
+                                  <p:stCondLst>
+                                    <p:cond delay="0"/>
+                                  </p:stCondLst>
+                                  <p:childTnLst>
+                                    <p:set>
+                                      <p:cBhvr>
+                                        <p:cTn id="16" dur="1" fill="hold">
+                                          <p:stCondLst>
+                                            <p:cond delay="0"/>
+                                          </p:stCondLst>
+                                        </p:cTn>
+                                        <p:tgtEl>
+                                          <p:spTgt spid="50"/>
+                                        </p:tgtEl>
+                                        <p:attrNameLst>
+                                          <p:attrName>style.visibility</p:attrName>
+                                        </p:attrNameLst>
+                                      </p:cBhvr>
+                                      <p:to>
+                                        <p:strVal val="visible"/>
+                                      </p:to>
+                                    </p:set>
+                                    <p:animEffect transition="in" filter="fade">
+                                      <p:cBhvr>
+                                        <p:cTn id="17" dur="2000"/>
+                                        <p:tgtEl>
+                                          <p:spTgt spid="50"/>
+                                        </p:tgtEl>
+                                      </p:cBhvr>
+                                    </p:animEffect>
+                                  </p:childTnLst>
+                                </p:cTn>
+                              </p:par>
+                            </p:childTnLst>
+                          </p:cTn>
+                        </p:par>
+                        <p:par>
+                          <p:cTn id="18" fill="hold">
+                            <p:stCondLst>
+                              <p:cond delay="2000"/>
+                            </p:stCondLst>
+                            <p:childTnLst>
+                              <p:par>
+                                <p:cTn id="19" presetID="2" presetClass="entr" presetSubtype="2" fill="hold" grpId="0" nodeType="afterEffect">
+                                  <p:stCondLst>
+                                    <p:cond delay="0"/>
+                                  </p:stCondLst>
+                                  <p:childTnLst>
+                                    <p:set>
+                                      <p:cBhvr>
+                                        <p:cTn id="20" dur="1" fill="hold">
+                                          <p:stCondLst>
+                                            <p:cond delay="0"/>
+                                          </p:stCondLst>
+                                        </p:cTn>
+                                        <p:tgtEl>
+                                          <p:spTgt spid="64"/>
+                                        </p:tgtEl>
+                                        <p:attrNameLst>
+                                          <p:attrName>style.visibility</p:attrName>
+                                        </p:attrNameLst>
+                                      </p:cBhvr>
+                                      <p:to>
+                                        <p:strVal val="visible"/>
+                                      </p:to>
+                                    </p:set>
+                                    <p:anim calcmode="lin" valueType="num">
+                                      <p:cBhvr additive="base">
+                                        <p:cTn id="21" dur="1000" fill="hold"/>
+                                        <p:tgtEl>
+                                          <p:spTgt spid="64"/>
+                                        </p:tgtEl>
+                                        <p:attrNameLst>
+                                          <p:attrName>ppt_x</p:attrName>
+                                        </p:attrNameLst>
+                                      </p:cBhvr>
+                                      <p:tavLst>
+                                        <p:tav tm="0">
+                                          <p:val>
+                                            <p:strVal val="1+#ppt_w/2"/>
+                                          </p:val>
+                                        </p:tav>
+                                        <p:tav tm="100000">
+                                          <p:val>
+                                            <p:strVal val="#ppt_x"/>
+                                          </p:val>
+                                        </p:tav>
+                                      </p:tavLst>
+                                    </p:anim>
+                                    <p:anim calcmode="lin" valueType="num">
+                                      <p:cBhvr additive="base">
+                                        <p:cTn id="22" dur="1000" fill="hold"/>
+                                        <p:tgtEl>
+                                          <p:spTgt spid="64"/>
+                                        </p:tgtEl>
+                                        <p:attrNameLst>
+                                          <p:attrName>ppt_y</p:attrName>
+                                        </p:attrNameLst>
+                                      </p:cBhvr>
+                                      <p:tavLst>
+                                        <p:tav tm="0">
+                                          <p:val>
+                                            <p:strVal val="#ppt_y"/>
+                                          </p:val>
+                                        </p:tav>
+                                        <p:tav tm="100000">
+                                          <p:val>
+                                            <p:strVal val="#ppt_y"/>
+                                          </p:val>
+                                        </p:tav>
+                                      </p:tavLst>
+                                    </p:anim>
+                                  </p:childTnLst>
+                                </p:cTn>
+                              </p:par>
+                            </p:childTnLst>
+                          </p:cTn>
+                        </p:par>
+                      </p:childTnLst>
+                    </p:cTn>
+                  </p:par>
+                  <p:par>
+                    <p:cTn id="23" fill="hold">
+                      <p:stCondLst>
+                        <p:cond delay="indefinite"/>
+                      </p:stCondLst>
+                      <p:childTnLst>
+                        <p:par>
+                          <p:cTn id="24" fill="hold">
+                            <p:stCondLst>
+                              <p:cond delay="0"/>
+                            </p:stCondLst>
+                            <p:childTnLst>
+                              <p:par>
+                                <p:cTn id="25" presetID="10" presetClass="entr" presetSubtype="0" fill="hold" nodeType="clickEffect">
+                                  <p:stCondLst>
+                                    <p:cond delay="0"/>
+                                  </p:stCondLst>
+                                  <p:childTnLst>
+                                    <p:set>
+                                      <p:cBhvr>
+                                        <p:cTn id="26" dur="1" fill="hold">
+                                          <p:stCondLst>
+                                            <p:cond delay="0"/>
+                                          </p:stCondLst>
+                                        </p:cTn>
+                                        <p:tgtEl>
+                                          <p:spTgt spid="10"/>
+                                        </p:tgtEl>
+                                        <p:attrNameLst>
+                                          <p:attrName>style.visibility</p:attrName>
+                                        </p:attrNameLst>
+                                      </p:cBhvr>
+                                      <p:to>
+                                        <p:strVal val="visible"/>
+                                      </p:to>
+                                    </p:set>
+                                    <p:animEffect transition="in" filter="fade">
+                                      <p:cBhvr>
+                                        <p:cTn id="27" dur="2000"/>
+                                        <p:tgtEl>
+                                          <p:spTgt spid="10"/>
+                                        </p:tgtEl>
+                                      </p:cBhvr>
+                                    </p:animEffect>
+                                  </p:childTnLst>
+                                </p:cTn>
+                              </p:par>
+                            </p:childTnLst>
+                          </p:cTn>
+                        </p:par>
+                        <p:par>
+                          <p:cTn id="28" fill="hold">
+                            <p:stCondLst>
+                              <p:cond delay="2000"/>
+                            </p:stCondLst>
+                            <p:childTnLst>
+                              <p:par>
+                                <p:cTn id="29" presetID="2" presetClass="entr" presetSubtype="4" fill="hold" nodeType="afterEffect">
+                                  <p:stCondLst>
+                                    <p:cond delay="0"/>
+                                  </p:stCondLst>
+                                  <p:childTnLst>
+                                    <p:set>
+                                      <p:cBhvr>
+                                        <p:cTn id="30" dur="1" fill="hold">
+                                          <p:stCondLst>
+                                            <p:cond delay="0"/>
+                                          </p:stCondLst>
+                                        </p:cTn>
+                                        <p:tgtEl>
+                                          <p:spTgt spid="11"/>
+                                        </p:tgtEl>
+                                        <p:attrNameLst>
+                                          <p:attrName>style.visibility</p:attrName>
+                                        </p:attrNameLst>
+                                      </p:cBhvr>
+                                      <p:to>
+                                        <p:strVal val="visible"/>
+                                      </p:to>
+                                    </p:set>
+                                    <p:anim calcmode="lin" valueType="num">
+                                      <p:cBhvr additive="base">
+                                        <p:cTn id="31" dur="1000" fill="hold"/>
+                                        <p:tgtEl>
+                                          <p:spTgt spid="11"/>
+                                        </p:tgtEl>
+                                        <p:attrNameLst>
+                                          <p:attrName>ppt_x</p:attrName>
+                                        </p:attrNameLst>
+                                      </p:cBhvr>
+                                      <p:tavLst>
+                                        <p:tav tm="0">
+                                          <p:val>
+                                            <p:strVal val="#ppt_x"/>
+                                          </p:val>
+                                        </p:tav>
+                                        <p:tav tm="100000">
+                                          <p:val>
+                                            <p:strVal val="#ppt_x"/>
+                                          </p:val>
+                                        </p:tav>
+                                      </p:tavLst>
+                                    </p:anim>
+                                    <p:anim calcmode="lin" valueType="num">
+                                      <p:cBhvr additive="base">
+                                        <p:cTn id="32" dur="1000" fill="hold"/>
+                                        <p:tgtEl>
+                                          <p:spTgt spid="11"/>
+                                        </p:tgtEl>
+                                        <p:attrNameLst>
+                                          <p:attrName>ppt_y</p:attrName>
+                                        </p:attrNameLst>
+                                      </p:cBhvr>
+                                      <p:tavLst>
+                                        <p:tav tm="0">
+                                          <p:val>
+                                            <p:strVal val="1+#ppt_h/2"/>
+                                          </p:val>
+                                        </p:tav>
+                                        <p:tav tm="100000">
+                                          <p:val>
+                                            <p:strVal val="#ppt_y"/>
+                                          </p:val>
+                                        </p:tav>
+                                      </p:tavLst>
+                                    </p:anim>
+                                  </p:childTnLst>
+                                </p:cTn>
+                              </p:par>
+                            </p:childTnLst>
+                          </p:cTn>
+                        </p:par>
+                      </p:childTnLst>
+                    </p:cTn>
+                  </p:par>
+                  <p:par>
+                    <p:cTn id="33" fill="hold">
+                      <p:stCondLst>
+                        <p:cond delay="indefinite"/>
+                      </p:stCondLst>
+                      <p:childTnLst>
+                        <p:par>
+                          <p:cTn id="34" fill="hold">
+                            <p:stCondLst>
+                              <p:cond delay="0"/>
+                            </p:stCondLst>
+                            <p:childTnLst>
+                              <p:par>
+                                <p:cTn id="35" presetID="10" presetClass="entr" presetSubtype="0" fill="hold" nodeType="clickEffect">
+                                  <p:stCondLst>
+                                    <p:cond delay="0"/>
+                                  </p:stCondLst>
+                                  <p:childTnLst>
+                                    <p:set>
+                                      <p:cBhvr>
+                                        <p:cTn id="36" dur="1" fill="hold">
+                                          <p:stCondLst>
+                                            <p:cond delay="0"/>
+                                          </p:stCondLst>
+                                        </p:cTn>
+                                        <p:tgtEl>
+                                          <p:spTgt spid="6"/>
+                                        </p:tgtEl>
+                                        <p:attrNameLst>
+                                          <p:attrName>style.visibility</p:attrName>
+                                        </p:attrNameLst>
+                                      </p:cBhvr>
+                                      <p:to>
+                                        <p:strVal val="visible"/>
+                                      </p:to>
+                                    </p:set>
+                                    <p:animEffect transition="in" filter="fade">
+                                      <p:cBhvr>
+                                        <p:cTn id="37" dur="500"/>
+                                        <p:tgtEl>
+                                          <p:spTgt spid="6"/>
+                                        </p:tgtEl>
+                                      </p:cBhvr>
+                                    </p:animEffect>
+                                  </p:childTnLst>
+                                </p:cTn>
+                              </p:par>
+                            </p:childTnLst>
+                          </p:cTn>
+                        </p:par>
+                      </p:childTnLst>
+                    </p:cTn>
+                  </p:par>
+                  <p:par>
+                    <p:cTn id="38" fill="hold">
+                      <p:stCondLst>
+                        <p:cond delay="indefinite"/>
+                      </p:stCondLst>
+                      <p:childTnLst>
+                        <p:par>
+                          <p:cTn id="39" fill="hold">
+                            <p:stCondLst>
+                              <p:cond delay="0"/>
+                            </p:stCondLst>
+                            <p:childTnLst>
+                              <p:par>
+                                <p:cTn id="40" presetID="10" presetClass="entr" presetSubtype="0" fill="hold" grpId="0" nodeType="clickEffect">
+                                  <p:stCondLst>
+                                    <p:cond delay="0"/>
+                                  </p:stCondLst>
+                                  <p:childTnLst>
+                                    <p:set>
+                                      <p:cBhvr>
+                                        <p:cTn id="41" dur="1" fill="hold">
+                                          <p:stCondLst>
+                                            <p:cond delay="0"/>
+                                          </p:stCondLst>
+                                        </p:cTn>
+                                        <p:tgtEl>
+                                          <p:spTgt spid="8"/>
+                                        </p:tgtEl>
+                                        <p:attrNameLst>
+                                          <p:attrName>style.visibility</p:attrName>
+                                        </p:attrNameLst>
+                                      </p:cBhvr>
+                                      <p:to>
+                                        <p:strVal val="visible"/>
+                                      </p:to>
+                                    </p:set>
+                                    <p:animEffect transition="in" filter="fade">
+                                      <p:cBhvr>
+                                        <p:cTn id="42" dur="2000"/>
+                                        <p:tgtEl>
+                                          <p:spTgt spid="8"/>
+                                        </p:tgtEl>
+                                      </p:cBhvr>
+                                    </p:animEffect>
+                                  </p:childTnLst>
+                                </p:cTn>
+                              </p:par>
+                            </p:childTnLst>
+                          </p:cTn>
+                        </p:par>
+                      </p:childTnLst>
+                    </p:cTn>
+                  </p:par>
+                  <p:par>
+                    <p:cTn id="43" fill="hold">
+                      <p:stCondLst>
+                        <p:cond delay="indefinite"/>
+                      </p:stCondLst>
+                      <p:childTnLst>
+                        <p:par>
+                          <p:cTn id="44" fill="hold">
+                            <p:stCondLst>
+                              <p:cond delay="0"/>
+                            </p:stCondLst>
+                            <p:childTnLst>
+                              <p:par>
+                                <p:cTn id="45" presetID="10" presetClass="entr" presetSubtype="0" fill="hold" nodeType="clickEffect">
+                                  <p:stCondLst>
+                                    <p:cond delay="0"/>
+                                  </p:stCondLst>
+                                  <p:childTnLst>
+                                    <p:set>
+                                      <p:cBhvr>
+                                        <p:cTn id="46" dur="1" fill="hold">
+                                          <p:stCondLst>
+                                            <p:cond delay="0"/>
+                                          </p:stCondLst>
+                                        </p:cTn>
+                                        <p:tgtEl>
+                                          <p:spTgt spid="16"/>
+                                        </p:tgtEl>
+                                        <p:attrNameLst>
+                                          <p:attrName>style.visibility</p:attrName>
+                                        </p:attrNameLst>
+                                      </p:cBhvr>
+                                      <p:to>
+                                        <p:strVal val="visible"/>
+                                      </p:to>
+                                    </p:set>
+                                    <p:animEffect transition="in" filter="fade">
+                                      <p:cBhvr>
+                                        <p:cTn id="47" dur="2000"/>
+                                        <p:tgtEl>
+                                          <p:spTgt spid="16"/>
+                                        </p:tgtEl>
+                                      </p:cBhvr>
+                                    </p:animEffect>
+                                  </p:childTnLst>
+                                </p:cTn>
+                              </p:par>
+                            </p:childTnLst>
+                          </p:cTn>
+                        </p:par>
+                        <p:par>
+                          <p:cTn id="48" fill="hold">
+                            <p:stCondLst>
+                              <p:cond delay="2000"/>
+                            </p:stCondLst>
+                            <p:childTnLst>
+                              <p:par>
+                                <p:cTn id="49" presetID="2" presetClass="entr" presetSubtype="4" fill="hold" nodeType="afterEffect">
+                                  <p:stCondLst>
+                                    <p:cond delay="0"/>
+                                  </p:stCondLst>
+                                  <p:childTnLst>
+                                    <p:set>
+                                      <p:cBhvr>
+                                        <p:cTn id="50" dur="1" fill="hold">
+                                          <p:stCondLst>
+                                            <p:cond delay="0"/>
+                                          </p:stCondLst>
+                                        </p:cTn>
+                                        <p:tgtEl>
+                                          <p:spTgt spid="57"/>
+                                        </p:tgtEl>
+                                        <p:attrNameLst>
+                                          <p:attrName>style.visibility</p:attrName>
+                                        </p:attrNameLst>
+                                      </p:cBhvr>
+                                      <p:to>
+                                        <p:strVal val="visible"/>
+                                      </p:to>
+                                    </p:set>
+                                    <p:anim calcmode="lin" valueType="num">
+                                      <p:cBhvr additive="base">
+                                        <p:cTn id="51" dur="1000" fill="hold"/>
+                                        <p:tgtEl>
+                                          <p:spTgt spid="57"/>
+                                        </p:tgtEl>
+                                        <p:attrNameLst>
+                                          <p:attrName>ppt_x</p:attrName>
+                                        </p:attrNameLst>
+                                      </p:cBhvr>
+                                      <p:tavLst>
+                                        <p:tav tm="0">
+                                          <p:val>
+                                            <p:strVal val="#ppt_x"/>
+                                          </p:val>
+                                        </p:tav>
+                                        <p:tav tm="100000">
+                                          <p:val>
+                                            <p:strVal val="#ppt_x"/>
+                                          </p:val>
+                                        </p:tav>
+                                      </p:tavLst>
+                                    </p:anim>
+                                    <p:anim calcmode="lin" valueType="num">
+                                      <p:cBhvr additive="base">
+                                        <p:cTn id="52" dur="1000" fill="hold"/>
+                                        <p:tgtEl>
+                                          <p:spTgt spid="57"/>
+                                        </p:tgtEl>
+                                        <p:attrNameLst>
+                                          <p:attrName>ppt_y</p:attrName>
+                                        </p:attrNameLst>
+                                      </p:cBhvr>
+                                      <p:tavLst>
+                                        <p:tav tm="0">
+                                          <p:val>
+                                            <p:strVal val="1+#ppt_h/2"/>
+                                          </p:val>
+                                        </p:tav>
+                                        <p:tav tm="100000">
+                                          <p:val>
+                                            <p:strVal val="#ppt_y"/>
+                                          </p:val>
+                                        </p:tav>
+                                      </p:tavLst>
+                                    </p:anim>
+                                  </p:childTnLst>
+                                </p:cTn>
+                              </p:par>
+                            </p:childTnLst>
+                          </p:cTn>
+                        </p:par>
+                        <p:par>
+                          <p:cTn id="53" fill="hold">
+                            <p:stCondLst>
+                              <p:cond delay="3000"/>
+                            </p:stCondLst>
+                            <p:childTnLst>
+                              <p:par>
+                                <p:cTn id="54" presetID="2" presetClass="entr" presetSubtype="4" fill="hold" nodeType="afterEffect">
+                                  <p:stCondLst>
+                                    <p:cond delay="0"/>
+                                  </p:stCondLst>
+                                  <p:childTnLst>
+                                    <p:set>
+                                      <p:cBhvr>
+                                        <p:cTn id="55" dur="1" fill="hold">
+                                          <p:stCondLst>
+                                            <p:cond delay="0"/>
+                                          </p:stCondLst>
+                                        </p:cTn>
+                                        <p:tgtEl>
+                                          <p:spTgt spid="75"/>
+                                        </p:tgtEl>
+                                        <p:attrNameLst>
+                                          <p:attrName>style.visibility</p:attrName>
+                                        </p:attrNameLst>
+                                      </p:cBhvr>
+                                      <p:to>
+                                        <p:strVal val="visible"/>
+                                      </p:to>
+                                    </p:set>
+                                    <p:anim calcmode="lin" valueType="num">
+                                      <p:cBhvr additive="base">
+                                        <p:cTn id="56" dur="1000" fill="hold"/>
+                                        <p:tgtEl>
+                                          <p:spTgt spid="75"/>
+                                        </p:tgtEl>
+                                        <p:attrNameLst>
+                                          <p:attrName>ppt_x</p:attrName>
+                                        </p:attrNameLst>
+                                      </p:cBhvr>
+                                      <p:tavLst>
+                                        <p:tav tm="0">
+                                          <p:val>
+                                            <p:strVal val="#ppt_x"/>
+                                          </p:val>
+                                        </p:tav>
+                                        <p:tav tm="100000">
+                                          <p:val>
+                                            <p:strVal val="#ppt_x"/>
+                                          </p:val>
+                                        </p:tav>
+                                      </p:tavLst>
+                                    </p:anim>
+                                    <p:anim calcmode="lin" valueType="num">
+                                      <p:cBhvr additive="base">
+                                        <p:cTn id="57" dur="1000" fill="hold"/>
+                                        <p:tgtEl>
+                                          <p:spTgt spid="75"/>
+                                        </p:tgtEl>
+                                        <p:attrNameLst>
+                                          <p:attrName>ppt_y</p:attrName>
+                                        </p:attrNameLst>
+                                      </p:cBhvr>
+                                      <p:tavLst>
+                                        <p:tav tm="0">
+                                          <p:val>
+                                            <p:strVal val="1+#ppt_h/2"/>
+                                          </p:val>
+                                        </p:tav>
+                                        <p:tav tm="100000">
+                                          <p:val>
+                                            <p:strVal val="#ppt_y"/>
+                                          </p:val>
+                                        </p:tav>
+                                      </p:tavLst>
+                                    </p:anim>
+                                  </p:childTnLst>
+                                </p:cTn>
+                              </p:par>
+                            </p:childTnLst>
+                          </p:cTn>
+                        </p:par>
+                      </p:childTnLst>
+                    </p:cTn>
+                  </p:par>
+                </p:childTnLst>
+              </p:cTn>
+              <p:prevCondLst>
+                <p:cond evt="onPrev" delay="0">
+                  <p:tgtEl>
+                    <p:sldTgt/>
+                  </p:tgtEl>
+                </p:cond>
+              </p:prevCondLst>
+              <p:nextCondLst>
+                <p:cond evt="onNext" delay="0">
+                  <p:tgtEl>
+                    <p:sldTgt/>
+                  </p:tgtEl>
+                </p:cond>
+              </p:nextCondLst>
+            </p:seq>
+          </p:childTnLst>
+        </p:cTn>
+      </p:par>
+    </p:tnLst>
+    <p:bldLst>
+      <p:bldP spid="8" grpId="0"/>
+      <p:bldP spid="50" grpId="0"/>
+      <p:bldP spid="64" grpId="0"/>
+    </p:bldLst>
+  </p:timing>
+</p:sld>
+</file>
+
+<file path=ppt/slides/slide5.xml><?xml version="1.0" encoding="utf-8"?>
+<p:sld xmlns:a="http://schemas.openxmlformats.org/drawingml/2006/main" xmlns:r="http://schemas.openxmlformats.org/officeDocument/2006/relationships" xmlns:p="http://schemas.openxmlformats.org/presentationml/2006/main">
+  <p:cSld>
+    <p:spTree>
+      <p:nvGrpSpPr>
+        <p:cNvPr id="1" name=""/>
+        <p:cNvGrpSpPr/>
+        <p:nvPr/>
+      </p:nvGrpSpPr>
+      <p:grpSpPr>
+        <a:xfrm>
+          <a:off x="0" y="0"/>
+          <a:ext cx="0" cy="0"/>
+          <a:chOff x="0" y="0"/>
+          <a:chExt cx="0" cy="0"/>
+        </a:xfrm>
+      </p:grpSpPr>
+      <p:sp>
+        <p:nvSpPr>
+          <p:cNvPr id="2" name="Oval 1">
+            <a:extLst>
+              <a:ext uri="{FF2B5EF4-FFF2-40B4-BE49-F238E27FC236}">
+                <a16:creationId xmlns:a16="http://schemas.microsoft.com/office/drawing/2014/main" id="{A607762E-A8CB-4AD3-BD3D-9E6988B08604}"/>
+              </a:ext>
+            </a:extLst>
+          </p:cNvPr>
+          <p:cNvSpPr/>
+          <p:nvPr/>
+        </p:nvSpPr>
+        <p:spPr>
+          <a:xfrm>
+            <a:off x="4099249" y="2272004"/>
+            <a:ext cx="3993502" cy="2313992"/>
+          </a:xfrm>
+          <a:prstGeom prst="ellipse">
+            <a:avLst/>
+          </a:prstGeom>
+          <a:solidFill>
+            <a:schemeClr val="accent1">
+              <a:lumMod val="40000"/>
+              <a:lumOff val="60000"/>
+            </a:schemeClr>
+          </a:solidFill>
+          <a:ln w="57150">
+            <a:solidFill>
+              <a:srgbClr val="C00000"/>
+            </a:solidFill>
+          </a:ln>
+        </p:spPr>
+        <p:style>
+          <a:lnRef idx="2">
+            <a:schemeClr val="accent1">
+              <a:shade val="50000"/>
+            </a:schemeClr>
+          </a:lnRef>
+          <a:fillRef idx="1">
+            <a:schemeClr val="accent1"/>
+          </a:fillRef>
+          <a:effectRef idx="0">
+            <a:schemeClr val="accent1"/>
+          </a:effectRef>
+          <a:fontRef idx="minor">
+            <a:schemeClr val="lt1"/>
+          </a:fontRef>
+        </p:style>
+        <p:txBody>
+          <a:bodyPr rtlCol="0" anchor="ctr"/>
+          <a:lstStyle/>
+          <a:p>
+            <a:pPr algn="ctr"/>
+            <a:endParaRPr lang="en-US" dirty="0"/>
+          </a:p>
+        </p:txBody>
+      </p:sp>
+      <p:cxnSp>
+        <p:nvCxnSpPr>
+          <p:cNvPr id="4" name="Straight Arrow Connector 3">
+            <a:extLst>
+              <a:ext uri="{FF2B5EF4-FFF2-40B4-BE49-F238E27FC236}">
+                <a16:creationId xmlns:a16="http://schemas.microsoft.com/office/drawing/2014/main" id="{F1D393E5-C876-4FE1-94B7-2DEEC9B5F388}"/>
+              </a:ext>
+            </a:extLst>
+          </p:cNvPr>
+          <p:cNvCxnSpPr>
+            <a:cxnSpLocks/>
+          </p:cNvCxnSpPr>
+          <p:nvPr/>
+        </p:nvCxnSpPr>
+        <p:spPr>
+          <a:xfrm flipH="1">
+            <a:off x="8092752" y="3428999"/>
+            <a:ext cx="1527109" cy="1"/>
+          </a:xfrm>
+          <a:prstGeom prst="straightConnector1">
+            <a:avLst/>
+          </a:prstGeom>
+          <a:ln w="57150">
+            <a:solidFill>
+              <a:srgbClr val="C00000"/>
+            </a:solidFill>
+            <a:tailEnd type="triangle"/>
+          </a:ln>
+        </p:spPr>
+        <p:style>
+          <a:lnRef idx="1">
+            <a:schemeClr val="accent1"/>
+          </a:lnRef>
+          <a:fillRef idx="0">
+            <a:schemeClr val="accent1"/>
+          </a:fillRef>
+          <a:effectRef idx="0">
+            <a:schemeClr val="accent1"/>
+          </a:effectRef>
+          <a:fontRef idx="minor">
+            <a:schemeClr val="tx1"/>
+          </a:fontRef>
+        </p:style>
+      </p:cxnSp>
+      <p:cxnSp>
+        <p:nvCxnSpPr>
+          <p:cNvPr id="6" name="node divider">
+            <a:extLst>
+              <a:ext uri="{FF2B5EF4-FFF2-40B4-BE49-F238E27FC236}">
+                <a16:creationId xmlns:a16="http://schemas.microsoft.com/office/drawing/2014/main" id="{23D96383-F792-49B6-AB29-BD05DD23B80F}"/>
+              </a:ext>
+            </a:extLst>
+          </p:cNvPr>
+          <p:cNvCxnSpPr>
+            <a:stCxn id="2" idx="0"/>
+            <a:endCxn id="2" idx="4"/>
+          </p:cNvCxnSpPr>
+          <p:nvPr/>
+        </p:nvCxnSpPr>
+        <p:spPr>
+          <a:xfrm>
+            <a:off x="6096000" y="2272004"/>
+            <a:ext cx="0" cy="2313992"/>
+          </a:xfrm>
+          <a:prstGeom prst="line">
+            <a:avLst/>
+          </a:prstGeom>
+          <a:ln w="57150">
+            <a:solidFill>
+              <a:schemeClr val="accent1">
+                <a:lumMod val="75000"/>
+              </a:schemeClr>
+            </a:solidFill>
+          </a:ln>
+        </p:spPr>
+        <p:style>
+          <a:lnRef idx="1">
+            <a:schemeClr val="accent1"/>
+          </a:lnRef>
+          <a:fillRef idx="0">
+            <a:schemeClr val="accent1"/>
+          </a:fillRef>
+          <a:effectRef idx="0">
+            <a:schemeClr val="accent1"/>
+          </a:effectRef>
+          <a:fontRef idx="minor">
+            <a:schemeClr val="tx1"/>
+          </a:fontRef>
+        </p:style>
+      </p:cxnSp>
+      <p:sp>
+        <p:nvSpPr>
+          <p:cNvPr id="8" name="summation symbol">
+            <a:extLst>
+              <a:ext uri="{FF2B5EF4-FFF2-40B4-BE49-F238E27FC236}">
+                <a16:creationId xmlns:a16="http://schemas.microsoft.com/office/drawing/2014/main" id="{478EF2D6-AEA9-4AA8-B482-B2E7E2929599}"/>
+              </a:ext>
+            </a:extLst>
+          </p:cNvPr>
+          <p:cNvSpPr txBox="1"/>
+          <p:nvPr/>
+        </p:nvSpPr>
+        <p:spPr>
+          <a:xfrm>
+            <a:off x="4770452" y="2767280"/>
+            <a:ext cx="654346" cy="1323439"/>
+          </a:xfrm>
+          <a:prstGeom prst="rect">
+            <a:avLst/>
+          </a:prstGeom>
+          <a:noFill/>
+        </p:spPr>
+        <p:txBody>
+          <a:bodyPr wrap="none" rtlCol="0">
+            <a:spAutoFit/>
+          </a:bodyPr>
+          <a:lstStyle/>
+          <a:p>
+            <a:r>
+              <a:rPr lang="el-GR" sz="8000" dirty="0"/>
+              <a:t>Σ</a:t>
+            </a:r>
+            <a:endParaRPr lang="en-US" sz="8000" dirty="0"/>
+          </a:p>
+        </p:txBody>
+      </p:sp>
+      <p:cxnSp>
+        <p:nvCxnSpPr>
+          <p:cNvPr id="13" name="Straight Arrow Connector 12">
+            <a:extLst>
+              <a:ext uri="{FF2B5EF4-FFF2-40B4-BE49-F238E27FC236}">
+                <a16:creationId xmlns:a16="http://schemas.microsoft.com/office/drawing/2014/main" id="{A799E481-9039-4A80-840D-5213D168ED21}"/>
+              </a:ext>
+            </a:extLst>
+          </p:cNvPr>
+          <p:cNvCxnSpPr>
+            <a:cxnSpLocks/>
+          </p:cNvCxnSpPr>
+          <p:nvPr/>
+        </p:nvCxnSpPr>
+        <p:spPr>
+          <a:xfrm rot="10800000" flipV="1">
+            <a:off x="2404972" y="4069884"/>
+            <a:ext cx="1992649" cy="1165589"/>
+          </a:xfrm>
+          <a:prstGeom prst="straightConnector1">
+            <a:avLst/>
+          </a:prstGeom>
+          <a:ln w="57150">
+            <a:solidFill>
+              <a:srgbClr val="C00000"/>
+            </a:solidFill>
+            <a:tailEnd type="triangle"/>
+          </a:ln>
+        </p:spPr>
+        <p:style>
+          <a:lnRef idx="1">
+            <a:schemeClr val="accent1"/>
+          </a:lnRef>
+          <a:fillRef idx="0">
+            <a:schemeClr val="accent1"/>
+          </a:fillRef>
+          <a:effectRef idx="0">
+            <a:schemeClr val="accent1"/>
+          </a:effectRef>
+          <a:fontRef idx="minor">
+            <a:schemeClr val="tx1"/>
+          </a:fontRef>
+        </p:style>
+      </p:cxnSp>
+      <p:cxnSp>
+        <p:nvCxnSpPr>
+          <p:cNvPr id="16" name="step symbol">
+            <a:extLst>
+              <a:ext uri="{FF2B5EF4-FFF2-40B4-BE49-F238E27FC236}">
+                <a16:creationId xmlns:a16="http://schemas.microsoft.com/office/drawing/2014/main" id="{303E8858-DFDE-485B-820F-B7FB90E46CE2}"/>
+              </a:ext>
+            </a:extLst>
+          </p:cNvPr>
+          <p:cNvCxnSpPr>
+            <a:cxnSpLocks/>
+          </p:cNvCxnSpPr>
+          <p:nvPr/>
+        </p:nvCxnSpPr>
+        <p:spPr>
+          <a:xfrm flipV="1">
+            <a:off x="6578081" y="3144416"/>
+            <a:ext cx="746449" cy="569166"/>
+          </a:xfrm>
+          <a:prstGeom prst="bentConnector3">
+            <a:avLst/>
+          </a:prstGeom>
+          <a:ln w="76200">
+            <a:solidFill>
+              <a:schemeClr val="tx1"/>
+            </a:solidFill>
+          </a:ln>
+        </p:spPr>
+        <p:style>
+          <a:lnRef idx="1">
+            <a:schemeClr val="accent1"/>
+          </a:lnRef>
+          <a:fillRef idx="0">
+            <a:schemeClr val="accent1"/>
+          </a:fillRef>
+          <a:effectRef idx="0">
+            <a:schemeClr val="accent1"/>
+          </a:effectRef>
+          <a:fontRef idx="minor">
+            <a:schemeClr val="tx1"/>
+          </a:fontRef>
+        </p:style>
+      </p:cxnSp>
+      <p:cxnSp>
+        <p:nvCxnSpPr>
+          <p:cNvPr id="22" name="Straight Arrow Connector 21">
+            <a:extLst>
+              <a:ext uri="{FF2B5EF4-FFF2-40B4-BE49-F238E27FC236}">
+                <a16:creationId xmlns:a16="http://schemas.microsoft.com/office/drawing/2014/main" id="{37F09429-0594-42B4-82A5-B24609C66315}"/>
+              </a:ext>
+            </a:extLst>
+          </p:cNvPr>
+          <p:cNvCxnSpPr>
+            <a:cxnSpLocks/>
+          </p:cNvCxnSpPr>
+          <p:nvPr/>
+        </p:nvCxnSpPr>
+        <p:spPr>
+          <a:xfrm rot="10800000">
+            <a:off x="2284521" y="1800808"/>
+            <a:ext cx="2190912" cy="954432"/>
+          </a:xfrm>
+          <a:prstGeom prst="straightConnector1">
+            <a:avLst/>
+          </a:prstGeom>
+          <a:ln w="57150">
+            <a:solidFill>
+              <a:srgbClr val="C00000"/>
+            </a:solidFill>
+            <a:tailEnd type="triangle"/>
+          </a:ln>
+        </p:spPr>
+        <p:style>
+          <a:lnRef idx="1">
+            <a:schemeClr val="accent1"/>
+          </a:lnRef>
+          <a:fillRef idx="0">
+            <a:schemeClr val="accent1"/>
+          </a:fillRef>
+          <a:effectRef idx="0">
+            <a:schemeClr val="accent1"/>
+          </a:effectRef>
+          <a:fontRef idx="minor">
+            <a:schemeClr val="tx1"/>
+          </a:fontRef>
+        </p:style>
+      </p:cxnSp>
+      <p:grpSp>
+        <p:nvGrpSpPr>
+          <p:cNvPr id="5" name="input variables">
+            <a:extLst>
+              <a:ext uri="{FF2B5EF4-FFF2-40B4-BE49-F238E27FC236}">
+                <a16:creationId xmlns:a16="http://schemas.microsoft.com/office/drawing/2014/main" id="{E65095B9-356F-4B29-A89B-3B3803BA9C83}"/>
+              </a:ext>
+            </a:extLst>
+          </p:cNvPr>
+          <p:cNvGrpSpPr/>
+          <p:nvPr/>
+        </p:nvGrpSpPr>
+        <p:grpSpPr>
+          <a:xfrm>
+            <a:off x="1543757" y="1308237"/>
+            <a:ext cx="669410" cy="4241527"/>
+            <a:chOff x="1543757" y="1308237"/>
+            <a:chExt cx="669410" cy="4241527"/>
+          </a:xfrm>
+        </p:grpSpPr>
+        <p:sp>
+          <p:nvSpPr>
+            <p:cNvPr id="45" name="TextBox 44">
+              <a:extLst>
+                <a:ext uri="{FF2B5EF4-FFF2-40B4-BE49-F238E27FC236}">
+                  <a16:creationId xmlns:a16="http://schemas.microsoft.com/office/drawing/2014/main" id="{6E36D63E-70F6-45CC-A576-53B51BC624EF}"/>
+                </a:ext>
+              </a:extLst>
+            </p:cNvPr>
+            <p:cNvSpPr txBox="1"/>
+            <p:nvPr/>
+          </p:nvSpPr>
+          <p:spPr>
+            <a:xfrm>
+              <a:off x="1543757" y="1308237"/>
+              <a:ext cx="659155" cy="830997"/>
+            </a:xfrm>
+            <a:prstGeom prst="rect">
+              <a:avLst/>
+            </a:prstGeom>
+            <a:noFill/>
+          </p:spPr>
+          <p:txBody>
+            <a:bodyPr wrap="none" rtlCol="0">
+              <a:spAutoFit/>
+            </a:bodyPr>
+            <a:lstStyle/>
+            <a:p>
+              <a:r>
+                <a:rPr lang="en-US" sz="4800" dirty="0"/>
+                <a:t>x</a:t>
+              </a:r>
+              <a:r>
+                <a:rPr lang="en-US" sz="4800" baseline="-25000" dirty="0"/>
+                <a:t>1</a:t>
+              </a:r>
+            </a:p>
+          </p:txBody>
+        </p:sp>
+        <p:sp>
+          <p:nvSpPr>
+            <p:cNvPr id="48" name="TextBox 47">
+              <a:extLst>
+                <a:ext uri="{FF2B5EF4-FFF2-40B4-BE49-F238E27FC236}">
+                  <a16:creationId xmlns:a16="http://schemas.microsoft.com/office/drawing/2014/main" id="{6447DE84-A0D6-4277-9FBD-066EA01108D3}"/>
+                </a:ext>
+              </a:extLst>
+            </p:cNvPr>
+            <p:cNvSpPr txBox="1"/>
+            <p:nvPr/>
+          </p:nvSpPr>
+          <p:spPr>
+            <a:xfrm>
+              <a:off x="1554012" y="4718767"/>
+              <a:ext cx="659155" cy="830997"/>
+            </a:xfrm>
+            <a:prstGeom prst="rect">
+              <a:avLst/>
+            </a:prstGeom>
+            <a:noFill/>
+          </p:spPr>
+          <p:txBody>
+            <a:bodyPr wrap="none" rtlCol="0">
+              <a:spAutoFit/>
+            </a:bodyPr>
+            <a:lstStyle/>
+            <a:p>
+              <a:r>
+                <a:rPr lang="en-US" sz="4800" dirty="0"/>
+                <a:t>x</a:t>
+              </a:r>
+              <a:r>
+                <a:rPr lang="en-US" sz="4800" baseline="-25000" dirty="0"/>
+                <a:t>2</a:t>
+              </a:r>
+            </a:p>
+          </p:txBody>
+        </p:sp>
+      </p:grpSp>
+      <p:sp>
+        <p:nvSpPr>
+          <p:cNvPr id="50" name="output variable">
+            <a:extLst>
+              <a:ext uri="{FF2B5EF4-FFF2-40B4-BE49-F238E27FC236}">
+                <a16:creationId xmlns:a16="http://schemas.microsoft.com/office/drawing/2014/main" id="{BAA6C886-3C19-4C62-BEC5-A79A5B838B80}"/>
+              </a:ext>
+            </a:extLst>
+          </p:cNvPr>
+          <p:cNvSpPr txBox="1"/>
+          <p:nvPr/>
+        </p:nvSpPr>
+        <p:spPr>
+          <a:xfrm>
+            <a:off x="9714273" y="2879461"/>
+            <a:ext cx="1210588" cy="830997"/>
+          </a:xfrm>
+          <a:prstGeom prst="rect">
+            <a:avLst/>
+          </a:prstGeom>
+          <a:noFill/>
+        </p:spPr>
+        <p:txBody>
+          <a:bodyPr wrap="none" rtlCol="0">
+            <a:spAutoFit/>
+          </a:bodyPr>
+          <a:lstStyle/>
+          <a:p>
+            <a:r>
+              <a:rPr lang="en-US" sz="4800" dirty="0"/>
+              <a:t>y - </a:t>
+            </a:r>
+            <a:r>
+              <a:rPr lang="cy-GB" sz="4800" dirty="0"/>
+              <a:t>ŷ</a:t>
+            </a:r>
+            <a:endParaRPr lang="en-US" sz="4800" baseline="-25000" dirty="0"/>
+          </a:p>
+        </p:txBody>
+      </p:sp>
+      <p:grpSp>
+        <p:nvGrpSpPr>
+          <p:cNvPr id="10" name="weight variables">
+            <a:extLst>
+              <a:ext uri="{FF2B5EF4-FFF2-40B4-BE49-F238E27FC236}">
+                <a16:creationId xmlns:a16="http://schemas.microsoft.com/office/drawing/2014/main" id="{C7768F97-9A35-4E95-BC65-C33C1B9C1D08}"/>
+              </a:ext>
+            </a:extLst>
+          </p:cNvPr>
+          <p:cNvGrpSpPr/>
+          <p:nvPr/>
+        </p:nvGrpSpPr>
+        <p:grpSpPr>
+          <a:xfrm>
+            <a:off x="3222885" y="1752942"/>
+            <a:ext cx="617808" cy="2694884"/>
+            <a:chOff x="3222885" y="1752942"/>
+            <a:chExt cx="617808" cy="2694884"/>
+          </a:xfrm>
+        </p:grpSpPr>
+        <p:sp>
+          <p:nvSpPr>
+            <p:cNvPr id="52" name="TextBox 51">
+              <a:extLst>
+                <a:ext uri="{FF2B5EF4-FFF2-40B4-BE49-F238E27FC236}">
+                  <a16:creationId xmlns:a16="http://schemas.microsoft.com/office/drawing/2014/main" id="{5305D105-4CF9-4718-B8D6-53B5FA2A4CA9}"/>
+                </a:ext>
+              </a:extLst>
+            </p:cNvPr>
+            <p:cNvSpPr txBox="1"/>
+            <p:nvPr/>
+          </p:nvSpPr>
+          <p:spPr>
+            <a:xfrm>
+              <a:off x="3222885" y="1752942"/>
+              <a:ext cx="617477" cy="584775"/>
+            </a:xfrm>
+            <a:prstGeom prst="rect">
+              <a:avLst/>
+            </a:prstGeom>
+            <a:noFill/>
+          </p:spPr>
+          <p:txBody>
+            <a:bodyPr wrap="none" rtlCol="0">
+              <a:spAutoFit/>
+            </a:bodyPr>
+            <a:lstStyle/>
+            <a:p>
+              <a:r>
+                <a:rPr lang="en-US" sz="3200" dirty="0">
+                  <a:solidFill>
+                    <a:schemeClr val="tx2">
+                      <a:lumMod val="75000"/>
+                    </a:schemeClr>
+                  </a:solidFill>
+                </a:rPr>
+                <a:t>w</a:t>
+              </a:r>
+              <a:r>
+                <a:rPr lang="en-US" sz="3200" baseline="-25000" dirty="0">
+                  <a:solidFill>
+                    <a:schemeClr val="tx2">
+                      <a:lumMod val="75000"/>
+                    </a:schemeClr>
+                  </a:solidFill>
+                </a:rPr>
+                <a:t>1</a:t>
+              </a:r>
+            </a:p>
+          </p:txBody>
+        </p:sp>
+        <p:sp>
+          <p:nvSpPr>
+            <p:cNvPr id="55" name="TextBox 54">
+              <a:extLst>
+                <a:ext uri="{FF2B5EF4-FFF2-40B4-BE49-F238E27FC236}">
+                  <a16:creationId xmlns:a16="http://schemas.microsoft.com/office/drawing/2014/main" id="{AB3F375A-FEB9-4400-A78E-ABD9A5BACBE5}"/>
+                </a:ext>
+              </a:extLst>
+            </p:cNvPr>
+            <p:cNvSpPr txBox="1"/>
+            <p:nvPr/>
+          </p:nvSpPr>
+          <p:spPr>
+            <a:xfrm>
+              <a:off x="3223216" y="3863051"/>
+              <a:ext cx="617477" cy="584775"/>
+            </a:xfrm>
+            <a:prstGeom prst="rect">
+              <a:avLst/>
+            </a:prstGeom>
+            <a:noFill/>
+          </p:spPr>
+          <p:txBody>
+            <a:bodyPr wrap="none" rtlCol="0">
+              <a:spAutoFit/>
+            </a:bodyPr>
+            <a:lstStyle/>
+            <a:p>
+              <a:r>
+                <a:rPr lang="en-US" sz="3200" dirty="0">
+                  <a:solidFill>
+                    <a:schemeClr val="tx2">
+                      <a:lumMod val="75000"/>
+                    </a:schemeClr>
+                  </a:solidFill>
+                </a:rPr>
+                <a:t>w</a:t>
+              </a:r>
+              <a:r>
+                <a:rPr lang="en-US" sz="3200" baseline="-25000" dirty="0">
+                  <a:solidFill>
+                    <a:schemeClr val="tx2">
+                      <a:lumMod val="75000"/>
+                    </a:schemeClr>
+                  </a:solidFill>
+                </a:rPr>
+                <a:t>2</a:t>
+              </a:r>
+            </a:p>
+          </p:txBody>
+        </p:sp>
+      </p:grpSp>
+      <p:grpSp>
+        <p:nvGrpSpPr>
+          <p:cNvPr id="7" name="inputs">
+            <a:extLst>
+              <a:ext uri="{FF2B5EF4-FFF2-40B4-BE49-F238E27FC236}">
+                <a16:creationId xmlns:a16="http://schemas.microsoft.com/office/drawing/2014/main" id="{7CC8B52A-2DE5-4604-ADEF-D5AA83E7B746}"/>
+              </a:ext>
+            </a:extLst>
+          </p:cNvPr>
+          <p:cNvGrpSpPr/>
+          <p:nvPr/>
+        </p:nvGrpSpPr>
+        <p:grpSpPr>
+          <a:xfrm>
+            <a:off x="282081" y="1400783"/>
+            <a:ext cx="1277187" cy="4148980"/>
+            <a:chOff x="282081" y="512333"/>
+            <a:chExt cx="1277187" cy="5833334"/>
+          </a:xfrm>
+        </p:grpSpPr>
+        <p:sp>
+          <p:nvSpPr>
+            <p:cNvPr id="62" name="Left Brace 61">
+              <a:extLst>
+                <a:ext uri="{FF2B5EF4-FFF2-40B4-BE49-F238E27FC236}">
+                  <a16:creationId xmlns:a16="http://schemas.microsoft.com/office/drawing/2014/main" id="{7DA8FF88-BCFB-401D-B66A-6B0400BC9D1F}"/>
+                </a:ext>
+              </a:extLst>
+            </p:cNvPr>
+            <p:cNvSpPr/>
+            <p:nvPr/>
+          </p:nvSpPr>
+          <p:spPr>
+            <a:xfrm>
+              <a:off x="1070632" y="512333"/>
+              <a:ext cx="488636" cy="5833334"/>
+            </a:xfrm>
+            <a:prstGeom prst="leftBrace">
+              <a:avLst>
+                <a:gd name="adj1" fmla="val 132452"/>
+                <a:gd name="adj2" fmla="val 50000"/>
+              </a:avLst>
+            </a:prstGeom>
+            <a:ln w="38100">
+              <a:solidFill>
+                <a:schemeClr val="tx2">
+                  <a:lumMod val="75000"/>
+                </a:schemeClr>
+              </a:solidFill>
+            </a:ln>
+          </p:spPr>
+          <p:style>
+            <a:lnRef idx="1">
+              <a:schemeClr val="accent1"/>
+            </a:lnRef>
+            <a:fillRef idx="0">
+              <a:schemeClr val="accent1"/>
+            </a:fillRef>
+            <a:effectRef idx="0">
+              <a:schemeClr val="accent1"/>
+            </a:effectRef>
+            <a:fontRef idx="minor">
+              <a:schemeClr val="tx1"/>
+            </a:fontRef>
+          </p:style>
+          <p:txBody>
+            <a:bodyPr rtlCol="0" anchor="ctr"/>
+            <a:lstStyle/>
+            <a:p>
+              <a:pPr algn="ctr"/>
+              <a:endParaRPr lang="en-US"/>
+            </a:p>
+          </p:txBody>
+        </p:sp>
+        <p:sp>
+          <p:nvSpPr>
+            <p:cNvPr id="63" name="TextBox 62">
+              <a:extLst>
+                <a:ext uri="{FF2B5EF4-FFF2-40B4-BE49-F238E27FC236}">
+                  <a16:creationId xmlns:a16="http://schemas.microsoft.com/office/drawing/2014/main" id="{5C43ED60-25EC-4F5D-8259-147654C51445}"/>
+                </a:ext>
+              </a:extLst>
+            </p:cNvPr>
+            <p:cNvSpPr txBox="1"/>
+            <p:nvPr/>
+          </p:nvSpPr>
+          <p:spPr>
+            <a:xfrm rot="16200000">
+              <a:off x="-76190" y="3228928"/>
+              <a:ext cx="1362874" cy="646331"/>
+            </a:xfrm>
+            <a:prstGeom prst="rect">
+              <a:avLst/>
+            </a:prstGeom>
+            <a:noFill/>
+          </p:spPr>
+          <p:txBody>
+            <a:bodyPr wrap="none" rtlCol="0">
+              <a:spAutoFit/>
+            </a:bodyPr>
+            <a:lstStyle/>
+            <a:p>
+              <a:r>
+                <a:rPr lang="en-US" sz="3600" dirty="0"/>
+                <a:t>Inputs</a:t>
+              </a:r>
+            </a:p>
+          </p:txBody>
+        </p:sp>
+      </p:grpSp>
+      <p:sp>
+        <p:nvSpPr>
+          <p:cNvPr id="64" name="output">
+            <a:extLst>
+              <a:ext uri="{FF2B5EF4-FFF2-40B4-BE49-F238E27FC236}">
+                <a16:creationId xmlns:a16="http://schemas.microsoft.com/office/drawing/2014/main" id="{C121EDEF-86CC-485B-B3EA-D07B64FCE677}"/>
+              </a:ext>
+            </a:extLst>
+          </p:cNvPr>
+          <p:cNvSpPr txBox="1"/>
+          <p:nvPr/>
+        </p:nvSpPr>
+        <p:spPr>
+          <a:xfrm>
+            <a:off x="9650612" y="2495562"/>
+            <a:ext cx="1464440" cy="646331"/>
+          </a:xfrm>
+          <a:prstGeom prst="rect">
+            <a:avLst/>
+          </a:prstGeom>
+          <a:noFill/>
+        </p:spPr>
+        <p:txBody>
+          <a:bodyPr wrap="none" rtlCol="0">
+            <a:spAutoFit/>
+          </a:bodyPr>
+          <a:lstStyle/>
+          <a:p>
+            <a:r>
+              <a:rPr lang="en-US" sz="3600" dirty="0"/>
+              <a:t>error =</a:t>
+            </a:r>
+          </a:p>
+        </p:txBody>
+      </p:sp>
+      <p:grpSp>
+        <p:nvGrpSpPr>
+          <p:cNvPr id="11" name="weights">
+            <a:extLst>
+              <a:ext uri="{FF2B5EF4-FFF2-40B4-BE49-F238E27FC236}">
+                <a16:creationId xmlns:a16="http://schemas.microsoft.com/office/drawing/2014/main" id="{99F187D0-418B-4FED-A2C8-7A068F193733}"/>
+              </a:ext>
+            </a:extLst>
+          </p:cNvPr>
+          <p:cNvGrpSpPr/>
+          <p:nvPr/>
+        </p:nvGrpSpPr>
+        <p:grpSpPr>
+          <a:xfrm>
+            <a:off x="10478156" y="3710458"/>
+            <a:ext cx="1499023" cy="1291785"/>
+            <a:chOff x="2723133" y="5562961"/>
+            <a:chExt cx="1499023" cy="1291785"/>
+          </a:xfrm>
+        </p:grpSpPr>
+        <p:pic>
+          <p:nvPicPr>
+            <p:cNvPr id="71" name="Graphic 70" descr="Arrow: Counterclockwise curve">
+              <a:extLst>
+                <a:ext uri="{FF2B5EF4-FFF2-40B4-BE49-F238E27FC236}">
+                  <a16:creationId xmlns:a16="http://schemas.microsoft.com/office/drawing/2014/main" id="{8F6C6D0D-113F-4929-A3F7-C0AD3B51B742}"/>
+                </a:ext>
+              </a:extLst>
+            </p:cNvPr>
+            <p:cNvPicPr>
+              <a:picLocks noChangeAspect="1"/>
+            </p:cNvPicPr>
+            <p:nvPr/>
+          </p:nvPicPr>
+          <p:blipFill>
+            <a:blip r:embed="rId2">
+              <a:extLst>
+                <a:ext uri="{28A0092B-C50C-407E-A947-70E740481C1C}">
+                  <a14:useLocalDpi xmlns:a14="http://schemas.microsoft.com/office/drawing/2010/main" val="0"/>
+                </a:ext>
+                <a:ext uri="{96DAC541-7B7A-43D3-8B79-37D633B846F1}">
+                  <asvg:svgBlip xmlns:asvg="http://schemas.microsoft.com/office/drawing/2016/SVG/main" r:embed="rId3"/>
+                </a:ext>
+              </a:extLst>
+            </a:blip>
+            <a:stretch>
+              <a:fillRect/>
+            </a:stretch>
+          </p:blipFill>
+          <p:spPr>
+            <a:xfrm rot="8013434" flipV="1">
+              <a:off x="2723133" y="5562961"/>
+              <a:ext cx="693165" cy="693165"/>
+            </a:xfrm>
+            <a:prstGeom prst="rect">
+              <a:avLst/>
+            </a:prstGeom>
+          </p:spPr>
+        </p:pic>
+        <p:sp>
+          <p:nvSpPr>
+            <p:cNvPr id="72" name="TextBox 71">
+              <a:extLst>
+                <a:ext uri="{FF2B5EF4-FFF2-40B4-BE49-F238E27FC236}">
+                  <a16:creationId xmlns:a16="http://schemas.microsoft.com/office/drawing/2014/main" id="{D47E754D-63F5-4105-B223-0F89697F87A5}"/>
+                </a:ext>
+              </a:extLst>
+            </p:cNvPr>
+            <p:cNvSpPr txBox="1"/>
+            <p:nvPr/>
+          </p:nvSpPr>
+          <p:spPr>
+            <a:xfrm>
+              <a:off x="3151029" y="5900639"/>
+              <a:ext cx="1071127" cy="954107"/>
+            </a:xfrm>
+            <a:prstGeom prst="rect">
+              <a:avLst/>
+            </a:prstGeom>
+            <a:noFill/>
+          </p:spPr>
+          <p:txBody>
+            <a:bodyPr wrap="none" rtlCol="0">
+              <a:spAutoFit/>
+            </a:bodyPr>
+            <a:lstStyle/>
+            <a:p>
+              <a:r>
+                <a:rPr lang="en-US" sz="2800" dirty="0"/>
+                <a:t>actual</a:t>
+              </a:r>
+            </a:p>
+            <a:p>
+              <a:r>
+                <a:rPr lang="en-US" sz="2800" dirty="0"/>
+                <a:t>value</a:t>
+              </a:r>
+            </a:p>
+          </p:txBody>
+        </p:sp>
+      </p:grpSp>
+      <p:grpSp>
+        <p:nvGrpSpPr>
+          <p:cNvPr id="57" name="weights">
+            <a:extLst>
+              <a:ext uri="{FF2B5EF4-FFF2-40B4-BE49-F238E27FC236}">
+                <a16:creationId xmlns:a16="http://schemas.microsoft.com/office/drawing/2014/main" id="{50FB0871-4966-4FCB-9A67-BBED46E1BACD}"/>
+              </a:ext>
+            </a:extLst>
+          </p:cNvPr>
+          <p:cNvGrpSpPr/>
+          <p:nvPr/>
+        </p:nvGrpSpPr>
+        <p:grpSpPr>
+          <a:xfrm>
+            <a:off x="1686568" y="5652287"/>
+            <a:ext cx="2409296" cy="957254"/>
+            <a:chOff x="2723133" y="5562961"/>
+            <a:chExt cx="2409296" cy="957254"/>
+          </a:xfrm>
+        </p:grpSpPr>
+        <p:pic>
+          <p:nvPicPr>
+            <p:cNvPr id="73" name="Graphic 72" descr="Arrow: Counterclockwise curve">
+              <a:extLst>
+                <a:ext uri="{FF2B5EF4-FFF2-40B4-BE49-F238E27FC236}">
+                  <a16:creationId xmlns:a16="http://schemas.microsoft.com/office/drawing/2014/main" id="{DF43F800-8F13-409A-890D-9BE2575CBA9F}"/>
+                </a:ext>
+              </a:extLst>
+            </p:cNvPr>
+            <p:cNvPicPr>
+              <a:picLocks noChangeAspect="1"/>
+            </p:cNvPicPr>
+            <p:nvPr/>
+          </p:nvPicPr>
+          <p:blipFill>
+            <a:blip r:embed="rId2">
+              <a:extLst>
+                <a:ext uri="{28A0092B-C50C-407E-A947-70E740481C1C}">
+                  <a14:useLocalDpi xmlns:a14="http://schemas.microsoft.com/office/drawing/2010/main" val="0"/>
+                </a:ext>
+                <a:ext uri="{96DAC541-7B7A-43D3-8B79-37D633B846F1}">
+                  <asvg:svgBlip xmlns:asvg="http://schemas.microsoft.com/office/drawing/2016/SVG/main" r:embed="rId3"/>
+                </a:ext>
+              </a:extLst>
+            </a:blip>
+            <a:stretch>
+              <a:fillRect/>
+            </a:stretch>
+          </p:blipFill>
+          <p:spPr>
+            <a:xfrm rot="8013434" flipV="1">
+              <a:off x="2723133" y="5562961"/>
+              <a:ext cx="693165" cy="693165"/>
+            </a:xfrm>
+            <a:prstGeom prst="rect">
+              <a:avLst/>
+            </a:prstGeom>
+          </p:spPr>
+        </p:pic>
+        <p:sp>
+          <p:nvSpPr>
+            <p:cNvPr id="74" name="TextBox 73">
+              <a:extLst>
+                <a:ext uri="{FF2B5EF4-FFF2-40B4-BE49-F238E27FC236}">
+                  <a16:creationId xmlns:a16="http://schemas.microsoft.com/office/drawing/2014/main" id="{57382632-E897-4BF8-8765-698760AC14DE}"/>
+                </a:ext>
+              </a:extLst>
+            </p:cNvPr>
+            <p:cNvSpPr txBox="1"/>
+            <p:nvPr/>
+          </p:nvSpPr>
+          <p:spPr>
+            <a:xfrm>
+              <a:off x="3104951" y="5996995"/>
+              <a:ext cx="2027478" cy="523220"/>
+            </a:xfrm>
+            <a:prstGeom prst="rect">
+              <a:avLst/>
+            </a:prstGeom>
+            <a:noFill/>
+          </p:spPr>
+          <p:txBody>
+            <a:bodyPr wrap="none" rtlCol="0">
+              <a:spAutoFit/>
+            </a:bodyPr>
+            <a:lstStyle/>
+            <a:p>
+              <a:r>
+                <a:rPr lang="en-US" sz="2800" dirty="0"/>
+                <a:t>y-coordinate</a:t>
+              </a:r>
+            </a:p>
+          </p:txBody>
+        </p:sp>
+      </p:grpSp>
+      <p:grpSp>
+        <p:nvGrpSpPr>
+          <p:cNvPr id="75" name="weights">
+            <a:extLst>
+              <a:ext uri="{FF2B5EF4-FFF2-40B4-BE49-F238E27FC236}">
+                <a16:creationId xmlns:a16="http://schemas.microsoft.com/office/drawing/2014/main" id="{45F7CEAC-F6EF-4196-A271-99B393BC7C18}"/>
+              </a:ext>
+            </a:extLst>
+          </p:cNvPr>
+          <p:cNvGrpSpPr/>
+          <p:nvPr/>
+        </p:nvGrpSpPr>
+        <p:grpSpPr>
+          <a:xfrm>
+            <a:off x="1609296" y="539703"/>
+            <a:ext cx="2359551" cy="1059054"/>
+            <a:chOff x="2976931" y="5813303"/>
+            <a:chExt cx="2359551" cy="1059054"/>
+          </a:xfrm>
+        </p:grpSpPr>
+        <p:pic>
+          <p:nvPicPr>
+            <p:cNvPr id="76" name="Graphic 75" descr="Arrow: Counterclockwise curve">
+              <a:extLst>
+                <a:ext uri="{FF2B5EF4-FFF2-40B4-BE49-F238E27FC236}">
+                  <a16:creationId xmlns:a16="http://schemas.microsoft.com/office/drawing/2014/main" id="{6FF31F91-EDC9-4EFD-9FE2-DA4E31449472}"/>
+                </a:ext>
+              </a:extLst>
+            </p:cNvPr>
+            <p:cNvPicPr>
+              <a:picLocks noChangeAspect="1"/>
+            </p:cNvPicPr>
+            <p:nvPr/>
+          </p:nvPicPr>
+          <p:blipFill>
+            <a:blip r:embed="rId2">
+              <a:extLst>
+                <a:ext uri="{28A0092B-C50C-407E-A947-70E740481C1C}">
+                  <a14:useLocalDpi xmlns:a14="http://schemas.microsoft.com/office/drawing/2010/main" val="0"/>
+                </a:ext>
+                <a:ext uri="{96DAC541-7B7A-43D3-8B79-37D633B846F1}">
+                  <asvg:svgBlip xmlns:asvg="http://schemas.microsoft.com/office/drawing/2016/SVG/main" r:embed="rId3"/>
+                </a:ext>
+              </a:extLst>
+            </a:blip>
+            <a:stretch>
+              <a:fillRect/>
+            </a:stretch>
+          </p:blipFill>
+          <p:spPr>
+            <a:xfrm rot="13586566">
+              <a:off x="2976931" y="6179192"/>
+              <a:ext cx="693165" cy="693165"/>
+            </a:xfrm>
+            <a:prstGeom prst="rect">
+              <a:avLst/>
+            </a:prstGeom>
+          </p:spPr>
+        </p:pic>
+        <p:sp>
+          <p:nvSpPr>
+            <p:cNvPr id="77" name="TextBox 76">
+              <a:extLst>
+                <a:ext uri="{FF2B5EF4-FFF2-40B4-BE49-F238E27FC236}">
+                  <a16:creationId xmlns:a16="http://schemas.microsoft.com/office/drawing/2014/main" id="{826E10B2-BA4C-4DA3-A5DB-8A8A7A241498}"/>
+                </a:ext>
+              </a:extLst>
+            </p:cNvPr>
+            <p:cNvSpPr txBox="1"/>
+            <p:nvPr/>
+          </p:nvSpPr>
+          <p:spPr>
+            <a:xfrm>
+              <a:off x="3315416" y="5813303"/>
+              <a:ext cx="2021066" cy="523220"/>
+            </a:xfrm>
+            <a:prstGeom prst="rect">
+              <a:avLst/>
+            </a:prstGeom>
+            <a:noFill/>
+          </p:spPr>
+          <p:txBody>
+            <a:bodyPr wrap="none" rtlCol="0">
+              <a:spAutoFit/>
+            </a:bodyPr>
+            <a:lstStyle/>
+            <a:p>
+              <a:r>
+                <a:rPr lang="en-US" sz="2800" dirty="0"/>
+                <a:t>x-coordinate</a:t>
+              </a:r>
+            </a:p>
+          </p:txBody>
+        </p:sp>
+      </p:grpSp>
+      <p:grpSp>
+        <p:nvGrpSpPr>
+          <p:cNvPr id="44" name="weights">
+            <a:extLst>
+              <a:ext uri="{FF2B5EF4-FFF2-40B4-BE49-F238E27FC236}">
+                <a16:creationId xmlns:a16="http://schemas.microsoft.com/office/drawing/2014/main" id="{49CDA9BA-B55C-4EA9-B417-3D1CD384430C}"/>
+              </a:ext>
+            </a:extLst>
+          </p:cNvPr>
+          <p:cNvGrpSpPr/>
+          <p:nvPr/>
+        </p:nvGrpSpPr>
+        <p:grpSpPr>
+          <a:xfrm>
+            <a:off x="8753111" y="3734805"/>
+            <a:ext cx="1423053" cy="974631"/>
+            <a:chOff x="2922634" y="5646975"/>
+            <a:chExt cx="1423053" cy="974631"/>
+          </a:xfrm>
+        </p:grpSpPr>
+        <p:pic>
+          <p:nvPicPr>
+            <p:cNvPr id="46" name="Graphic 45" descr="Arrow: Counterclockwise curve">
+              <a:extLst>
+                <a:ext uri="{FF2B5EF4-FFF2-40B4-BE49-F238E27FC236}">
+                  <a16:creationId xmlns:a16="http://schemas.microsoft.com/office/drawing/2014/main" id="{4839D3FE-68D2-4364-A918-BECDFB2159EC}"/>
+                </a:ext>
+              </a:extLst>
+            </p:cNvPr>
+            <p:cNvPicPr>
+              <a:picLocks noChangeAspect="1"/>
+            </p:cNvPicPr>
+            <p:nvPr/>
+          </p:nvPicPr>
+          <p:blipFill>
+            <a:blip r:embed="rId2">
+              <a:extLst>
+                <a:ext uri="{28A0092B-C50C-407E-A947-70E740481C1C}">
+                  <a14:useLocalDpi xmlns:a14="http://schemas.microsoft.com/office/drawing/2010/main" val="0"/>
+                </a:ext>
+                <a:ext uri="{96DAC541-7B7A-43D3-8B79-37D633B846F1}">
+                  <asvg:svgBlip xmlns:asvg="http://schemas.microsoft.com/office/drawing/2016/SVG/main" r:embed="rId3"/>
+                </a:ext>
+              </a:extLst>
+            </a:blip>
+            <a:stretch>
+              <a:fillRect/>
+            </a:stretch>
+          </p:blipFill>
+          <p:spPr>
+            <a:xfrm rot="13586566" flipH="1" flipV="1">
+              <a:off x="3652522" y="5646975"/>
+              <a:ext cx="693165" cy="693165"/>
+            </a:xfrm>
+            <a:prstGeom prst="rect">
+              <a:avLst/>
+            </a:prstGeom>
+          </p:spPr>
+        </p:pic>
+        <p:sp>
+          <p:nvSpPr>
+            <p:cNvPr id="47" name="TextBox 46">
+              <a:extLst>
+                <a:ext uri="{FF2B5EF4-FFF2-40B4-BE49-F238E27FC236}">
+                  <a16:creationId xmlns:a16="http://schemas.microsoft.com/office/drawing/2014/main" id="{6CE4E36D-0CDD-4095-9681-0142606F8734}"/>
+                </a:ext>
+              </a:extLst>
+            </p:cNvPr>
+            <p:cNvSpPr txBox="1"/>
+            <p:nvPr/>
+          </p:nvSpPr>
+          <p:spPr>
+            <a:xfrm>
+              <a:off x="2922634" y="6098386"/>
+              <a:ext cx="1002197" cy="523220"/>
+            </a:xfrm>
+            <a:prstGeom prst="rect">
+              <a:avLst/>
+            </a:prstGeom>
+            <a:noFill/>
+          </p:spPr>
+          <p:txBody>
+            <a:bodyPr wrap="none" rtlCol="0">
+              <a:spAutoFit/>
+            </a:bodyPr>
+            <a:lstStyle/>
+            <a:p>
+              <a:r>
+                <a:rPr lang="en-US" sz="2800" dirty="0"/>
+                <a:t>guess</a:t>
+              </a:r>
+            </a:p>
+          </p:txBody>
+        </p:sp>
+      </p:grpSp>
+      <p:grpSp>
+        <p:nvGrpSpPr>
+          <p:cNvPr id="49" name="weights">
+            <a:extLst>
+              <a:ext uri="{FF2B5EF4-FFF2-40B4-BE49-F238E27FC236}">
+                <a16:creationId xmlns:a16="http://schemas.microsoft.com/office/drawing/2014/main" id="{6C5D5B1D-3148-478B-8708-046BAD2C16C4}"/>
+              </a:ext>
+            </a:extLst>
+          </p:cNvPr>
+          <p:cNvGrpSpPr/>
+          <p:nvPr/>
+        </p:nvGrpSpPr>
+        <p:grpSpPr>
+          <a:xfrm>
+            <a:off x="3323991" y="1059008"/>
+            <a:ext cx="3991160" cy="916725"/>
+            <a:chOff x="2976931" y="5955632"/>
+            <a:chExt cx="3991160" cy="916725"/>
+          </a:xfrm>
+        </p:grpSpPr>
+        <p:pic>
+          <p:nvPicPr>
+            <p:cNvPr id="51" name="Graphic 50" descr="Arrow: Counterclockwise curve">
+              <a:extLst>
+                <a:ext uri="{FF2B5EF4-FFF2-40B4-BE49-F238E27FC236}">
+                  <a16:creationId xmlns:a16="http://schemas.microsoft.com/office/drawing/2014/main" id="{7B8DD59D-3926-45F3-A1F6-468F46E6A8C9}"/>
+                </a:ext>
+              </a:extLst>
+            </p:cNvPr>
+            <p:cNvPicPr>
+              <a:picLocks noChangeAspect="1"/>
+            </p:cNvPicPr>
+            <p:nvPr/>
+          </p:nvPicPr>
+          <p:blipFill>
+            <a:blip r:embed="rId2">
+              <a:extLst>
+                <a:ext uri="{28A0092B-C50C-407E-A947-70E740481C1C}">
+                  <a14:useLocalDpi xmlns:a14="http://schemas.microsoft.com/office/drawing/2010/main" val="0"/>
+                </a:ext>
+                <a:ext uri="{96DAC541-7B7A-43D3-8B79-37D633B846F1}">
+                  <asvg:svgBlip xmlns:asvg="http://schemas.microsoft.com/office/drawing/2016/SVG/main" r:embed="rId3"/>
+                </a:ext>
+              </a:extLst>
+            </a:blip>
+            <a:stretch>
+              <a:fillRect/>
+            </a:stretch>
+          </p:blipFill>
+          <p:spPr>
+            <a:xfrm rot="13586566">
+              <a:off x="2976931" y="6179192"/>
+              <a:ext cx="693165" cy="693165"/>
+            </a:xfrm>
+            <a:prstGeom prst="rect">
+              <a:avLst/>
+            </a:prstGeom>
+          </p:spPr>
+        </p:pic>
+        <p:sp>
+          <p:nvSpPr>
+            <p:cNvPr id="53" name="TextBox 52">
+              <a:extLst>
+                <a:ext uri="{FF2B5EF4-FFF2-40B4-BE49-F238E27FC236}">
+                  <a16:creationId xmlns:a16="http://schemas.microsoft.com/office/drawing/2014/main" id="{9FF6C2DB-56E0-4144-8657-8BB52957288B}"/>
+                </a:ext>
+              </a:extLst>
+            </p:cNvPr>
+            <p:cNvSpPr txBox="1"/>
+            <p:nvPr/>
+          </p:nvSpPr>
+          <p:spPr>
+            <a:xfrm>
+              <a:off x="3437316" y="5955632"/>
+              <a:ext cx="3530775" cy="523220"/>
+            </a:xfrm>
+            <a:prstGeom prst="rect">
+              <a:avLst/>
+            </a:prstGeom>
+            <a:noFill/>
+          </p:spPr>
+          <p:txBody>
+            <a:bodyPr wrap="none" rtlCol="0">
+              <a:spAutoFit/>
+            </a:bodyPr>
+            <a:lstStyle/>
+            <a:p>
+              <a:r>
+                <a:rPr lang="en-US" sz="2800" dirty="0"/>
+                <a:t>w</a:t>
+              </a:r>
+              <a:r>
+                <a:rPr lang="en-US" sz="2800" baseline="-25000" dirty="0"/>
+                <a:t>1</a:t>
+              </a:r>
+              <a:r>
+                <a:rPr lang="en-US" sz="2800" dirty="0"/>
+                <a:t> = w</a:t>
+              </a:r>
+              <a:r>
+                <a:rPr lang="en-US" sz="2800" baseline="-25000" dirty="0"/>
+                <a:t>1</a:t>
+              </a:r>
+              <a:r>
+                <a:rPr lang="en-US" sz="2800" dirty="0"/>
+                <a:t> – error * x</a:t>
+              </a:r>
+              <a:r>
+                <a:rPr lang="en-US" sz="2800" baseline="-25000" dirty="0"/>
+                <a:t>1</a:t>
+              </a:r>
+              <a:r>
+                <a:rPr lang="en-US" sz="2800" dirty="0"/>
+                <a:t> * </a:t>
+              </a:r>
+              <a:r>
+                <a:rPr lang="el-GR" sz="2800" dirty="0"/>
+                <a:t>α</a:t>
+              </a:r>
+              <a:endParaRPr lang="en-US" sz="2800" baseline="-25000" dirty="0"/>
+            </a:p>
+          </p:txBody>
+        </p:sp>
+      </p:grpSp>
+      <p:grpSp>
+        <p:nvGrpSpPr>
+          <p:cNvPr id="54" name="weights">
+            <a:extLst>
+              <a:ext uri="{FF2B5EF4-FFF2-40B4-BE49-F238E27FC236}">
+                <a16:creationId xmlns:a16="http://schemas.microsoft.com/office/drawing/2014/main" id="{16DFE0C4-4224-4F6B-AB38-F709D2980B87}"/>
+              </a:ext>
+            </a:extLst>
+          </p:cNvPr>
+          <p:cNvGrpSpPr/>
+          <p:nvPr/>
+        </p:nvGrpSpPr>
+        <p:grpSpPr>
+          <a:xfrm>
+            <a:off x="6860726" y="222439"/>
+            <a:ext cx="4836776" cy="954107"/>
+            <a:chOff x="2976931" y="5955632"/>
+            <a:chExt cx="4836776" cy="954107"/>
+          </a:xfrm>
+        </p:grpSpPr>
+        <p:pic>
+          <p:nvPicPr>
+            <p:cNvPr id="56" name="Graphic 55" descr="Arrow: Counterclockwise curve">
+              <a:extLst>
+                <a:ext uri="{FF2B5EF4-FFF2-40B4-BE49-F238E27FC236}">
+                  <a16:creationId xmlns:a16="http://schemas.microsoft.com/office/drawing/2014/main" id="{7E2C8079-5539-40AE-A9CF-16ECBE42E121}"/>
+                </a:ext>
+              </a:extLst>
+            </p:cNvPr>
+            <p:cNvPicPr>
+              <a:picLocks noChangeAspect="1"/>
+            </p:cNvPicPr>
+            <p:nvPr/>
+          </p:nvPicPr>
+          <p:blipFill>
+            <a:blip r:embed="rId2">
+              <a:extLst>
+                <a:ext uri="{28A0092B-C50C-407E-A947-70E740481C1C}">
+                  <a14:useLocalDpi xmlns:a14="http://schemas.microsoft.com/office/drawing/2010/main" val="0"/>
+                </a:ext>
+                <a:ext uri="{96DAC541-7B7A-43D3-8B79-37D633B846F1}">
+                  <asvg:svgBlip xmlns:asvg="http://schemas.microsoft.com/office/drawing/2016/SVG/main" r:embed="rId3"/>
+                </a:ext>
+              </a:extLst>
+            </a:blip>
+            <a:stretch>
+              <a:fillRect/>
+            </a:stretch>
+          </p:blipFill>
+          <p:spPr>
+            <a:xfrm rot="13586566">
+              <a:off x="2976931" y="6179192"/>
+              <a:ext cx="693165" cy="693165"/>
+            </a:xfrm>
+            <a:prstGeom prst="rect">
+              <a:avLst/>
+            </a:prstGeom>
+          </p:spPr>
+        </p:pic>
+        <p:sp>
+          <p:nvSpPr>
+            <p:cNvPr id="78" name="TextBox 77">
+              <a:extLst>
+                <a:ext uri="{FF2B5EF4-FFF2-40B4-BE49-F238E27FC236}">
+                  <a16:creationId xmlns:a16="http://schemas.microsoft.com/office/drawing/2014/main" id="{EB2F75CB-A9EA-44C8-A2A9-ACA99AB36B0A}"/>
+                </a:ext>
+              </a:extLst>
+            </p:cNvPr>
+            <p:cNvSpPr txBox="1"/>
+            <p:nvPr/>
+          </p:nvSpPr>
+          <p:spPr>
+            <a:xfrm>
+              <a:off x="3437316" y="5955632"/>
+              <a:ext cx="4376391" cy="954107"/>
+            </a:xfrm>
+            <a:prstGeom prst="rect">
+              <a:avLst/>
+            </a:prstGeom>
+            <a:noFill/>
+          </p:spPr>
+          <p:txBody>
+            <a:bodyPr wrap="none" rtlCol="0">
+              <a:spAutoFit/>
+            </a:bodyPr>
+            <a:lstStyle/>
+            <a:p>
+              <a:r>
+                <a:rPr lang="en-US" sz="2800" dirty="0"/>
+                <a:t>learning rate – small number</a:t>
+              </a:r>
+            </a:p>
+            <a:p>
+              <a:r>
+                <a:rPr lang="en-US" sz="2800" dirty="0"/>
+                <a:t>                          (i.e. 0.01)</a:t>
+              </a:r>
+            </a:p>
+          </p:txBody>
+        </p:sp>
+      </p:grpSp>
+      <p:grpSp>
+        <p:nvGrpSpPr>
+          <p:cNvPr id="79" name="weights">
+            <a:extLst>
+              <a:ext uri="{FF2B5EF4-FFF2-40B4-BE49-F238E27FC236}">
+                <a16:creationId xmlns:a16="http://schemas.microsoft.com/office/drawing/2014/main" id="{FB6E9889-1BFB-4197-B866-CC8A13530C23}"/>
+              </a:ext>
+            </a:extLst>
+          </p:cNvPr>
+          <p:cNvGrpSpPr/>
+          <p:nvPr/>
+        </p:nvGrpSpPr>
+        <p:grpSpPr>
+          <a:xfrm>
+            <a:off x="3345263" y="4589427"/>
+            <a:ext cx="4006357" cy="907656"/>
+            <a:chOff x="2976931" y="6179192"/>
+            <a:chExt cx="4006357" cy="907656"/>
+          </a:xfrm>
+        </p:grpSpPr>
+        <p:pic>
+          <p:nvPicPr>
+            <p:cNvPr id="80" name="Graphic 79" descr="Arrow: Counterclockwise curve">
+              <a:extLst>
+                <a:ext uri="{FF2B5EF4-FFF2-40B4-BE49-F238E27FC236}">
+                  <a16:creationId xmlns:a16="http://schemas.microsoft.com/office/drawing/2014/main" id="{62AC1B3A-086B-43D0-BC53-CC3C2DA6B44B}"/>
+                </a:ext>
+              </a:extLst>
+            </p:cNvPr>
+            <p:cNvPicPr>
+              <a:picLocks noChangeAspect="1"/>
+            </p:cNvPicPr>
+            <p:nvPr/>
+          </p:nvPicPr>
+          <p:blipFill>
+            <a:blip r:embed="rId2">
+              <a:extLst>
+                <a:ext uri="{28A0092B-C50C-407E-A947-70E740481C1C}">
+                  <a14:useLocalDpi xmlns:a14="http://schemas.microsoft.com/office/drawing/2010/main" val="0"/>
+                </a:ext>
+                <a:ext uri="{96DAC541-7B7A-43D3-8B79-37D633B846F1}">
+                  <asvg:svgBlip xmlns:asvg="http://schemas.microsoft.com/office/drawing/2016/SVG/main" r:embed="rId3"/>
+                </a:ext>
+              </a:extLst>
+            </a:blip>
+            <a:stretch>
+              <a:fillRect/>
+            </a:stretch>
+          </p:blipFill>
+          <p:spPr>
+            <a:xfrm rot="8013434" flipV="1">
+              <a:off x="2976931" y="6179192"/>
+              <a:ext cx="693165" cy="693165"/>
+            </a:xfrm>
+            <a:prstGeom prst="rect">
+              <a:avLst/>
+            </a:prstGeom>
+          </p:spPr>
+        </p:pic>
+        <p:sp>
+          <p:nvSpPr>
+            <p:cNvPr id="81" name="TextBox 80">
+              <a:extLst>
+                <a:ext uri="{FF2B5EF4-FFF2-40B4-BE49-F238E27FC236}">
+                  <a16:creationId xmlns:a16="http://schemas.microsoft.com/office/drawing/2014/main" id="{09D97F4D-BFE2-44F1-8396-D85D5D448AE7}"/>
+                </a:ext>
+              </a:extLst>
+            </p:cNvPr>
+            <p:cNvSpPr txBox="1"/>
+            <p:nvPr/>
+          </p:nvSpPr>
+          <p:spPr>
+            <a:xfrm>
+              <a:off x="3452513" y="6563628"/>
+              <a:ext cx="3530775" cy="523220"/>
+            </a:xfrm>
+            <a:prstGeom prst="rect">
+              <a:avLst/>
+            </a:prstGeom>
+            <a:noFill/>
+          </p:spPr>
+          <p:txBody>
+            <a:bodyPr wrap="none" rtlCol="0">
+              <a:spAutoFit/>
+            </a:bodyPr>
+            <a:lstStyle/>
+            <a:p>
+              <a:r>
+                <a:rPr lang="en-US" sz="2800" dirty="0"/>
+                <a:t>w</a:t>
+              </a:r>
+              <a:r>
+                <a:rPr lang="en-US" sz="2800" baseline="-25000" dirty="0"/>
+                <a:t>2</a:t>
+              </a:r>
+              <a:r>
+                <a:rPr lang="en-US" sz="2800" dirty="0"/>
+                <a:t> = w</a:t>
+              </a:r>
+              <a:r>
+                <a:rPr lang="en-US" sz="2800" baseline="-25000" dirty="0"/>
+                <a:t>2</a:t>
+              </a:r>
+              <a:r>
+                <a:rPr lang="en-US" sz="2800" dirty="0"/>
+                <a:t> – error * x</a:t>
+              </a:r>
+              <a:r>
+                <a:rPr lang="en-US" sz="2800" baseline="-25000" dirty="0"/>
+                <a:t>2</a:t>
+              </a:r>
+              <a:r>
+                <a:rPr lang="en-US" sz="2800" dirty="0"/>
+                <a:t> * </a:t>
+              </a:r>
+              <a:r>
+                <a:rPr lang="el-GR" sz="2800" dirty="0"/>
+                <a:t>α</a:t>
+              </a:r>
+              <a:endParaRPr lang="en-US" sz="2800" baseline="-25000" dirty="0"/>
+            </a:p>
+          </p:txBody>
+        </p:sp>
+      </p:grpSp>
+    </p:spTree>
+    <p:extLst>
+      <p:ext uri="{BB962C8B-B14F-4D97-AF65-F5344CB8AC3E}">
+        <p14:creationId xmlns:p14="http://schemas.microsoft.com/office/powerpoint/2010/main" val="671483291"/>
+      </p:ext>
+    </p:extLst>
+  </p:cSld>
+  <p:clrMapOvr>
+    <a:masterClrMapping/>
+  </p:clrMapOvr>
+  <p:timing>
+    <p:tnLst>
+      <p:par>
+        <p:cTn id="1" dur="indefinite" restart="never" nodeType="tmRoot">
+          <p:childTnLst>
+            <p:seq concurrent="1" nextAc="seek">
+              <p:cTn id="2" dur="indefinite" nodeType="mainSeq">
+                <p:childTnLst>
+                  <p:par>
+                    <p:cTn id="3" fill="hold">
+                      <p:stCondLst>
+                        <p:cond delay="indefinite"/>
+                      </p:stCondLst>
+                      <p:childTnLst>
+                        <p:par>
+                          <p:cTn id="4" fill="hold">
+                            <p:stCondLst>
+                              <p:cond delay="0"/>
+                            </p:stCondLst>
+                            <p:childTnLst>
+                              <p:par>
+                                <p:cTn id="5" presetID="10" presetClass="entr" presetSubtype="0" fill="hold" nodeType="clickEffect">
+                                  <p:stCondLst>
+                                    <p:cond delay="0"/>
+                                  </p:stCondLst>
+                                  <p:childTnLst>
+                                    <p:set>
+                                      <p:cBhvr>
+                                        <p:cTn id="6" dur="1" fill="hold">
+                                          <p:stCondLst>
+                                            <p:cond delay="0"/>
+                                          </p:stCondLst>
+                                        </p:cTn>
+                                        <p:tgtEl>
+                                          <p:spTgt spid="5"/>
+                                        </p:tgtEl>
+                                        <p:attrNameLst>
+                                          <p:attrName>style.visibility</p:attrName>
+                                        </p:attrNameLst>
+                                      </p:cBhvr>
+                                      <p:to>
+                                        <p:strVal val="visible"/>
+                                      </p:to>
+                                    </p:set>
+                                    <p:animEffect transition="in" filter="fade">
+                                      <p:cBhvr>
+                                        <p:cTn id="7" dur="2000"/>
+                                        <p:tgtEl>
+                                          <p:spTgt spid="5"/>
+                                        </p:tgtEl>
+                                      </p:cBhvr>
+                                    </p:animEffect>
+                                  </p:childTnLst>
+                                </p:cTn>
+                              </p:par>
+                            </p:childTnLst>
+                          </p:cTn>
+                        </p:par>
+                        <p:par>
+                          <p:cTn id="8" fill="hold">
+                            <p:stCondLst>
+                              <p:cond delay="2000"/>
+                            </p:stCondLst>
+                            <p:childTnLst>
+                              <p:par>
+                                <p:cTn id="9" presetID="2" presetClass="entr" presetSubtype="8" fill="hold" nodeType="afterEffect">
+                                  <p:stCondLst>
+                                    <p:cond delay="0"/>
+                                  </p:stCondLst>
+                                  <p:childTnLst>
+                                    <p:set>
+                                      <p:cBhvr>
+                                        <p:cTn id="10" dur="1" fill="hold">
+                                          <p:stCondLst>
+                                            <p:cond delay="0"/>
+                                          </p:stCondLst>
+                                        </p:cTn>
+                                        <p:tgtEl>
+                                          <p:spTgt spid="7"/>
+                                        </p:tgtEl>
+                                        <p:attrNameLst>
+                                          <p:attrName>style.visibility</p:attrName>
+                                        </p:attrNameLst>
+                                      </p:cBhvr>
+                                      <p:to>
+                                        <p:strVal val="visible"/>
+                                      </p:to>
+                                    </p:set>
+                                    <p:anim calcmode="lin" valueType="num">
+                                      <p:cBhvr additive="base">
+                                        <p:cTn id="11" dur="1000" fill="hold"/>
+                                        <p:tgtEl>
+                                          <p:spTgt spid="7"/>
+                                        </p:tgtEl>
+                                        <p:attrNameLst>
+                                          <p:attrName>ppt_x</p:attrName>
+                                        </p:attrNameLst>
+                                      </p:cBhvr>
+                                      <p:tavLst>
+                                        <p:tav tm="0">
+                                          <p:val>
+                                            <p:strVal val="0-#ppt_w/2"/>
+                                          </p:val>
+                                        </p:tav>
+                                        <p:tav tm="100000">
+                                          <p:val>
+                                            <p:strVal val="#ppt_x"/>
+                                          </p:val>
+                                        </p:tav>
+                                      </p:tavLst>
+                                    </p:anim>
+                                    <p:anim calcmode="lin" valueType="num">
+                                      <p:cBhvr additive="base">
+                                        <p:cTn id="12" dur="1000" fill="hold"/>
+                                        <p:tgtEl>
+                                          <p:spTgt spid="7"/>
+                                        </p:tgtEl>
+                                        <p:attrNameLst>
+                                          <p:attrName>ppt_y</p:attrName>
+                                        </p:attrNameLst>
+                                      </p:cBhvr>
+                                      <p:tavLst>
+                                        <p:tav tm="0">
+                                          <p:val>
+                                            <p:strVal val="#ppt_y"/>
+                                          </p:val>
+                                        </p:tav>
+                                        <p:tav tm="100000">
+                                          <p:val>
+                                            <p:strVal val="#ppt_y"/>
+                                          </p:val>
+                                        </p:tav>
+                                      </p:tavLst>
+                                    </p:anim>
+                                  </p:childTnLst>
+                                </p:cTn>
+                              </p:par>
+                            </p:childTnLst>
+                          </p:cTn>
+                        </p:par>
+                      </p:childTnLst>
+                    </p:cTn>
+                  </p:par>
+                  <p:par>
+                    <p:cTn id="13" fill="hold">
+                      <p:stCondLst>
+                        <p:cond delay="indefinite"/>
+                      </p:stCondLst>
+                      <p:childTnLst>
+                        <p:par>
+                          <p:cTn id="14" fill="hold">
+                            <p:stCondLst>
+                              <p:cond delay="0"/>
+                            </p:stCondLst>
+                            <p:childTnLst>
+                              <p:par>
+                                <p:cTn id="15" presetID="10" presetClass="entr" presetSubtype="0" fill="hold" grpId="0" nodeType="clickEffect">
+                                  <p:stCondLst>
+                                    <p:cond delay="0"/>
+                                  </p:stCondLst>
+                                  <p:childTnLst>
+                                    <p:set>
+                                      <p:cBhvr>
+                                        <p:cTn id="16" dur="1" fill="hold">
+                                          <p:stCondLst>
+                                            <p:cond delay="0"/>
+                                          </p:stCondLst>
+                                        </p:cTn>
+                                        <p:tgtEl>
+                                          <p:spTgt spid="50"/>
+                                        </p:tgtEl>
+                                        <p:attrNameLst>
+                                          <p:attrName>style.visibility</p:attrName>
+                                        </p:attrNameLst>
+                                      </p:cBhvr>
+                                      <p:to>
+                                        <p:strVal val="visible"/>
+                                      </p:to>
+                                    </p:set>
+                                    <p:animEffect transition="in" filter="fade">
+                                      <p:cBhvr>
+                                        <p:cTn id="17" dur="2000"/>
+                                        <p:tgtEl>
+                                          <p:spTgt spid="50"/>
+                                        </p:tgtEl>
+                                      </p:cBhvr>
+                                    </p:animEffect>
+                                  </p:childTnLst>
+                                </p:cTn>
+                              </p:par>
+                            </p:childTnLst>
+                          </p:cTn>
+                        </p:par>
+                        <p:par>
+                          <p:cTn id="18" fill="hold">
+                            <p:stCondLst>
+                              <p:cond delay="2000"/>
+                            </p:stCondLst>
+                            <p:childTnLst>
+                              <p:par>
+                                <p:cTn id="19" presetID="2" presetClass="entr" presetSubtype="2" fill="hold" grpId="0" nodeType="afterEffect">
+                                  <p:stCondLst>
+                                    <p:cond delay="0"/>
+                                  </p:stCondLst>
+                                  <p:childTnLst>
+                                    <p:set>
+                                      <p:cBhvr>
+                                        <p:cTn id="20" dur="1" fill="hold">
+                                          <p:stCondLst>
+                                            <p:cond delay="0"/>
+                                          </p:stCondLst>
+                                        </p:cTn>
+                                        <p:tgtEl>
+                                          <p:spTgt spid="64"/>
+                                        </p:tgtEl>
+                                        <p:attrNameLst>
+                                          <p:attrName>style.visibility</p:attrName>
+                                        </p:attrNameLst>
+                                      </p:cBhvr>
+                                      <p:to>
+                                        <p:strVal val="visible"/>
+                                      </p:to>
+                                    </p:set>
+                                    <p:anim calcmode="lin" valueType="num">
+                                      <p:cBhvr additive="base">
+                                        <p:cTn id="21" dur="1000" fill="hold"/>
+                                        <p:tgtEl>
+                                          <p:spTgt spid="64"/>
+                                        </p:tgtEl>
+                                        <p:attrNameLst>
+                                          <p:attrName>ppt_x</p:attrName>
+                                        </p:attrNameLst>
+                                      </p:cBhvr>
+                                      <p:tavLst>
+                                        <p:tav tm="0">
+                                          <p:val>
+                                            <p:strVal val="1+#ppt_w/2"/>
+                                          </p:val>
+                                        </p:tav>
+                                        <p:tav tm="100000">
+                                          <p:val>
+                                            <p:strVal val="#ppt_x"/>
+                                          </p:val>
+                                        </p:tav>
+                                      </p:tavLst>
+                                    </p:anim>
+                                    <p:anim calcmode="lin" valueType="num">
+                                      <p:cBhvr additive="base">
+                                        <p:cTn id="22" dur="1000" fill="hold"/>
+                                        <p:tgtEl>
+                                          <p:spTgt spid="64"/>
+                                        </p:tgtEl>
+                                        <p:attrNameLst>
+                                          <p:attrName>ppt_y</p:attrName>
+                                        </p:attrNameLst>
+                                      </p:cBhvr>
+                                      <p:tavLst>
+                                        <p:tav tm="0">
+                                          <p:val>
+                                            <p:strVal val="#ppt_y"/>
+                                          </p:val>
+                                        </p:tav>
+                                        <p:tav tm="100000">
+                                          <p:val>
+                                            <p:strVal val="#ppt_y"/>
+                                          </p:val>
+                                        </p:tav>
+                                      </p:tavLst>
+                                    </p:anim>
+                                  </p:childTnLst>
+                                </p:cTn>
+                              </p:par>
+                            </p:childTnLst>
+                          </p:cTn>
+                        </p:par>
+                      </p:childTnLst>
+                    </p:cTn>
+                  </p:par>
+                  <p:par>
+                    <p:cTn id="23" fill="hold">
+                      <p:stCondLst>
+                        <p:cond delay="indefinite"/>
+                      </p:stCondLst>
+                      <p:childTnLst>
+                        <p:par>
+                          <p:cTn id="24" fill="hold">
+                            <p:stCondLst>
+                              <p:cond delay="0"/>
+                            </p:stCondLst>
+                            <p:childTnLst>
+                              <p:par>
+                                <p:cTn id="25" presetID="10" presetClass="entr" presetSubtype="0" fill="hold" nodeType="clickEffect">
+                                  <p:stCondLst>
+                                    <p:cond delay="0"/>
+                                  </p:stCondLst>
+                                  <p:childTnLst>
+                                    <p:set>
+                                      <p:cBhvr>
+                                        <p:cTn id="26" dur="1" fill="hold">
+                                          <p:stCondLst>
+                                            <p:cond delay="0"/>
+                                          </p:stCondLst>
+                                        </p:cTn>
+                                        <p:tgtEl>
+                                          <p:spTgt spid="10"/>
+                                        </p:tgtEl>
+                                        <p:attrNameLst>
+                                          <p:attrName>style.visibility</p:attrName>
+                                        </p:attrNameLst>
+                                      </p:cBhvr>
+                                      <p:to>
+                                        <p:strVal val="visible"/>
+                                      </p:to>
+                                    </p:set>
+                                    <p:animEffect transition="in" filter="fade">
+                                      <p:cBhvr>
+                                        <p:cTn id="27" dur="2000"/>
+                                        <p:tgtEl>
+                                          <p:spTgt spid="10"/>
+                                        </p:tgtEl>
+                                      </p:cBhvr>
+                                    </p:animEffect>
+                                  </p:childTnLst>
+                                </p:cTn>
+                              </p:par>
+                            </p:childTnLst>
+                          </p:cTn>
+                        </p:par>
+                        <p:par>
+                          <p:cTn id="28" fill="hold">
+                            <p:stCondLst>
+                              <p:cond delay="2000"/>
+                            </p:stCondLst>
+                            <p:childTnLst>
+                              <p:par>
+                                <p:cTn id="29" presetID="2" presetClass="entr" presetSubtype="4" fill="hold" nodeType="afterEffect">
+                                  <p:stCondLst>
+                                    <p:cond delay="0"/>
+                                  </p:stCondLst>
+                                  <p:childTnLst>
+                                    <p:set>
+                                      <p:cBhvr>
+                                        <p:cTn id="30" dur="1" fill="hold">
+                                          <p:stCondLst>
+                                            <p:cond delay="0"/>
+                                          </p:stCondLst>
+                                        </p:cTn>
+                                        <p:tgtEl>
+                                          <p:spTgt spid="11"/>
+                                        </p:tgtEl>
+                                        <p:attrNameLst>
+                                          <p:attrName>style.visibility</p:attrName>
+                                        </p:attrNameLst>
+                                      </p:cBhvr>
+                                      <p:to>
+                                        <p:strVal val="visible"/>
+                                      </p:to>
+                                    </p:set>
+                                    <p:anim calcmode="lin" valueType="num">
+                                      <p:cBhvr additive="base">
+                                        <p:cTn id="31" dur="1000" fill="hold"/>
+                                        <p:tgtEl>
+                                          <p:spTgt spid="11"/>
+                                        </p:tgtEl>
+                                        <p:attrNameLst>
+                                          <p:attrName>ppt_x</p:attrName>
+                                        </p:attrNameLst>
+                                      </p:cBhvr>
+                                      <p:tavLst>
+                                        <p:tav tm="0">
+                                          <p:val>
+                                            <p:strVal val="#ppt_x"/>
+                                          </p:val>
+                                        </p:tav>
+                                        <p:tav tm="100000">
+                                          <p:val>
+                                            <p:strVal val="#ppt_x"/>
+                                          </p:val>
+                                        </p:tav>
+                                      </p:tavLst>
+                                    </p:anim>
+                                    <p:anim calcmode="lin" valueType="num">
+                                      <p:cBhvr additive="base">
+                                        <p:cTn id="32" dur="1000" fill="hold"/>
+                                        <p:tgtEl>
+                                          <p:spTgt spid="11"/>
+                                        </p:tgtEl>
+                                        <p:attrNameLst>
+                                          <p:attrName>ppt_y</p:attrName>
+                                        </p:attrNameLst>
+                                      </p:cBhvr>
+                                      <p:tavLst>
+                                        <p:tav tm="0">
+                                          <p:val>
+                                            <p:strVal val="1+#ppt_h/2"/>
+                                          </p:val>
+                                        </p:tav>
+                                        <p:tav tm="100000">
+                                          <p:val>
+                                            <p:strVal val="#ppt_y"/>
+                                          </p:val>
+                                        </p:tav>
+                                      </p:tavLst>
+                                    </p:anim>
+                                  </p:childTnLst>
+                                </p:cTn>
+                              </p:par>
+                            </p:childTnLst>
+                          </p:cTn>
+                        </p:par>
+                      </p:childTnLst>
+                    </p:cTn>
+                  </p:par>
+                  <p:par>
+                    <p:cTn id="33" fill="hold">
+                      <p:stCondLst>
+                        <p:cond delay="indefinite"/>
+                      </p:stCondLst>
+                      <p:childTnLst>
+                        <p:par>
+                          <p:cTn id="34" fill="hold">
+                            <p:stCondLst>
+                              <p:cond delay="0"/>
+                            </p:stCondLst>
+                            <p:childTnLst>
+                              <p:par>
+                                <p:cTn id="35" presetID="10" presetClass="entr" presetSubtype="0" fill="hold" nodeType="clickEffect">
+                                  <p:stCondLst>
+                                    <p:cond delay="0"/>
+                                  </p:stCondLst>
+                                  <p:childTnLst>
+                                    <p:set>
+                                      <p:cBhvr>
+                                        <p:cTn id="36" dur="1" fill="hold">
+                                          <p:stCondLst>
+                                            <p:cond delay="0"/>
+                                          </p:stCondLst>
+                                        </p:cTn>
+                                        <p:tgtEl>
+                                          <p:spTgt spid="6"/>
+                                        </p:tgtEl>
+                                        <p:attrNameLst>
+                                          <p:attrName>style.visibility</p:attrName>
+                                        </p:attrNameLst>
+                                      </p:cBhvr>
+                                      <p:to>
+                                        <p:strVal val="visible"/>
+                                      </p:to>
+                                    </p:set>
+                                    <p:animEffect transition="in" filter="fade">
+                                      <p:cBhvr>
+                                        <p:cTn id="37" dur="500"/>
+                                        <p:tgtEl>
+                                          <p:spTgt spid="6"/>
+                                        </p:tgtEl>
+                                      </p:cBhvr>
+                                    </p:animEffect>
+                                  </p:childTnLst>
+                                </p:cTn>
+                              </p:par>
+                            </p:childTnLst>
+                          </p:cTn>
+                        </p:par>
+                      </p:childTnLst>
+                    </p:cTn>
+                  </p:par>
+                  <p:par>
+                    <p:cTn id="38" fill="hold">
+                      <p:stCondLst>
+                        <p:cond delay="indefinite"/>
+                      </p:stCondLst>
+                      <p:childTnLst>
+                        <p:par>
+                          <p:cTn id="39" fill="hold">
+                            <p:stCondLst>
+                              <p:cond delay="0"/>
+                            </p:stCondLst>
+                            <p:childTnLst>
+                              <p:par>
+                                <p:cTn id="40" presetID="10" presetClass="entr" presetSubtype="0" fill="hold" grpId="0" nodeType="clickEffect">
+                                  <p:stCondLst>
+                                    <p:cond delay="0"/>
+                                  </p:stCondLst>
+                                  <p:childTnLst>
+                                    <p:set>
+                                      <p:cBhvr>
+                                        <p:cTn id="41" dur="1" fill="hold">
+                                          <p:stCondLst>
+                                            <p:cond delay="0"/>
+                                          </p:stCondLst>
+                                        </p:cTn>
+                                        <p:tgtEl>
+                                          <p:spTgt spid="8"/>
+                                        </p:tgtEl>
+                                        <p:attrNameLst>
+                                          <p:attrName>style.visibility</p:attrName>
+                                        </p:attrNameLst>
+                                      </p:cBhvr>
+                                      <p:to>
+                                        <p:strVal val="visible"/>
+                                      </p:to>
+                                    </p:set>
+                                    <p:animEffect transition="in" filter="fade">
+                                      <p:cBhvr>
+                                        <p:cTn id="42" dur="2000"/>
+                                        <p:tgtEl>
+                                          <p:spTgt spid="8"/>
+                                        </p:tgtEl>
+                                      </p:cBhvr>
+                                    </p:animEffect>
+                                  </p:childTnLst>
+                                </p:cTn>
+                              </p:par>
+                            </p:childTnLst>
+                          </p:cTn>
+                        </p:par>
+                      </p:childTnLst>
+                    </p:cTn>
+                  </p:par>
+                  <p:par>
+                    <p:cTn id="43" fill="hold">
+                      <p:stCondLst>
+                        <p:cond delay="indefinite"/>
+                      </p:stCondLst>
+                      <p:childTnLst>
+                        <p:par>
+                          <p:cTn id="44" fill="hold">
+                            <p:stCondLst>
+                              <p:cond delay="0"/>
+                            </p:stCondLst>
+                            <p:childTnLst>
+                              <p:par>
+                                <p:cTn id="45" presetID="10" presetClass="entr" presetSubtype="0" fill="hold" nodeType="clickEffect">
+                                  <p:stCondLst>
+                                    <p:cond delay="0"/>
+                                  </p:stCondLst>
+                                  <p:childTnLst>
+                                    <p:set>
+                                      <p:cBhvr>
+                                        <p:cTn id="46" dur="1" fill="hold">
+                                          <p:stCondLst>
+                                            <p:cond delay="0"/>
+                                          </p:stCondLst>
+                                        </p:cTn>
+                                        <p:tgtEl>
+                                          <p:spTgt spid="16"/>
+                                        </p:tgtEl>
+                                        <p:attrNameLst>
+                                          <p:attrName>style.visibility</p:attrName>
+                                        </p:attrNameLst>
+                                      </p:cBhvr>
+                                      <p:to>
+                                        <p:strVal val="visible"/>
+                                      </p:to>
+                                    </p:set>
+                                    <p:animEffect transition="in" filter="fade">
+                                      <p:cBhvr>
+                                        <p:cTn id="47" dur="2000"/>
+                                        <p:tgtEl>
+                                          <p:spTgt spid="16"/>
+                                        </p:tgtEl>
+                                      </p:cBhvr>
+                                    </p:animEffect>
+                                  </p:childTnLst>
+                                </p:cTn>
+                              </p:par>
+                            </p:childTnLst>
+                          </p:cTn>
+                        </p:par>
+                        <p:par>
+                          <p:cTn id="48" fill="hold">
+                            <p:stCondLst>
+                              <p:cond delay="2000"/>
+                            </p:stCondLst>
+                            <p:childTnLst>
+                              <p:par>
+                                <p:cTn id="49" presetID="2" presetClass="entr" presetSubtype="4" fill="hold" nodeType="afterEffect">
+                                  <p:stCondLst>
+                                    <p:cond delay="0"/>
+                                  </p:stCondLst>
+                                  <p:childTnLst>
+                                    <p:set>
+                                      <p:cBhvr>
+                                        <p:cTn id="50" dur="1" fill="hold">
+                                          <p:stCondLst>
+                                            <p:cond delay="0"/>
+                                          </p:stCondLst>
+                                        </p:cTn>
+                                        <p:tgtEl>
+                                          <p:spTgt spid="57"/>
+                                        </p:tgtEl>
+                                        <p:attrNameLst>
+                                          <p:attrName>style.visibility</p:attrName>
+                                        </p:attrNameLst>
+                                      </p:cBhvr>
+                                      <p:to>
+                                        <p:strVal val="visible"/>
+                                      </p:to>
+                                    </p:set>
+                                    <p:anim calcmode="lin" valueType="num">
+                                      <p:cBhvr additive="base">
+                                        <p:cTn id="51" dur="1000" fill="hold"/>
+                                        <p:tgtEl>
+                                          <p:spTgt spid="57"/>
+                                        </p:tgtEl>
+                                        <p:attrNameLst>
+                                          <p:attrName>ppt_x</p:attrName>
+                                        </p:attrNameLst>
+                                      </p:cBhvr>
+                                      <p:tavLst>
+                                        <p:tav tm="0">
+                                          <p:val>
+                                            <p:strVal val="#ppt_x"/>
+                                          </p:val>
+                                        </p:tav>
+                                        <p:tav tm="100000">
+                                          <p:val>
+                                            <p:strVal val="#ppt_x"/>
+                                          </p:val>
+                                        </p:tav>
+                                      </p:tavLst>
+                                    </p:anim>
+                                    <p:anim calcmode="lin" valueType="num">
+                                      <p:cBhvr additive="base">
+                                        <p:cTn id="52" dur="1000" fill="hold"/>
+                                        <p:tgtEl>
+                                          <p:spTgt spid="57"/>
+                                        </p:tgtEl>
+                                        <p:attrNameLst>
+                                          <p:attrName>ppt_y</p:attrName>
+                                        </p:attrNameLst>
+                                      </p:cBhvr>
+                                      <p:tavLst>
+                                        <p:tav tm="0">
+                                          <p:val>
+                                            <p:strVal val="1+#ppt_h/2"/>
+                                          </p:val>
+                                        </p:tav>
+                                        <p:tav tm="100000">
+                                          <p:val>
+                                            <p:strVal val="#ppt_y"/>
+                                          </p:val>
+                                        </p:tav>
+                                      </p:tavLst>
+                                    </p:anim>
+                                  </p:childTnLst>
+                                </p:cTn>
+                              </p:par>
+                            </p:childTnLst>
+                          </p:cTn>
+                        </p:par>
+                        <p:par>
+                          <p:cTn id="53" fill="hold">
+                            <p:stCondLst>
+                              <p:cond delay="3000"/>
+                            </p:stCondLst>
+                            <p:childTnLst>
+                              <p:par>
+                                <p:cTn id="54" presetID="2" presetClass="entr" presetSubtype="4" fill="hold" nodeType="afterEffect">
+                                  <p:stCondLst>
+                                    <p:cond delay="0"/>
+                                  </p:stCondLst>
+                                  <p:childTnLst>
+                                    <p:set>
+                                      <p:cBhvr>
+                                        <p:cTn id="55" dur="1" fill="hold">
+                                          <p:stCondLst>
+                                            <p:cond delay="0"/>
+                                          </p:stCondLst>
+                                        </p:cTn>
+                                        <p:tgtEl>
+                                          <p:spTgt spid="75"/>
+                                        </p:tgtEl>
+                                        <p:attrNameLst>
+                                          <p:attrName>style.visibility</p:attrName>
+                                        </p:attrNameLst>
+                                      </p:cBhvr>
+                                      <p:to>
+                                        <p:strVal val="visible"/>
+                                      </p:to>
+                                    </p:set>
+                                    <p:anim calcmode="lin" valueType="num">
+                                      <p:cBhvr additive="base">
+                                        <p:cTn id="56" dur="1000" fill="hold"/>
+                                        <p:tgtEl>
+                                          <p:spTgt spid="75"/>
+                                        </p:tgtEl>
+                                        <p:attrNameLst>
+                                          <p:attrName>ppt_x</p:attrName>
+                                        </p:attrNameLst>
+                                      </p:cBhvr>
+                                      <p:tavLst>
+                                        <p:tav tm="0">
+                                          <p:val>
+                                            <p:strVal val="#ppt_x"/>
+                                          </p:val>
+                                        </p:tav>
+                                        <p:tav tm="100000">
+                                          <p:val>
+                                            <p:strVal val="#ppt_x"/>
+                                          </p:val>
+                                        </p:tav>
+                                      </p:tavLst>
+                                    </p:anim>
+                                    <p:anim calcmode="lin" valueType="num">
+                                      <p:cBhvr additive="base">
+                                        <p:cTn id="57" dur="1000" fill="hold"/>
+                                        <p:tgtEl>
+                                          <p:spTgt spid="75"/>
+                                        </p:tgtEl>
+                                        <p:attrNameLst>
+                                          <p:attrName>ppt_y</p:attrName>
+                                        </p:attrNameLst>
+                                      </p:cBhvr>
+                                      <p:tavLst>
+                                        <p:tav tm="0">
+                                          <p:val>
+                                            <p:strVal val="1+#ppt_h/2"/>
+                                          </p:val>
+                                        </p:tav>
+                                        <p:tav tm="100000">
+                                          <p:val>
+                                            <p:strVal val="#ppt_y"/>
+                                          </p:val>
+                                        </p:tav>
+                                      </p:tavLst>
+                                    </p:anim>
+                                  </p:childTnLst>
+                                </p:cTn>
+                              </p:par>
+                            </p:childTnLst>
+                          </p:cTn>
+                        </p:par>
+                        <p:par>
+                          <p:cTn id="58" fill="hold">
+                            <p:stCondLst>
+                              <p:cond delay="4000"/>
+                            </p:stCondLst>
+                            <p:childTnLst>
+                              <p:par>
+                                <p:cTn id="59" presetID="2" presetClass="entr" presetSubtype="4" fill="hold" nodeType="afterEffect">
+                                  <p:stCondLst>
+                                    <p:cond delay="0"/>
+                                  </p:stCondLst>
+                                  <p:childTnLst>
+                                    <p:set>
+                                      <p:cBhvr>
+                                        <p:cTn id="60" dur="1" fill="hold">
+                                          <p:stCondLst>
+                                            <p:cond delay="0"/>
+                                          </p:stCondLst>
+                                        </p:cTn>
+                                        <p:tgtEl>
+                                          <p:spTgt spid="44"/>
+                                        </p:tgtEl>
+                                        <p:attrNameLst>
+                                          <p:attrName>style.visibility</p:attrName>
+                                        </p:attrNameLst>
+                                      </p:cBhvr>
+                                      <p:to>
+                                        <p:strVal val="visible"/>
+                                      </p:to>
+                                    </p:set>
+                                    <p:anim calcmode="lin" valueType="num">
+                                      <p:cBhvr additive="base">
+                                        <p:cTn id="61" dur="1000" fill="hold"/>
+                                        <p:tgtEl>
+                                          <p:spTgt spid="44"/>
+                                        </p:tgtEl>
+                                        <p:attrNameLst>
+                                          <p:attrName>ppt_x</p:attrName>
+                                        </p:attrNameLst>
+                                      </p:cBhvr>
+                                      <p:tavLst>
+                                        <p:tav tm="0">
+                                          <p:val>
+                                            <p:strVal val="#ppt_x"/>
+                                          </p:val>
+                                        </p:tav>
+                                        <p:tav tm="100000">
+                                          <p:val>
+                                            <p:strVal val="#ppt_x"/>
+                                          </p:val>
+                                        </p:tav>
+                                      </p:tavLst>
+                                    </p:anim>
+                                    <p:anim calcmode="lin" valueType="num">
+                                      <p:cBhvr additive="base">
+                                        <p:cTn id="62" dur="1000" fill="hold"/>
+                                        <p:tgtEl>
+                                          <p:spTgt spid="44"/>
+                                        </p:tgtEl>
+                                        <p:attrNameLst>
+                                          <p:attrName>ppt_y</p:attrName>
+                                        </p:attrNameLst>
+                                      </p:cBhvr>
+                                      <p:tavLst>
+                                        <p:tav tm="0">
+                                          <p:val>
+                                            <p:strVal val="1+#ppt_h/2"/>
+                                          </p:val>
+                                        </p:tav>
+                                        <p:tav tm="100000">
+                                          <p:val>
+                                            <p:strVal val="#ppt_y"/>
+                                          </p:val>
+                                        </p:tav>
+                                      </p:tavLst>
+                                    </p:anim>
+                                  </p:childTnLst>
+                                </p:cTn>
+                              </p:par>
+                            </p:childTnLst>
+                          </p:cTn>
+                        </p:par>
+                        <p:par>
+                          <p:cTn id="63" fill="hold">
+                            <p:stCondLst>
+                              <p:cond delay="5000"/>
+                            </p:stCondLst>
+                            <p:childTnLst>
+                              <p:par>
+                                <p:cTn id="64" presetID="2" presetClass="entr" presetSubtype="4" fill="hold" nodeType="afterEffect">
+                                  <p:stCondLst>
+                                    <p:cond delay="0"/>
+                                  </p:stCondLst>
+                                  <p:childTnLst>
+                                    <p:set>
+                                      <p:cBhvr>
+                                        <p:cTn id="65" dur="1" fill="hold">
+                                          <p:stCondLst>
+                                            <p:cond delay="0"/>
+                                          </p:stCondLst>
+                                        </p:cTn>
+                                        <p:tgtEl>
+                                          <p:spTgt spid="49"/>
+                                        </p:tgtEl>
+                                        <p:attrNameLst>
+                                          <p:attrName>style.visibility</p:attrName>
+                                        </p:attrNameLst>
+                                      </p:cBhvr>
+                                      <p:to>
+                                        <p:strVal val="visible"/>
+                                      </p:to>
+                                    </p:set>
+                                    <p:anim calcmode="lin" valueType="num">
+                                      <p:cBhvr additive="base">
+                                        <p:cTn id="66" dur="1000" fill="hold"/>
+                                        <p:tgtEl>
+                                          <p:spTgt spid="49"/>
+                                        </p:tgtEl>
+                                        <p:attrNameLst>
+                                          <p:attrName>ppt_x</p:attrName>
+                                        </p:attrNameLst>
+                                      </p:cBhvr>
+                                      <p:tavLst>
+                                        <p:tav tm="0">
+                                          <p:val>
+                                            <p:strVal val="#ppt_x"/>
+                                          </p:val>
+                                        </p:tav>
+                                        <p:tav tm="100000">
+                                          <p:val>
+                                            <p:strVal val="#ppt_x"/>
+                                          </p:val>
+                                        </p:tav>
+                                      </p:tavLst>
+                                    </p:anim>
+                                    <p:anim calcmode="lin" valueType="num">
+                                      <p:cBhvr additive="base">
+                                        <p:cTn id="67" dur="1000" fill="hold"/>
+                                        <p:tgtEl>
+                                          <p:spTgt spid="49"/>
+                                        </p:tgtEl>
+                                        <p:attrNameLst>
+                                          <p:attrName>ppt_y</p:attrName>
+                                        </p:attrNameLst>
+                                      </p:cBhvr>
+                                      <p:tavLst>
+                                        <p:tav tm="0">
+                                          <p:val>
+                                            <p:strVal val="1+#ppt_h/2"/>
+                                          </p:val>
+                                        </p:tav>
+                                        <p:tav tm="100000">
+                                          <p:val>
+                                            <p:strVal val="#ppt_y"/>
+                                          </p:val>
+                                        </p:tav>
+                                      </p:tavLst>
+                                    </p:anim>
+                                  </p:childTnLst>
+                                </p:cTn>
+                              </p:par>
+                            </p:childTnLst>
+                          </p:cTn>
+                        </p:par>
+                        <p:par>
+                          <p:cTn id="68" fill="hold">
+                            <p:stCondLst>
+                              <p:cond delay="6000"/>
+                            </p:stCondLst>
+                            <p:childTnLst>
+                              <p:par>
+                                <p:cTn id="69" presetID="2" presetClass="entr" presetSubtype="4" fill="hold" nodeType="afterEffect">
+                                  <p:stCondLst>
+                                    <p:cond delay="0"/>
+                                  </p:stCondLst>
+                                  <p:childTnLst>
+                                    <p:set>
+                                      <p:cBhvr>
+                                        <p:cTn id="70" dur="1" fill="hold">
+                                          <p:stCondLst>
+                                            <p:cond delay="0"/>
+                                          </p:stCondLst>
+                                        </p:cTn>
+                                        <p:tgtEl>
+                                          <p:spTgt spid="54"/>
+                                        </p:tgtEl>
+                                        <p:attrNameLst>
+                                          <p:attrName>style.visibility</p:attrName>
+                                        </p:attrNameLst>
+                                      </p:cBhvr>
+                                      <p:to>
+                                        <p:strVal val="visible"/>
+                                      </p:to>
+                                    </p:set>
+                                    <p:anim calcmode="lin" valueType="num">
+                                      <p:cBhvr additive="base">
+                                        <p:cTn id="71" dur="1000" fill="hold"/>
+                                        <p:tgtEl>
+                                          <p:spTgt spid="54"/>
+                                        </p:tgtEl>
+                                        <p:attrNameLst>
+                                          <p:attrName>ppt_x</p:attrName>
+                                        </p:attrNameLst>
+                                      </p:cBhvr>
+                                      <p:tavLst>
+                                        <p:tav tm="0">
+                                          <p:val>
+                                            <p:strVal val="#ppt_x"/>
+                                          </p:val>
+                                        </p:tav>
+                                        <p:tav tm="100000">
+                                          <p:val>
+                                            <p:strVal val="#ppt_x"/>
+                                          </p:val>
+                                        </p:tav>
+                                      </p:tavLst>
+                                    </p:anim>
+                                    <p:anim calcmode="lin" valueType="num">
+                                      <p:cBhvr additive="base">
+                                        <p:cTn id="72" dur="1000" fill="hold"/>
+                                        <p:tgtEl>
+                                          <p:spTgt spid="54"/>
+                                        </p:tgtEl>
+                                        <p:attrNameLst>
+                                          <p:attrName>ppt_y</p:attrName>
+                                        </p:attrNameLst>
+                                      </p:cBhvr>
+                                      <p:tavLst>
+                                        <p:tav tm="0">
+                                          <p:val>
+                                            <p:strVal val="1+#ppt_h/2"/>
+                                          </p:val>
+                                        </p:tav>
+                                        <p:tav tm="100000">
+                                          <p:val>
+                                            <p:strVal val="#ppt_y"/>
+                                          </p:val>
+                                        </p:tav>
+                                      </p:tavLst>
+                                    </p:anim>
+                                  </p:childTnLst>
+                                </p:cTn>
+                              </p:par>
+                            </p:childTnLst>
+                          </p:cTn>
+                        </p:par>
+                        <p:par>
+                          <p:cTn id="73" fill="hold">
+                            <p:stCondLst>
+                              <p:cond delay="7000"/>
+                            </p:stCondLst>
+                            <p:childTnLst>
+                              <p:par>
+                                <p:cTn id="74" presetID="2" presetClass="entr" presetSubtype="4" fill="hold" nodeType="afterEffect">
+                                  <p:stCondLst>
+                                    <p:cond delay="0"/>
+                                  </p:stCondLst>
+                                  <p:childTnLst>
+                                    <p:set>
+                                      <p:cBhvr>
+                                        <p:cTn id="75" dur="1" fill="hold">
+                                          <p:stCondLst>
+                                            <p:cond delay="0"/>
+                                          </p:stCondLst>
+                                        </p:cTn>
+                                        <p:tgtEl>
+                                          <p:spTgt spid="79"/>
+                                        </p:tgtEl>
+                                        <p:attrNameLst>
+                                          <p:attrName>style.visibility</p:attrName>
+                                        </p:attrNameLst>
+                                      </p:cBhvr>
+                                      <p:to>
+                                        <p:strVal val="visible"/>
+                                      </p:to>
+                                    </p:set>
+                                    <p:anim calcmode="lin" valueType="num">
+                                      <p:cBhvr additive="base">
+                                        <p:cTn id="76" dur="1000" fill="hold"/>
+                                        <p:tgtEl>
+                                          <p:spTgt spid="79"/>
+                                        </p:tgtEl>
+                                        <p:attrNameLst>
+                                          <p:attrName>ppt_x</p:attrName>
+                                        </p:attrNameLst>
+                                      </p:cBhvr>
+                                      <p:tavLst>
+                                        <p:tav tm="0">
+                                          <p:val>
+                                            <p:strVal val="#ppt_x"/>
+                                          </p:val>
+                                        </p:tav>
+                                        <p:tav tm="100000">
+                                          <p:val>
+                                            <p:strVal val="#ppt_x"/>
+                                          </p:val>
+                                        </p:tav>
+                                      </p:tavLst>
+                                    </p:anim>
+                                    <p:anim calcmode="lin" valueType="num">
+                                      <p:cBhvr additive="base">
+                                        <p:cTn id="77" dur="1000" fill="hold"/>
+                                        <p:tgtEl>
+                                          <p:spTgt spid="79"/>
+                                        </p:tgtEl>
+                                        <p:attrNameLst>
+                                          <p:attrName>ppt_y</p:attrName>
+                                        </p:attrNameLst>
+                                      </p:cBhvr>
+                                      <p:tavLst>
+                                        <p:tav tm="0">
+                                          <p:val>
+                                            <p:strVal val="1+#ppt_h/2"/>
+                                          </p:val>
+                                        </p:tav>
+                                        <p:tav tm="100000">
+                                          <p:val>
+                                            <p:strVal val="#ppt_y"/>
+                                          </p:val>
+                                        </p:tav>
+                                      </p:tavLst>
+                                    </p:anim>
+                                  </p:childTnLst>
+                                </p:cTn>
+                              </p:par>
+                            </p:childTnLst>
+                          </p:cTn>
+                        </p:par>
+                      </p:childTnLst>
+                    </p:cTn>
+                  </p:par>
+                </p:childTnLst>
+              </p:cTn>
+              <p:prevCondLst>
+                <p:cond evt="onPrev" delay="0">
+                  <p:tgtEl>
+                    <p:sldTgt/>
+                  </p:tgtEl>
+                </p:cond>
+              </p:prevCondLst>
+              <p:nextCondLst>
+                <p:cond evt="onNext" delay="0">
+                  <p:tgtEl>
+                    <p:sldTgt/>
+                  </p:tgtEl>
+                </p:cond>
+              </p:nextCondLst>
+            </p:seq>
+          </p:childTnLst>
+        </p:cTn>
+      </p:par>
+    </p:tnLst>
+    <p:bldLst>
+      <p:bldP spid="8" grpId="0"/>
+      <p:bldP spid="50" grpId="0"/>
+      <p:bldP spid="64" grpId="0"/>
+    </p:bldLst>
+  </p:timing>
+</p:sld>
+</file>
+
+<file path=ppt/slides/slide6.xml><?xml version="1.0" encoding="utf-8"?>
+<p:sld xmlns:a="http://schemas.openxmlformats.org/drawingml/2006/main" xmlns:r="http://schemas.openxmlformats.org/officeDocument/2006/relationships" xmlns:p="http://schemas.openxmlformats.org/presentationml/2006/main">
+  <p:cSld>
+    <p:spTree>
+      <p:nvGrpSpPr>
+        <p:cNvPr id="1" name=""/>
+        <p:cNvGrpSpPr/>
+        <p:nvPr/>
+      </p:nvGrpSpPr>
+      <p:grpSpPr>
+        <a:xfrm>
+          <a:off x="0" y="0"/>
+          <a:ext cx="0" cy="0"/>
+          <a:chOff x="0" y="0"/>
+          <a:chExt cx="0" cy="0"/>
+        </a:xfrm>
+      </p:grpSpPr>
+      <p:pic>
+        <p:nvPicPr>
+          <p:cNvPr id="2" name="Picture 1">
+            <a:extLst>
+              <a:ext uri="{FF2B5EF4-FFF2-40B4-BE49-F238E27FC236}">
+                <a16:creationId xmlns:a16="http://schemas.microsoft.com/office/drawing/2014/main" id="{08C808A1-5272-4940-A1C0-0C21A69C97F6}"/>
+              </a:ext>
+            </a:extLst>
+          </p:cNvPr>
+          <p:cNvPicPr>
+            <a:picLocks noChangeAspect="1"/>
+          </p:cNvPicPr>
+          <p:nvPr/>
+        </p:nvPicPr>
+        <p:blipFill rotWithShape="1">
+          <a:blip r:embed="rId2"/>
+          <a:srcRect l="33133" t="19747" r="27278" b="9536"/>
+          <a:stretch/>
+        </p:blipFill>
+        <p:spPr>
+          <a:xfrm>
+            <a:off x="2970834" y="288846"/>
+            <a:ext cx="6250331" cy="6280308"/>
+          </a:xfrm>
+          <a:prstGeom prst="rect">
+            <a:avLst/>
+          </a:prstGeom>
+        </p:spPr>
+      </p:pic>
+      <p:grpSp>
+        <p:nvGrpSpPr>
+          <p:cNvPr id="6" name="summation equation">
+            <a:extLst>
+              <a:ext uri="{FF2B5EF4-FFF2-40B4-BE49-F238E27FC236}">
+                <a16:creationId xmlns:a16="http://schemas.microsoft.com/office/drawing/2014/main" id="{22347190-B710-4747-AA01-CA6CF08FD564}"/>
+              </a:ext>
+            </a:extLst>
+          </p:cNvPr>
+          <p:cNvGrpSpPr/>
+          <p:nvPr/>
+        </p:nvGrpSpPr>
+        <p:grpSpPr>
+          <a:xfrm>
+            <a:off x="8612033" y="3330225"/>
+            <a:ext cx="2992222" cy="1108239"/>
+            <a:chOff x="5253013" y="4253956"/>
+            <a:chExt cx="2992222" cy="1108239"/>
+          </a:xfrm>
+        </p:grpSpPr>
+        <p:sp>
+          <p:nvSpPr>
+            <p:cNvPr id="8" name="text">
+              <a:extLst>
+                <a:ext uri="{FF2B5EF4-FFF2-40B4-BE49-F238E27FC236}">
+                  <a16:creationId xmlns:a16="http://schemas.microsoft.com/office/drawing/2014/main" id="{A3D8930B-A200-48FC-8151-E05D9025A096}"/>
+                </a:ext>
+              </a:extLst>
+            </p:cNvPr>
+            <p:cNvSpPr txBox="1"/>
+            <p:nvPr/>
+          </p:nvSpPr>
+          <p:spPr>
+            <a:xfrm>
+              <a:off x="6087272" y="4715864"/>
+              <a:ext cx="2157963" cy="646331"/>
+            </a:xfrm>
+            <a:prstGeom prst="rect">
+              <a:avLst/>
+            </a:prstGeom>
+            <a:noFill/>
+          </p:spPr>
+          <p:txBody>
+            <a:bodyPr wrap="none" rtlCol="0">
+              <a:spAutoFit/>
+            </a:bodyPr>
+            <a:lstStyle/>
+            <a:p>
+              <a:r>
+                <a:rPr lang="en-US" sz="3600" dirty="0"/>
+                <a:t>y  = 0.5 * x</a:t>
+              </a:r>
+              <a:endParaRPr lang="en-US" sz="4400" baseline="-25000" dirty="0"/>
+            </a:p>
+          </p:txBody>
+        </p:sp>
+        <p:pic>
+          <p:nvPicPr>
+            <p:cNvPr id="10" name="Graphic 9" descr="Arrow: Counterclockwise curve">
+              <a:extLst>
+                <a:ext uri="{FF2B5EF4-FFF2-40B4-BE49-F238E27FC236}">
+                  <a16:creationId xmlns:a16="http://schemas.microsoft.com/office/drawing/2014/main" id="{8C075E70-84AC-4F04-B1C7-5AF24D096B26}"/>
+                </a:ext>
+              </a:extLst>
+            </p:cNvPr>
+            <p:cNvPicPr>
+              <a:picLocks noChangeAspect="1"/>
+            </p:cNvPicPr>
+            <p:nvPr/>
+          </p:nvPicPr>
+          <p:blipFill>
+            <a:blip r:embed="rId3">
+              <a:extLst>
+                <a:ext uri="{28A0092B-C50C-407E-A947-70E740481C1C}">
+                  <a14:useLocalDpi xmlns:a14="http://schemas.microsoft.com/office/drawing/2010/main" val="0"/>
+                </a:ext>
+                <a:ext uri="{96DAC541-7B7A-43D3-8B79-37D633B846F1}">
+                  <asvg:svgBlip xmlns:asvg="http://schemas.microsoft.com/office/drawing/2016/SVG/main" r:embed="rId4"/>
+                </a:ext>
+              </a:extLst>
+            </a:blip>
+            <a:stretch>
+              <a:fillRect/>
+            </a:stretch>
+          </p:blipFill>
+          <p:spPr>
+            <a:xfrm rot="20725794" flipH="1" flipV="1">
+              <a:off x="5253013" y="4253956"/>
+              <a:ext cx="915155" cy="915155"/>
+            </a:xfrm>
+            <a:prstGeom prst="rect">
+              <a:avLst/>
+            </a:prstGeom>
+          </p:spPr>
+        </p:pic>
+      </p:grpSp>
+      <p:sp>
+        <p:nvSpPr>
+          <p:cNvPr id="37" name="TextBox 36">
+            <a:extLst>
+              <a:ext uri="{FF2B5EF4-FFF2-40B4-BE49-F238E27FC236}">
+                <a16:creationId xmlns:a16="http://schemas.microsoft.com/office/drawing/2014/main" id="{6AAEFA6C-A773-41FD-BECB-3A845AA75EB8}"/>
+              </a:ext>
+            </a:extLst>
+          </p:cNvPr>
+          <p:cNvSpPr txBox="1"/>
+          <p:nvPr/>
+        </p:nvSpPr>
+        <p:spPr>
+          <a:xfrm>
+            <a:off x="5587079" y="295291"/>
+            <a:ext cx="4020524" cy="1384995"/>
+          </a:xfrm>
+          <a:prstGeom prst="rect">
+            <a:avLst/>
+          </a:prstGeom>
+          <a:noFill/>
+        </p:spPr>
+        <p:txBody>
+          <a:bodyPr wrap="none" rtlCol="0">
+            <a:spAutoFit/>
+          </a:bodyPr>
+          <a:lstStyle/>
+          <a:p>
+            <a:r>
+              <a:rPr lang="en-US" sz="2800" dirty="0"/>
+              <a:t>After 1000 training points:</a:t>
+            </a:r>
+          </a:p>
+          <a:p>
+            <a:r>
+              <a:rPr lang="en-US" sz="2800" dirty="0"/>
+              <a:t>w1 = -18.29</a:t>
+            </a:r>
+          </a:p>
+          <a:p>
+            <a:r>
+              <a:rPr lang="en-US" sz="2800" dirty="0"/>
+              <a:t>w2 = +36.82</a:t>
+            </a:r>
+          </a:p>
+        </p:txBody>
+      </p:sp>
+      <p:pic>
+        <p:nvPicPr>
+          <p:cNvPr id="58" name="Picture 57">
+            <a:extLst>
+              <a:ext uri="{FF2B5EF4-FFF2-40B4-BE49-F238E27FC236}">
+                <a16:creationId xmlns:a16="http://schemas.microsoft.com/office/drawing/2014/main" id="{3AA6D532-186C-4192-8AE2-B3CF3616CE40}"/>
+              </a:ext>
+            </a:extLst>
+          </p:cNvPr>
+          <p:cNvPicPr>
+            <a:picLocks noChangeAspect="1"/>
+          </p:cNvPicPr>
+          <p:nvPr/>
+        </p:nvPicPr>
+        <p:blipFill>
+          <a:blip r:embed="rId5"/>
+          <a:stretch>
+            <a:fillRect/>
+          </a:stretch>
+        </p:blipFill>
+        <p:spPr>
+          <a:xfrm>
+            <a:off x="222608" y="488707"/>
+            <a:ext cx="4974544" cy="2368831"/>
+          </a:xfrm>
+          <a:prstGeom prst="rect">
+            <a:avLst/>
+          </a:prstGeom>
+        </p:spPr>
+      </p:pic>
+      <p:sp>
+        <p:nvSpPr>
+          <p:cNvPr id="59" name="TextBox 58">
+            <a:extLst>
+              <a:ext uri="{FF2B5EF4-FFF2-40B4-BE49-F238E27FC236}">
+                <a16:creationId xmlns:a16="http://schemas.microsoft.com/office/drawing/2014/main" id="{948ADA61-06B8-43E4-8CFC-F6E49DF6D52D}"/>
+              </a:ext>
+            </a:extLst>
+          </p:cNvPr>
+          <p:cNvSpPr txBox="1"/>
+          <p:nvPr/>
+        </p:nvSpPr>
+        <p:spPr>
+          <a:xfrm>
+            <a:off x="5587079" y="1733306"/>
+            <a:ext cx="3126177" cy="523220"/>
+          </a:xfrm>
+          <a:prstGeom prst="rect">
+            <a:avLst/>
+          </a:prstGeom>
+          <a:noFill/>
+        </p:spPr>
+        <p:txBody>
+          <a:bodyPr wrap="none" rtlCol="0">
+            <a:spAutoFit/>
+          </a:bodyPr>
+          <a:lstStyle/>
+          <a:p>
+            <a:r>
+              <a:rPr lang="en-US" sz="2800" dirty="0"/>
+              <a:t>-18.29x + 36.82y = 0</a:t>
+            </a:r>
+          </a:p>
+        </p:txBody>
+      </p:sp>
+      <p:sp>
+        <p:nvSpPr>
+          <p:cNvPr id="60" name="TextBox 59">
+            <a:extLst>
+              <a:ext uri="{FF2B5EF4-FFF2-40B4-BE49-F238E27FC236}">
+                <a16:creationId xmlns:a16="http://schemas.microsoft.com/office/drawing/2014/main" id="{ABB913FF-6C7B-45AC-9BDF-03DF36CF1727}"/>
+              </a:ext>
+            </a:extLst>
+          </p:cNvPr>
+          <p:cNvSpPr txBox="1"/>
+          <p:nvPr/>
+        </p:nvSpPr>
+        <p:spPr>
+          <a:xfrm>
+            <a:off x="5581605" y="2315656"/>
+            <a:ext cx="2847254" cy="1384995"/>
+          </a:xfrm>
+          <a:prstGeom prst="rect">
+            <a:avLst/>
+          </a:prstGeom>
+          <a:noFill/>
+        </p:spPr>
+        <p:txBody>
+          <a:bodyPr wrap="none" rtlCol="0">
+            <a:spAutoFit/>
+          </a:bodyPr>
+          <a:lstStyle/>
+          <a:p>
+            <a:r>
+              <a:rPr lang="en-US" sz="2800" dirty="0"/>
+              <a:t>y = (18.29/36.82)x</a:t>
+            </a:r>
+          </a:p>
+          <a:p>
+            <a:r>
+              <a:rPr lang="en-US" sz="2800" dirty="0"/>
+              <a:t>y = 0.4969 * x</a:t>
+            </a:r>
+          </a:p>
+          <a:p>
+            <a:r>
+              <a:rPr lang="en-US" sz="2800" dirty="0"/>
+              <a:t>accuracy 99.9%</a:t>
+            </a:r>
+          </a:p>
+        </p:txBody>
+      </p:sp>
+    </p:spTree>
+    <p:extLst>
+      <p:ext uri="{BB962C8B-B14F-4D97-AF65-F5344CB8AC3E}">
+        <p14:creationId xmlns:p14="http://schemas.microsoft.com/office/powerpoint/2010/main" val="2294919383"/>
+      </p:ext>
+    </p:extLst>
+  </p:cSld>
+  <p:clrMapOvr>
+    <a:masterClrMapping/>
+  </p:clrMapOvr>
+  <p:timing>
+    <p:tnLst>
+      <p:par>
+        <p:cTn id="1" dur="indefinite" restart="never" nodeType="tmRoot">
+          <p:childTnLst>
+            <p:seq concurrent="1" nextAc="seek">
+              <p:cTn id="2" dur="indefinite" nodeType="mainSeq">
+                <p:childTnLst>
+                  <p:par>
+                    <p:cTn id="3" fill="hold">
+                      <p:stCondLst>
+                        <p:cond delay="indefinite"/>
+                      </p:stCondLst>
+                      <p:childTnLst>
+                        <p:par>
+                          <p:cTn id="4" fill="hold">
+                            <p:stCondLst>
+                              <p:cond delay="0"/>
+                            </p:stCondLst>
+                            <p:childTnLst>
+                              <p:par>
+                                <p:cTn id="5" presetID="10" presetClass="entr" presetSubtype="0" fill="hold" nodeType="clickEffect">
+                                  <p:stCondLst>
+                                    <p:cond delay="0"/>
+                                  </p:stCondLst>
+                                  <p:childTnLst>
+                                    <p:set>
+                                      <p:cBhvr>
+                                        <p:cTn id="6" dur="1" fill="hold">
+                                          <p:stCondLst>
+                                            <p:cond delay="0"/>
+                                          </p:stCondLst>
+                                        </p:cTn>
+                                        <p:tgtEl>
+                                          <p:spTgt spid="6"/>
+                                        </p:tgtEl>
+                                        <p:attrNameLst>
+                                          <p:attrName>style.visibility</p:attrName>
+                                        </p:attrNameLst>
+                                      </p:cBhvr>
+                                      <p:to>
+                                        <p:strVal val="visible"/>
+                                      </p:to>
+                                    </p:set>
+                                    <p:animEffect transition="in" filter="fade">
+                                      <p:cBhvr>
+                                        <p:cTn id="7" dur="500"/>
+                                        <p:tgtEl>
+                                          <p:spTgt spid="6"/>
+                                        </p:tgtEl>
+                                      </p:cBhvr>
+                                    </p:animEffect>
+                                  </p:childTnLst>
+                                </p:cTn>
+                              </p:par>
+                            </p:childTnLst>
+                          </p:cTn>
+                        </p:par>
+                      </p:childTnLst>
+                    </p:cTn>
+                  </p:par>
+                </p:childTnLst>
+              </p:cTn>
+              <p:prevCondLst>
+                <p:cond evt="onPrev" delay="0">
+                  <p:tgtEl>
+                    <p:sldTgt/>
+                  </p:tgtEl>
+                </p:cond>
+              </p:prevCondLst>
+              <p:nextCondLst>
+                <p:cond evt="onNext" delay="0">
+                  <p:tgtEl>
+                    <p:sldTgt/>
+                  </p:tgtEl>
+                </p:cond>
+              </p:nextCondLst>
+            </p:seq>
+          </p:childTnLst>
+        </p:cTn>
+      </p:par>
+    </p:tnLst>
+  </p:timing>
+</p:sld>
+</file>
+
+<file path=ppt/slides/slide7.xml><?xml version="1.0" encoding="utf-8"?>
+<p:sld xmlns:a="http://schemas.openxmlformats.org/drawingml/2006/main" xmlns:r="http://schemas.openxmlformats.org/officeDocument/2006/relationships" xmlns:p="http://schemas.openxmlformats.org/presentationml/2006/main">
+  <p:cSld>
+    <p:spTree>
+      <p:nvGrpSpPr>
+        <p:cNvPr id="1" name=""/>
+        <p:cNvGrpSpPr/>
+        <p:nvPr/>
+      </p:nvGrpSpPr>
+      <p:grpSpPr>
+        <a:xfrm>
+          <a:off x="0" y="0"/>
+          <a:ext cx="0" cy="0"/>
+          <a:chOff x="0" y="0"/>
+          <a:chExt cx="0" cy="0"/>
+        </a:xfrm>
+      </p:grpSpPr>
+      <p:pic>
+        <p:nvPicPr>
+          <p:cNvPr id="5" name="Picture 4">
+            <a:extLst>
+              <a:ext uri="{FF2B5EF4-FFF2-40B4-BE49-F238E27FC236}">
+                <a16:creationId xmlns:a16="http://schemas.microsoft.com/office/drawing/2014/main" id="{2BDEFDCA-B7AA-4AF6-BA4C-716C3180FFB6}"/>
+              </a:ext>
+            </a:extLst>
+          </p:cNvPr>
+          <p:cNvPicPr>
+            <a:picLocks noChangeAspect="1"/>
+          </p:cNvPicPr>
+          <p:nvPr/>
+        </p:nvPicPr>
+        <p:blipFill rotWithShape="1">
+          <a:blip r:embed="rId2"/>
+          <a:srcRect l="33061" t="20000" r="27395" b="10068"/>
+          <a:stretch/>
+        </p:blipFill>
+        <p:spPr>
+          <a:xfrm>
+            <a:off x="2991457" y="528942"/>
+            <a:ext cx="5987508" cy="5956153"/>
+          </a:xfrm>
+          <a:prstGeom prst="rect">
+            <a:avLst/>
+          </a:prstGeom>
+        </p:spPr>
+      </p:pic>
+      <p:grpSp>
+        <p:nvGrpSpPr>
+          <p:cNvPr id="6" name="summation equation">
+            <a:extLst>
+              <a:ext uri="{FF2B5EF4-FFF2-40B4-BE49-F238E27FC236}">
+                <a16:creationId xmlns:a16="http://schemas.microsoft.com/office/drawing/2014/main" id="{22347190-B710-4747-AA01-CA6CF08FD564}"/>
+              </a:ext>
+            </a:extLst>
+          </p:cNvPr>
+          <p:cNvGrpSpPr/>
+          <p:nvPr/>
+        </p:nvGrpSpPr>
+        <p:grpSpPr>
+          <a:xfrm>
+            <a:off x="7738769" y="1206984"/>
+            <a:ext cx="4131957" cy="1108239"/>
+            <a:chOff x="5253013" y="4253956"/>
+            <a:chExt cx="4131957" cy="1108239"/>
+          </a:xfrm>
+        </p:grpSpPr>
+        <p:sp>
+          <p:nvSpPr>
+            <p:cNvPr id="8" name="text">
+              <a:extLst>
+                <a:ext uri="{FF2B5EF4-FFF2-40B4-BE49-F238E27FC236}">
+                  <a16:creationId xmlns:a16="http://schemas.microsoft.com/office/drawing/2014/main" id="{A3D8930B-A200-48FC-8151-E05D9025A096}"/>
+                </a:ext>
+              </a:extLst>
+            </p:cNvPr>
+            <p:cNvSpPr txBox="1"/>
+            <p:nvPr/>
+          </p:nvSpPr>
+          <p:spPr>
+            <a:xfrm>
+              <a:off x="6087272" y="4715864"/>
+              <a:ext cx="3297698" cy="646331"/>
+            </a:xfrm>
+            <a:prstGeom prst="rect">
+              <a:avLst/>
+            </a:prstGeom>
+            <a:noFill/>
+          </p:spPr>
+          <p:txBody>
+            <a:bodyPr wrap="none" rtlCol="0">
+              <a:spAutoFit/>
+            </a:bodyPr>
+            <a:lstStyle/>
+            <a:p>
+              <a:r>
+                <a:rPr lang="en-US" sz="3600" dirty="0"/>
+                <a:t>y  = 0.5 * x + 500</a:t>
+              </a:r>
+              <a:endParaRPr lang="en-US" sz="4400" baseline="-25000" dirty="0"/>
+            </a:p>
+          </p:txBody>
+        </p:sp>
+        <p:pic>
+          <p:nvPicPr>
+            <p:cNvPr id="10" name="Graphic 9" descr="Arrow: Counterclockwise curve">
+              <a:extLst>
+                <a:ext uri="{FF2B5EF4-FFF2-40B4-BE49-F238E27FC236}">
+                  <a16:creationId xmlns:a16="http://schemas.microsoft.com/office/drawing/2014/main" id="{8C075E70-84AC-4F04-B1C7-5AF24D096B26}"/>
+                </a:ext>
+              </a:extLst>
+            </p:cNvPr>
+            <p:cNvPicPr>
+              <a:picLocks noChangeAspect="1"/>
+            </p:cNvPicPr>
+            <p:nvPr/>
+          </p:nvPicPr>
+          <p:blipFill>
+            <a:blip r:embed="rId3">
+              <a:extLst>
+                <a:ext uri="{28A0092B-C50C-407E-A947-70E740481C1C}">
+                  <a14:useLocalDpi xmlns:a14="http://schemas.microsoft.com/office/drawing/2010/main" val="0"/>
+                </a:ext>
+                <a:ext uri="{96DAC541-7B7A-43D3-8B79-37D633B846F1}">
+                  <asvg:svgBlip xmlns:asvg="http://schemas.microsoft.com/office/drawing/2016/SVG/main" r:embed="rId4"/>
+                </a:ext>
+              </a:extLst>
+            </a:blip>
+            <a:stretch>
+              <a:fillRect/>
+            </a:stretch>
+          </p:blipFill>
+          <p:spPr>
+            <a:xfrm rot="20725794" flipH="1" flipV="1">
+              <a:off x="5253013" y="4253956"/>
+              <a:ext cx="915155" cy="915155"/>
+            </a:xfrm>
+            <a:prstGeom prst="rect">
+              <a:avLst/>
+            </a:prstGeom>
+          </p:spPr>
+        </p:pic>
+      </p:grpSp>
+      <p:sp>
+        <p:nvSpPr>
+          <p:cNvPr id="3" name="Oval 2">
+            <a:extLst>
+              <a:ext uri="{FF2B5EF4-FFF2-40B4-BE49-F238E27FC236}">
+                <a16:creationId xmlns:a16="http://schemas.microsoft.com/office/drawing/2014/main" id="{4A5C97DD-BB65-41D5-9AE6-0F033C47AC3E}"/>
+              </a:ext>
+            </a:extLst>
+          </p:cNvPr>
+          <p:cNvSpPr/>
+          <p:nvPr/>
+        </p:nvSpPr>
+        <p:spPr>
+          <a:xfrm>
+            <a:off x="5122506" y="4907901"/>
+            <a:ext cx="93306" cy="102637"/>
+          </a:xfrm>
+          <a:prstGeom prst="ellipse">
+            <a:avLst/>
+          </a:prstGeom>
+        </p:spPr>
+        <p:style>
+          <a:lnRef idx="2">
+            <a:schemeClr val="accent1">
+              <a:shade val="50000"/>
+            </a:schemeClr>
+          </a:lnRef>
+          <a:fillRef idx="1">
+            <a:schemeClr val="accent1"/>
+          </a:fillRef>
+          <a:effectRef idx="0">
+            <a:schemeClr val="accent1"/>
+          </a:effectRef>
+          <a:fontRef idx="minor">
+            <a:schemeClr val="lt1"/>
+          </a:fontRef>
+        </p:style>
+        <p:txBody>
+          <a:bodyPr rtlCol="0" anchor="ctr"/>
+          <a:lstStyle/>
+          <a:p>
+            <a:pPr algn="ctr"/>
+            <a:endParaRPr lang="en-US"/>
+          </a:p>
+        </p:txBody>
+      </p:sp>
+      <p:grpSp>
+        <p:nvGrpSpPr>
+          <p:cNvPr id="4" name="Group 3">
+            <a:extLst>
+              <a:ext uri="{FF2B5EF4-FFF2-40B4-BE49-F238E27FC236}">
+                <a16:creationId xmlns:a16="http://schemas.microsoft.com/office/drawing/2014/main" id="{B89DEF7E-07BC-419A-8F4B-CE585CEC267C}"/>
+              </a:ext>
+            </a:extLst>
+          </p:cNvPr>
+          <p:cNvGrpSpPr/>
+          <p:nvPr/>
+        </p:nvGrpSpPr>
+        <p:grpSpPr>
+          <a:xfrm>
+            <a:off x="5062523" y="4101504"/>
+            <a:ext cx="2917326" cy="838674"/>
+            <a:chOff x="5053177" y="1561433"/>
+            <a:chExt cx="2917326" cy="838674"/>
+          </a:xfrm>
+        </p:grpSpPr>
+        <p:pic>
+          <p:nvPicPr>
+            <p:cNvPr id="11" name="Graphic 10" descr="Arrow: Counterclockwise curve">
+              <a:extLst>
+                <a:ext uri="{FF2B5EF4-FFF2-40B4-BE49-F238E27FC236}">
+                  <a16:creationId xmlns:a16="http://schemas.microsoft.com/office/drawing/2014/main" id="{10F1E3E4-1D1F-4E01-91D5-A4446D533DC5}"/>
+                </a:ext>
+              </a:extLst>
+            </p:cNvPr>
+            <p:cNvPicPr>
+              <a:picLocks noChangeAspect="1"/>
+            </p:cNvPicPr>
+            <p:nvPr/>
+          </p:nvPicPr>
+          <p:blipFill>
+            <a:blip r:embed="rId3">
+              <a:extLst>
+                <a:ext uri="{28A0092B-C50C-407E-A947-70E740481C1C}">
+                  <a14:useLocalDpi xmlns:a14="http://schemas.microsoft.com/office/drawing/2010/main" val="0"/>
+                </a:ext>
+                <a:ext uri="{96DAC541-7B7A-43D3-8B79-37D633B846F1}">
+                  <asvg:svgBlip xmlns:asvg="http://schemas.microsoft.com/office/drawing/2016/SVG/main" r:embed="rId4"/>
+                </a:ext>
+              </a:extLst>
+            </a:blip>
+            <a:stretch>
+              <a:fillRect/>
+            </a:stretch>
+          </p:blipFill>
+          <p:spPr>
+            <a:xfrm rot="3698135" flipH="1" flipV="1">
+              <a:off x="5053177" y="1807679"/>
+              <a:ext cx="592428" cy="592428"/>
+            </a:xfrm>
+            <a:prstGeom prst="rect">
+              <a:avLst/>
+            </a:prstGeom>
+          </p:spPr>
+        </p:pic>
+        <p:sp>
+          <p:nvSpPr>
+            <p:cNvPr id="12" name="text">
+              <a:extLst>
+                <a:ext uri="{FF2B5EF4-FFF2-40B4-BE49-F238E27FC236}">
+                  <a16:creationId xmlns:a16="http://schemas.microsoft.com/office/drawing/2014/main" id="{53EFD2F4-03FB-439C-913C-B4E7021BDB0F}"/>
+                </a:ext>
+              </a:extLst>
+            </p:cNvPr>
+            <p:cNvSpPr txBox="1"/>
+            <p:nvPr/>
+          </p:nvSpPr>
+          <p:spPr>
+            <a:xfrm>
+              <a:off x="5493222" y="1561433"/>
+              <a:ext cx="2477281" cy="646331"/>
+            </a:xfrm>
+            <a:prstGeom prst="rect">
+              <a:avLst/>
+            </a:prstGeom>
+            <a:noFill/>
+          </p:spPr>
+          <p:txBody>
+            <a:bodyPr wrap="none" rtlCol="0">
+              <a:spAutoFit/>
+            </a:bodyPr>
+            <a:lstStyle/>
+            <a:p>
+              <a:r>
+                <a:rPr lang="en-US" sz="3600" dirty="0"/>
+                <a:t>point to test</a:t>
+              </a:r>
+              <a:endParaRPr lang="en-US" sz="4400" baseline="-25000" dirty="0"/>
+            </a:p>
+          </p:txBody>
+        </p:sp>
+      </p:grpSp>
+      <p:grpSp>
+        <p:nvGrpSpPr>
+          <p:cNvPr id="13" name="weights">
+            <a:extLst>
+              <a:ext uri="{FF2B5EF4-FFF2-40B4-BE49-F238E27FC236}">
+                <a16:creationId xmlns:a16="http://schemas.microsoft.com/office/drawing/2014/main" id="{6EEADFC7-459F-42B4-AD70-44D4F0CC446F}"/>
+              </a:ext>
+            </a:extLst>
+          </p:cNvPr>
+          <p:cNvGrpSpPr/>
+          <p:nvPr/>
+        </p:nvGrpSpPr>
+        <p:grpSpPr>
+          <a:xfrm>
+            <a:off x="9127772" y="5530988"/>
+            <a:ext cx="2594146" cy="954107"/>
+            <a:chOff x="2577949" y="5900639"/>
+            <a:chExt cx="2594146" cy="954107"/>
+          </a:xfrm>
+        </p:grpSpPr>
+        <p:pic>
+          <p:nvPicPr>
+            <p:cNvPr id="14" name="Graphic 13" descr="Arrow: Counterclockwise curve">
+              <a:extLst>
+                <a:ext uri="{FF2B5EF4-FFF2-40B4-BE49-F238E27FC236}">
+                  <a16:creationId xmlns:a16="http://schemas.microsoft.com/office/drawing/2014/main" id="{28911310-DBC1-4055-88B7-F343CBD729E1}"/>
+                </a:ext>
+              </a:extLst>
+            </p:cNvPr>
+            <p:cNvPicPr>
+              <a:picLocks noChangeAspect="1"/>
+            </p:cNvPicPr>
+            <p:nvPr/>
+          </p:nvPicPr>
+          <p:blipFill>
+            <a:blip r:embed="rId3">
+              <a:extLst>
+                <a:ext uri="{28A0092B-C50C-407E-A947-70E740481C1C}">
+                  <a14:useLocalDpi xmlns:a14="http://schemas.microsoft.com/office/drawing/2010/main" val="0"/>
+                </a:ext>
+                <a:ext uri="{96DAC541-7B7A-43D3-8B79-37D633B846F1}">
+                  <asvg:svgBlip xmlns:asvg="http://schemas.microsoft.com/office/drawing/2016/SVG/main" r:embed="rId4"/>
+                </a:ext>
+              </a:extLst>
+            </a:blip>
+            <a:stretch>
+              <a:fillRect/>
+            </a:stretch>
+          </p:blipFill>
+          <p:spPr>
+            <a:xfrm rot="2655656" flipV="1">
+              <a:off x="2577949" y="6158283"/>
+              <a:ext cx="693165" cy="693165"/>
+            </a:xfrm>
+            <a:prstGeom prst="rect">
+              <a:avLst/>
+            </a:prstGeom>
+          </p:spPr>
+        </p:pic>
+        <p:sp>
+          <p:nvSpPr>
+            <p:cNvPr id="15" name="TextBox 14">
+              <a:extLst>
+                <a:ext uri="{FF2B5EF4-FFF2-40B4-BE49-F238E27FC236}">
+                  <a16:creationId xmlns:a16="http://schemas.microsoft.com/office/drawing/2014/main" id="{2F7EFDB0-1F18-4215-8641-C76E631919B5}"/>
+                </a:ext>
+              </a:extLst>
+            </p:cNvPr>
+            <p:cNvSpPr txBox="1"/>
+            <p:nvPr/>
+          </p:nvSpPr>
+          <p:spPr>
+            <a:xfrm>
+              <a:off x="3151029" y="5900639"/>
+              <a:ext cx="2021066" cy="954107"/>
+            </a:xfrm>
+            <a:prstGeom prst="rect">
+              <a:avLst/>
+            </a:prstGeom>
+            <a:noFill/>
+          </p:spPr>
+          <p:txBody>
+            <a:bodyPr wrap="none" rtlCol="0">
+              <a:spAutoFit/>
+            </a:bodyPr>
+            <a:lstStyle/>
+            <a:p>
+              <a:r>
+                <a:rPr lang="en-US" sz="2800" dirty="0"/>
+                <a:t>1</a:t>
+              </a:r>
+              <a:r>
+                <a:rPr lang="en-US" sz="2800" baseline="30000" dirty="0"/>
+                <a:t>st</a:t>
+              </a:r>
+              <a:r>
+                <a:rPr lang="en-US" sz="2800" dirty="0"/>
+                <a:t> input – </a:t>
+              </a:r>
+            </a:p>
+            <a:p>
+              <a:r>
+                <a:rPr lang="en-US" sz="2800" dirty="0"/>
+                <a:t>x-coordinate</a:t>
+              </a:r>
+            </a:p>
+          </p:txBody>
+        </p:sp>
+      </p:grpSp>
+      <p:grpSp>
+        <p:nvGrpSpPr>
+          <p:cNvPr id="16" name="weights">
+            <a:extLst>
+              <a:ext uri="{FF2B5EF4-FFF2-40B4-BE49-F238E27FC236}">
+                <a16:creationId xmlns:a16="http://schemas.microsoft.com/office/drawing/2014/main" id="{DBAB652C-7001-4450-9D22-C3BDBBCDC023}"/>
+              </a:ext>
+            </a:extLst>
+          </p:cNvPr>
+          <p:cNvGrpSpPr/>
+          <p:nvPr/>
+        </p:nvGrpSpPr>
+        <p:grpSpPr>
+          <a:xfrm>
+            <a:off x="787671" y="1534701"/>
+            <a:ext cx="2203786" cy="1375666"/>
+            <a:chOff x="3151029" y="5900639"/>
+            <a:chExt cx="2203786" cy="1375666"/>
+          </a:xfrm>
+        </p:grpSpPr>
+        <p:pic>
+          <p:nvPicPr>
+            <p:cNvPr id="17" name="Graphic 16" descr="Arrow: Counterclockwise curve">
+              <a:extLst>
+                <a:ext uri="{FF2B5EF4-FFF2-40B4-BE49-F238E27FC236}">
+                  <a16:creationId xmlns:a16="http://schemas.microsoft.com/office/drawing/2014/main" id="{3F209566-E7AF-41D5-ADFE-00B510D86EF1}"/>
+                </a:ext>
+              </a:extLst>
+            </p:cNvPr>
+            <p:cNvPicPr>
+              <a:picLocks noChangeAspect="1"/>
+            </p:cNvPicPr>
+            <p:nvPr/>
+          </p:nvPicPr>
+          <p:blipFill>
+            <a:blip r:embed="rId3">
+              <a:extLst>
+                <a:ext uri="{28A0092B-C50C-407E-A947-70E740481C1C}">
+                  <a14:useLocalDpi xmlns:a14="http://schemas.microsoft.com/office/drawing/2010/main" val="0"/>
+                </a:ext>
+                <a:ext uri="{96DAC541-7B7A-43D3-8B79-37D633B846F1}">
+                  <asvg:svgBlip xmlns:asvg="http://schemas.microsoft.com/office/drawing/2016/SVG/main" r:embed="rId4"/>
+                </a:ext>
+              </a:extLst>
+            </a:blip>
+            <a:stretch>
+              <a:fillRect/>
+            </a:stretch>
+          </p:blipFill>
+          <p:spPr>
+            <a:xfrm rot="7997139">
+              <a:off x="4661650" y="6583140"/>
+              <a:ext cx="693165" cy="693165"/>
+            </a:xfrm>
+            <a:prstGeom prst="rect">
+              <a:avLst/>
+            </a:prstGeom>
+          </p:spPr>
+        </p:pic>
+        <p:sp>
+          <p:nvSpPr>
+            <p:cNvPr id="18" name="TextBox 17">
+              <a:extLst>
+                <a:ext uri="{FF2B5EF4-FFF2-40B4-BE49-F238E27FC236}">
+                  <a16:creationId xmlns:a16="http://schemas.microsoft.com/office/drawing/2014/main" id="{290F0D35-9FB1-4F14-BFD3-3A736C802A58}"/>
+                </a:ext>
+              </a:extLst>
+            </p:cNvPr>
+            <p:cNvSpPr txBox="1"/>
+            <p:nvPr/>
+          </p:nvSpPr>
+          <p:spPr>
+            <a:xfrm>
+              <a:off x="3151029" y="5900639"/>
+              <a:ext cx="2027478" cy="954107"/>
+            </a:xfrm>
+            <a:prstGeom prst="rect">
+              <a:avLst/>
+            </a:prstGeom>
+            <a:noFill/>
+          </p:spPr>
+          <p:txBody>
+            <a:bodyPr wrap="none" rtlCol="0">
+              <a:spAutoFit/>
+            </a:bodyPr>
+            <a:lstStyle/>
+            <a:p>
+              <a:r>
+                <a:rPr lang="en-US" sz="2800" dirty="0"/>
+                <a:t>2</a:t>
+              </a:r>
+              <a:r>
+                <a:rPr lang="en-US" sz="2800" baseline="30000" dirty="0"/>
+                <a:t>nd</a:t>
+              </a:r>
+              <a:r>
+                <a:rPr lang="en-US" sz="2800" dirty="0"/>
+                <a:t> input – </a:t>
+              </a:r>
+            </a:p>
+            <a:p>
+              <a:r>
+                <a:rPr lang="en-US" sz="2800" dirty="0"/>
+                <a:t>y-coordinate</a:t>
+              </a:r>
+            </a:p>
+          </p:txBody>
+        </p:sp>
+      </p:grpSp>
+    </p:spTree>
+    <p:extLst>
+      <p:ext uri="{BB962C8B-B14F-4D97-AF65-F5344CB8AC3E}">
+        <p14:creationId xmlns:p14="http://schemas.microsoft.com/office/powerpoint/2010/main" val="3633285662"/>
+      </p:ext>
+    </p:extLst>
+  </p:cSld>
+  <p:clrMapOvr>
+    <a:masterClrMapping/>
+  </p:clrMapOvr>
+  <p:timing>
+    <p:tnLst>
+      <p:par>
+        <p:cTn id="1" dur="indefinite" restart="never" nodeType="tmRoot">
+          <p:childTnLst>
+            <p:seq concurrent="1" nextAc="seek">
+              <p:cTn id="2" dur="indefinite" nodeType="mainSeq">
+                <p:childTnLst>
+                  <p:par>
+                    <p:cTn id="3" fill="hold">
+                      <p:stCondLst>
+                        <p:cond delay="indefinite"/>
+                      </p:stCondLst>
+                      <p:childTnLst>
+                        <p:par>
+                          <p:cTn id="4" fill="hold">
+                            <p:stCondLst>
+                              <p:cond delay="0"/>
+                            </p:stCondLst>
+                            <p:childTnLst>
+                              <p:par>
+                                <p:cTn id="5" presetID="10" presetClass="entr" presetSubtype="0" fill="hold" nodeType="clickEffect">
+                                  <p:stCondLst>
+                                    <p:cond delay="0"/>
+                                  </p:stCondLst>
+                                  <p:childTnLst>
+                                    <p:set>
+                                      <p:cBhvr>
+                                        <p:cTn id="6" dur="1" fill="hold">
+                                          <p:stCondLst>
+                                            <p:cond delay="0"/>
+                                          </p:stCondLst>
+                                        </p:cTn>
+                                        <p:tgtEl>
+                                          <p:spTgt spid="6"/>
+                                        </p:tgtEl>
+                                        <p:attrNameLst>
+                                          <p:attrName>style.visibility</p:attrName>
+                                        </p:attrNameLst>
+                                      </p:cBhvr>
+                                      <p:to>
+                                        <p:strVal val="visible"/>
+                                      </p:to>
+                                    </p:set>
+                                    <p:animEffect transition="in" filter="fade">
+                                      <p:cBhvr>
+                                        <p:cTn id="7" dur="500"/>
+                                        <p:tgtEl>
+                                          <p:spTgt spid="6"/>
+                                        </p:tgtEl>
+                                      </p:cBhvr>
+                                    </p:animEffect>
+                                  </p:childTnLst>
+                                </p:cTn>
+                              </p:par>
+                            </p:childTnLst>
+                          </p:cTn>
+                        </p:par>
+                        <p:par>
+                          <p:cTn id="8" fill="hold">
+                            <p:stCondLst>
+                              <p:cond delay="500"/>
+                            </p:stCondLst>
+                            <p:childTnLst>
+                              <p:par>
+                                <p:cTn id="9" presetID="2" presetClass="entr" presetSubtype="4" fill="hold" nodeType="afterEffect">
+                                  <p:stCondLst>
+                                    <p:cond delay="0"/>
+                                  </p:stCondLst>
+                                  <p:childTnLst>
+                                    <p:set>
+                                      <p:cBhvr>
+                                        <p:cTn id="10" dur="1" fill="hold">
+                                          <p:stCondLst>
+                                            <p:cond delay="0"/>
+                                          </p:stCondLst>
+                                        </p:cTn>
+                                        <p:tgtEl>
+                                          <p:spTgt spid="13"/>
+                                        </p:tgtEl>
+                                        <p:attrNameLst>
+                                          <p:attrName>style.visibility</p:attrName>
+                                        </p:attrNameLst>
+                                      </p:cBhvr>
+                                      <p:to>
+                                        <p:strVal val="visible"/>
+                                      </p:to>
+                                    </p:set>
+                                    <p:anim calcmode="lin" valueType="num">
+                                      <p:cBhvr additive="base">
+                                        <p:cTn id="11" dur="1000" fill="hold"/>
+                                        <p:tgtEl>
+                                          <p:spTgt spid="13"/>
+                                        </p:tgtEl>
+                                        <p:attrNameLst>
+                                          <p:attrName>ppt_x</p:attrName>
+                                        </p:attrNameLst>
+                                      </p:cBhvr>
+                                      <p:tavLst>
+                                        <p:tav tm="0">
+                                          <p:val>
+                                            <p:strVal val="#ppt_x"/>
+                                          </p:val>
+                                        </p:tav>
+                                        <p:tav tm="100000">
+                                          <p:val>
+                                            <p:strVal val="#ppt_x"/>
+                                          </p:val>
+                                        </p:tav>
+                                      </p:tavLst>
+                                    </p:anim>
+                                    <p:anim calcmode="lin" valueType="num">
+                                      <p:cBhvr additive="base">
+                                        <p:cTn id="12" dur="1000" fill="hold"/>
+                                        <p:tgtEl>
+                                          <p:spTgt spid="13"/>
+                                        </p:tgtEl>
+                                        <p:attrNameLst>
+                                          <p:attrName>ppt_y</p:attrName>
+                                        </p:attrNameLst>
+                                      </p:cBhvr>
+                                      <p:tavLst>
+                                        <p:tav tm="0">
+                                          <p:val>
+                                            <p:strVal val="1+#ppt_h/2"/>
+                                          </p:val>
+                                        </p:tav>
+                                        <p:tav tm="100000">
+                                          <p:val>
+                                            <p:strVal val="#ppt_y"/>
+                                          </p:val>
+                                        </p:tav>
+                                      </p:tavLst>
+                                    </p:anim>
+                                  </p:childTnLst>
+                                </p:cTn>
+                              </p:par>
+                            </p:childTnLst>
+                          </p:cTn>
+                        </p:par>
+                        <p:par>
+                          <p:cTn id="13" fill="hold">
+                            <p:stCondLst>
+                              <p:cond delay="1500"/>
+                            </p:stCondLst>
+                            <p:childTnLst>
+                              <p:par>
+                                <p:cTn id="14" presetID="2" presetClass="entr" presetSubtype="4" fill="hold" nodeType="afterEffect">
+                                  <p:stCondLst>
+                                    <p:cond delay="0"/>
+                                  </p:stCondLst>
+                                  <p:childTnLst>
+                                    <p:set>
+                                      <p:cBhvr>
+                                        <p:cTn id="15" dur="1" fill="hold">
+                                          <p:stCondLst>
+                                            <p:cond delay="0"/>
+                                          </p:stCondLst>
+                                        </p:cTn>
+                                        <p:tgtEl>
+                                          <p:spTgt spid="16"/>
+                                        </p:tgtEl>
+                                        <p:attrNameLst>
+                                          <p:attrName>style.visibility</p:attrName>
+                                        </p:attrNameLst>
+                                      </p:cBhvr>
+                                      <p:to>
+                                        <p:strVal val="visible"/>
+                                      </p:to>
+                                    </p:set>
+                                    <p:anim calcmode="lin" valueType="num">
+                                      <p:cBhvr additive="base">
+                                        <p:cTn id="16" dur="1000" fill="hold"/>
+                                        <p:tgtEl>
+                                          <p:spTgt spid="16"/>
+                                        </p:tgtEl>
+                                        <p:attrNameLst>
+                                          <p:attrName>ppt_x</p:attrName>
+                                        </p:attrNameLst>
+                                      </p:cBhvr>
+                                      <p:tavLst>
+                                        <p:tav tm="0">
+                                          <p:val>
+                                            <p:strVal val="#ppt_x"/>
+                                          </p:val>
+                                        </p:tav>
+                                        <p:tav tm="100000">
+                                          <p:val>
+                                            <p:strVal val="#ppt_x"/>
+                                          </p:val>
+                                        </p:tav>
+                                      </p:tavLst>
+                                    </p:anim>
+                                    <p:anim calcmode="lin" valueType="num">
+                                      <p:cBhvr additive="base">
+                                        <p:cTn id="17" dur="1000" fill="hold"/>
+                                        <p:tgtEl>
+                                          <p:spTgt spid="16"/>
+                                        </p:tgtEl>
+                                        <p:attrNameLst>
+                                          <p:attrName>ppt_y</p:attrName>
+                                        </p:attrNameLst>
+                                      </p:cBhvr>
+                                      <p:tavLst>
+                                        <p:tav tm="0">
+                                          <p:val>
+                                            <p:strVal val="1+#ppt_h/2"/>
+                                          </p:val>
+                                        </p:tav>
+                                        <p:tav tm="100000">
+                                          <p:val>
+                                            <p:strVal val="#ppt_y"/>
+                                          </p:val>
+                                        </p:tav>
+                                      </p:tavLst>
+                                    </p:anim>
+                                  </p:childTnLst>
+                                </p:cTn>
+                              </p:par>
+                            </p:childTnLst>
+                          </p:cTn>
+                        </p:par>
+                      </p:childTnLst>
+                    </p:cTn>
+                  </p:par>
+                </p:childTnLst>
+              </p:cTn>
+              <p:prevCondLst>
+                <p:cond evt="onPrev" delay="0">
+                  <p:tgtEl>
+                    <p:sldTgt/>
+                  </p:tgtEl>
+                </p:cond>
+              </p:prevCondLst>
+              <p:nextCondLst>
+                <p:cond evt="onNext" delay="0">
+                  <p:tgtEl>
+                    <p:sldTgt/>
+                  </p:tgtEl>
+                </p:cond>
+              </p:nextCondLst>
+            </p:seq>
+          </p:childTnLst>
+        </p:cTn>
+      </p:par>
+    </p:tnLst>
+  </p:timing>
+</p:sld>
+</file>
+
+<file path=ppt/slides/slide8.xml><?xml version="1.0" encoding="utf-8"?>
+<p:sld xmlns:a="http://schemas.openxmlformats.org/drawingml/2006/main" xmlns:r="http://schemas.openxmlformats.org/officeDocument/2006/relationships" xmlns:p="http://schemas.openxmlformats.org/presentationml/2006/main">
+  <p:cSld>
+    <p:spTree>
+      <p:nvGrpSpPr>
+        <p:cNvPr id="1" name=""/>
+        <p:cNvGrpSpPr/>
+        <p:nvPr/>
+      </p:nvGrpSpPr>
+      <p:grpSpPr>
+        <a:xfrm>
+          <a:off x="0" y="0"/>
+          <a:ext cx="0" cy="0"/>
+          <a:chOff x="0" y="0"/>
+          <a:chExt cx="0" cy="0"/>
+        </a:xfrm>
+      </p:grpSpPr>
+      <p:sp>
+        <p:nvSpPr>
+          <p:cNvPr id="2" name="Oval 1">
+            <a:extLst>
+              <a:ext uri="{FF2B5EF4-FFF2-40B4-BE49-F238E27FC236}">
+                <a16:creationId xmlns:a16="http://schemas.microsoft.com/office/drawing/2014/main" id="{A607762E-A8CB-4AD3-BD3D-9E6988B08604}"/>
+              </a:ext>
+            </a:extLst>
+          </p:cNvPr>
+          <p:cNvSpPr/>
+          <p:nvPr/>
+        </p:nvSpPr>
+        <p:spPr>
+          <a:xfrm>
+            <a:off x="4099249" y="2272004"/>
+            <a:ext cx="3993502" cy="2313992"/>
+          </a:xfrm>
+          <a:prstGeom prst="ellipse">
+            <a:avLst/>
+          </a:prstGeom>
+          <a:solidFill>
+            <a:schemeClr val="accent1">
+              <a:lumMod val="40000"/>
+              <a:lumOff val="60000"/>
+            </a:schemeClr>
+          </a:solidFill>
+          <a:ln w="57150"/>
+        </p:spPr>
+        <p:style>
+          <a:lnRef idx="2">
+            <a:schemeClr val="accent1">
+              <a:shade val="50000"/>
+            </a:schemeClr>
+          </a:lnRef>
+          <a:fillRef idx="1">
+            <a:schemeClr val="accent1"/>
+          </a:fillRef>
+          <a:effectRef idx="0">
+            <a:schemeClr val="accent1"/>
+          </a:effectRef>
+          <a:fontRef idx="minor">
+            <a:schemeClr val="lt1"/>
+          </a:fontRef>
+        </p:style>
+        <p:txBody>
+          <a:bodyPr rtlCol="0" anchor="ctr"/>
+          <a:lstStyle/>
+          <a:p>
+            <a:pPr algn="ctr"/>
+            <a:endParaRPr lang="en-US" dirty="0"/>
+          </a:p>
+        </p:txBody>
+      </p:sp>
+      <p:cxnSp>
+        <p:nvCxnSpPr>
+          <p:cNvPr id="4" name="Straight Arrow Connector 3">
+            <a:extLst>
+              <a:ext uri="{FF2B5EF4-FFF2-40B4-BE49-F238E27FC236}">
+                <a16:creationId xmlns:a16="http://schemas.microsoft.com/office/drawing/2014/main" id="{F1D393E5-C876-4FE1-94B7-2DEEC9B5F388}"/>
+              </a:ext>
+            </a:extLst>
+          </p:cNvPr>
+          <p:cNvCxnSpPr>
+            <a:stCxn id="2" idx="6"/>
+          </p:cNvCxnSpPr>
+          <p:nvPr/>
+        </p:nvCxnSpPr>
+        <p:spPr>
+          <a:xfrm>
+            <a:off x="8092751" y="3429000"/>
+            <a:ext cx="1844351" cy="0"/>
+          </a:xfrm>
+          <a:prstGeom prst="straightConnector1">
+            <a:avLst/>
+          </a:prstGeom>
+          <a:ln w="57150">
+            <a:solidFill>
+              <a:schemeClr val="accent1">
+                <a:lumMod val="75000"/>
+              </a:schemeClr>
+            </a:solidFill>
+            <a:tailEnd type="triangle"/>
+          </a:ln>
+        </p:spPr>
+        <p:style>
+          <a:lnRef idx="1">
+            <a:schemeClr val="accent1"/>
+          </a:lnRef>
+          <a:fillRef idx="0">
+            <a:schemeClr val="accent1"/>
+          </a:fillRef>
+          <a:effectRef idx="0">
+            <a:schemeClr val="accent1"/>
+          </a:effectRef>
+          <a:fontRef idx="minor">
+            <a:schemeClr val="tx1"/>
+          </a:fontRef>
+        </p:style>
+      </p:cxnSp>
+      <p:cxnSp>
+        <p:nvCxnSpPr>
+          <p:cNvPr id="6" name="node divider">
+            <a:extLst>
+              <a:ext uri="{FF2B5EF4-FFF2-40B4-BE49-F238E27FC236}">
+                <a16:creationId xmlns:a16="http://schemas.microsoft.com/office/drawing/2014/main" id="{23D96383-F792-49B6-AB29-BD05DD23B80F}"/>
+              </a:ext>
+            </a:extLst>
+          </p:cNvPr>
+          <p:cNvCxnSpPr>
+            <a:stCxn id="2" idx="0"/>
+            <a:endCxn id="2" idx="4"/>
+          </p:cNvCxnSpPr>
+          <p:nvPr/>
+        </p:nvCxnSpPr>
+        <p:spPr>
+          <a:xfrm>
+            <a:off x="6096000" y="2272004"/>
+            <a:ext cx="0" cy="2313992"/>
+          </a:xfrm>
+          <a:prstGeom prst="line">
+            <a:avLst/>
+          </a:prstGeom>
+          <a:ln w="57150">
+            <a:solidFill>
+              <a:schemeClr val="accent1">
+                <a:lumMod val="75000"/>
+              </a:schemeClr>
+            </a:solidFill>
+          </a:ln>
+        </p:spPr>
+        <p:style>
+          <a:lnRef idx="1">
+            <a:schemeClr val="accent1"/>
+          </a:lnRef>
+          <a:fillRef idx="0">
+            <a:schemeClr val="accent1"/>
+          </a:fillRef>
+          <a:effectRef idx="0">
+            <a:schemeClr val="accent1"/>
+          </a:effectRef>
+          <a:fontRef idx="minor">
+            <a:schemeClr val="tx1"/>
+          </a:fontRef>
+        </p:style>
+      </p:cxnSp>
+      <p:sp>
+        <p:nvSpPr>
+          <p:cNvPr id="8" name="summation symbol">
+            <a:extLst>
+              <a:ext uri="{FF2B5EF4-FFF2-40B4-BE49-F238E27FC236}">
+                <a16:creationId xmlns:a16="http://schemas.microsoft.com/office/drawing/2014/main" id="{478EF2D6-AEA9-4AA8-B482-B2E7E2929599}"/>
+              </a:ext>
+            </a:extLst>
+          </p:cNvPr>
+          <p:cNvSpPr txBox="1"/>
+          <p:nvPr/>
+        </p:nvSpPr>
+        <p:spPr>
+          <a:xfrm>
+            <a:off x="4770452" y="2767280"/>
+            <a:ext cx="654346" cy="1323439"/>
+          </a:xfrm>
+          <a:prstGeom prst="rect">
+            <a:avLst/>
+          </a:prstGeom>
+          <a:noFill/>
+        </p:spPr>
+        <p:txBody>
+          <a:bodyPr wrap="none" rtlCol="0">
+            <a:spAutoFit/>
+          </a:bodyPr>
+          <a:lstStyle/>
+          <a:p>
+            <a:r>
+              <a:rPr lang="el-GR" sz="8000" dirty="0"/>
+              <a:t>Σ</a:t>
+            </a:r>
+            <a:endParaRPr lang="en-US" sz="8000" dirty="0"/>
+          </a:p>
+        </p:txBody>
+      </p:sp>
+      <p:cxnSp>
+        <p:nvCxnSpPr>
+          <p:cNvPr id="13" name="Straight Arrow Connector 12">
+            <a:extLst>
+              <a:ext uri="{FF2B5EF4-FFF2-40B4-BE49-F238E27FC236}">
+                <a16:creationId xmlns:a16="http://schemas.microsoft.com/office/drawing/2014/main" id="{A799E481-9039-4A80-840D-5213D168ED21}"/>
+              </a:ext>
+            </a:extLst>
+          </p:cNvPr>
+          <p:cNvCxnSpPr>
+            <a:cxnSpLocks/>
+          </p:cNvCxnSpPr>
+          <p:nvPr/>
+        </p:nvCxnSpPr>
+        <p:spPr>
+          <a:xfrm flipV="1">
+            <a:off x="2284521" y="4069885"/>
+            <a:ext cx="2113100" cy="1231086"/>
+          </a:xfrm>
+          <a:prstGeom prst="straightConnector1">
+            <a:avLst/>
+          </a:prstGeom>
+          <a:ln w="57150">
+            <a:solidFill>
+              <a:schemeClr val="accent1">
+                <a:lumMod val="75000"/>
+              </a:schemeClr>
+            </a:solidFill>
+            <a:tailEnd type="triangle"/>
+          </a:ln>
+        </p:spPr>
+        <p:style>
+          <a:lnRef idx="1">
+            <a:schemeClr val="accent1"/>
+          </a:lnRef>
+          <a:fillRef idx="0">
+            <a:schemeClr val="accent1"/>
+          </a:fillRef>
+          <a:effectRef idx="0">
+            <a:schemeClr val="accent1"/>
+          </a:effectRef>
+          <a:fontRef idx="minor">
+            <a:schemeClr val="tx1"/>
+          </a:fontRef>
+        </p:style>
+      </p:cxnSp>
+      <p:cxnSp>
+        <p:nvCxnSpPr>
+          <p:cNvPr id="16" name="step symbol">
+            <a:extLst>
+              <a:ext uri="{FF2B5EF4-FFF2-40B4-BE49-F238E27FC236}">
+                <a16:creationId xmlns:a16="http://schemas.microsoft.com/office/drawing/2014/main" id="{303E8858-DFDE-485B-820F-B7FB90E46CE2}"/>
+              </a:ext>
+            </a:extLst>
+          </p:cNvPr>
+          <p:cNvCxnSpPr>
+            <a:cxnSpLocks/>
+          </p:cNvCxnSpPr>
+          <p:nvPr/>
+        </p:nvCxnSpPr>
+        <p:spPr>
+          <a:xfrm flipV="1">
+            <a:off x="6578081" y="3144416"/>
+            <a:ext cx="746449" cy="569166"/>
+          </a:xfrm>
+          <a:prstGeom prst="bentConnector3">
+            <a:avLst/>
+          </a:prstGeom>
+          <a:ln w="76200">
+            <a:solidFill>
+              <a:schemeClr val="tx1"/>
+            </a:solidFill>
+          </a:ln>
+        </p:spPr>
+        <p:style>
+          <a:lnRef idx="1">
+            <a:schemeClr val="accent1"/>
+          </a:lnRef>
+          <a:fillRef idx="0">
+            <a:schemeClr val="accent1"/>
+          </a:fillRef>
+          <a:effectRef idx="0">
+            <a:schemeClr val="accent1"/>
+          </a:effectRef>
+          <a:fontRef idx="minor">
+            <a:schemeClr val="tx1"/>
+          </a:fontRef>
+        </p:style>
+      </p:cxnSp>
+      <p:cxnSp>
+        <p:nvCxnSpPr>
+          <p:cNvPr id="22" name="Straight Arrow Connector 21">
+            <a:extLst>
+              <a:ext uri="{FF2B5EF4-FFF2-40B4-BE49-F238E27FC236}">
+                <a16:creationId xmlns:a16="http://schemas.microsoft.com/office/drawing/2014/main" id="{37F09429-0594-42B4-82A5-B24609C66315}"/>
+              </a:ext>
+            </a:extLst>
+          </p:cNvPr>
+          <p:cNvCxnSpPr>
+            <a:cxnSpLocks/>
+          </p:cNvCxnSpPr>
+          <p:nvPr/>
+        </p:nvCxnSpPr>
+        <p:spPr>
+          <a:xfrm>
+            <a:off x="2284521" y="1800808"/>
+            <a:ext cx="2190912" cy="954432"/>
+          </a:xfrm>
+          <a:prstGeom prst="straightConnector1">
+            <a:avLst/>
+          </a:prstGeom>
+          <a:ln w="57150">
+            <a:solidFill>
+              <a:schemeClr val="accent1">
+                <a:lumMod val="75000"/>
+              </a:schemeClr>
+            </a:solidFill>
+            <a:tailEnd type="triangle"/>
+          </a:ln>
+        </p:spPr>
+        <p:style>
+          <a:lnRef idx="1">
+            <a:schemeClr val="accent1"/>
+          </a:lnRef>
+          <a:fillRef idx="0">
+            <a:schemeClr val="accent1"/>
+          </a:fillRef>
+          <a:effectRef idx="0">
+            <a:schemeClr val="accent1"/>
+          </a:effectRef>
+          <a:fontRef idx="minor">
+            <a:schemeClr val="tx1"/>
+          </a:fontRef>
+        </p:style>
+      </p:cxnSp>
+      <p:grpSp>
+        <p:nvGrpSpPr>
+          <p:cNvPr id="5" name="input variables">
+            <a:extLst>
+              <a:ext uri="{FF2B5EF4-FFF2-40B4-BE49-F238E27FC236}">
+                <a16:creationId xmlns:a16="http://schemas.microsoft.com/office/drawing/2014/main" id="{E65095B9-356F-4B29-A89B-3B3803BA9C83}"/>
+              </a:ext>
+            </a:extLst>
+          </p:cNvPr>
+          <p:cNvGrpSpPr/>
+          <p:nvPr/>
+        </p:nvGrpSpPr>
+        <p:grpSpPr>
+          <a:xfrm>
+            <a:off x="1543757" y="1308237"/>
+            <a:ext cx="669410" cy="4241527"/>
+            <a:chOff x="1543757" y="1308237"/>
+            <a:chExt cx="669410" cy="4241527"/>
+          </a:xfrm>
+        </p:grpSpPr>
+        <p:sp>
+          <p:nvSpPr>
+            <p:cNvPr id="45" name="TextBox 44">
+              <a:extLst>
+                <a:ext uri="{FF2B5EF4-FFF2-40B4-BE49-F238E27FC236}">
+                  <a16:creationId xmlns:a16="http://schemas.microsoft.com/office/drawing/2014/main" id="{6E36D63E-70F6-45CC-A576-53B51BC624EF}"/>
+                </a:ext>
+              </a:extLst>
+            </p:cNvPr>
+            <p:cNvSpPr txBox="1"/>
+            <p:nvPr/>
+          </p:nvSpPr>
+          <p:spPr>
+            <a:xfrm>
+              <a:off x="1543757" y="1308237"/>
+              <a:ext cx="659155" cy="830997"/>
+            </a:xfrm>
+            <a:prstGeom prst="rect">
+              <a:avLst/>
+            </a:prstGeom>
+            <a:noFill/>
+          </p:spPr>
+          <p:txBody>
+            <a:bodyPr wrap="none" rtlCol="0">
+              <a:spAutoFit/>
+            </a:bodyPr>
+            <a:lstStyle/>
+            <a:p>
+              <a:r>
+                <a:rPr lang="en-US" sz="4800" dirty="0"/>
+                <a:t>x</a:t>
+              </a:r>
+              <a:r>
+                <a:rPr lang="en-US" sz="4800" baseline="-25000" dirty="0"/>
+                <a:t>1</a:t>
+              </a:r>
+            </a:p>
+          </p:txBody>
+        </p:sp>
+        <p:sp>
+          <p:nvSpPr>
+            <p:cNvPr id="48" name="TextBox 47">
+              <a:extLst>
+                <a:ext uri="{FF2B5EF4-FFF2-40B4-BE49-F238E27FC236}">
+                  <a16:creationId xmlns:a16="http://schemas.microsoft.com/office/drawing/2014/main" id="{6447DE84-A0D6-4277-9FBD-066EA01108D3}"/>
+                </a:ext>
+              </a:extLst>
+            </p:cNvPr>
+            <p:cNvSpPr txBox="1"/>
+            <p:nvPr/>
+          </p:nvSpPr>
+          <p:spPr>
+            <a:xfrm>
+              <a:off x="1554012" y="4718767"/>
+              <a:ext cx="659155" cy="830997"/>
+            </a:xfrm>
+            <a:prstGeom prst="rect">
+              <a:avLst/>
+            </a:prstGeom>
+            <a:noFill/>
+          </p:spPr>
+          <p:txBody>
+            <a:bodyPr wrap="none" rtlCol="0">
+              <a:spAutoFit/>
+            </a:bodyPr>
+            <a:lstStyle/>
+            <a:p>
+              <a:r>
+                <a:rPr lang="en-US" sz="4800" dirty="0"/>
+                <a:t>x</a:t>
+              </a:r>
+              <a:r>
+                <a:rPr lang="en-US" sz="4800" baseline="-25000" dirty="0"/>
+                <a:t>3</a:t>
+              </a:r>
+            </a:p>
+          </p:txBody>
+        </p:sp>
+      </p:grpSp>
+      <p:sp>
+        <p:nvSpPr>
+          <p:cNvPr id="50" name="output variable">
+            <a:extLst>
+              <a:ext uri="{FF2B5EF4-FFF2-40B4-BE49-F238E27FC236}">
+                <a16:creationId xmlns:a16="http://schemas.microsoft.com/office/drawing/2014/main" id="{BAA6C886-3C19-4C62-BEC5-A79A5B838B80}"/>
+              </a:ext>
+            </a:extLst>
+          </p:cNvPr>
+          <p:cNvSpPr txBox="1"/>
+          <p:nvPr/>
+        </p:nvSpPr>
+        <p:spPr>
+          <a:xfrm>
+            <a:off x="9994198" y="2879461"/>
+            <a:ext cx="463588" cy="830997"/>
+          </a:xfrm>
+          <a:prstGeom prst="rect">
+            <a:avLst/>
+          </a:prstGeom>
+          <a:noFill/>
+        </p:spPr>
+        <p:txBody>
+          <a:bodyPr wrap="none" rtlCol="0">
+            <a:spAutoFit/>
+          </a:bodyPr>
+          <a:lstStyle/>
+          <a:p>
+            <a:r>
+              <a:rPr lang="en-US" sz="4800" dirty="0"/>
+              <a:t>y</a:t>
+            </a:r>
+            <a:endParaRPr lang="en-US" sz="4800" baseline="-25000" dirty="0"/>
+          </a:p>
+        </p:txBody>
+      </p:sp>
+      <p:grpSp>
+        <p:nvGrpSpPr>
+          <p:cNvPr id="7" name="inputs">
+            <a:extLst>
+              <a:ext uri="{FF2B5EF4-FFF2-40B4-BE49-F238E27FC236}">
+                <a16:creationId xmlns:a16="http://schemas.microsoft.com/office/drawing/2014/main" id="{7CC8B52A-2DE5-4604-ADEF-D5AA83E7B746}"/>
+              </a:ext>
+            </a:extLst>
+          </p:cNvPr>
+          <p:cNvGrpSpPr/>
+          <p:nvPr/>
+        </p:nvGrpSpPr>
+        <p:grpSpPr>
+          <a:xfrm>
+            <a:off x="282081" y="1400783"/>
+            <a:ext cx="1277187" cy="4148980"/>
+            <a:chOff x="282081" y="512333"/>
+            <a:chExt cx="1277187" cy="5833334"/>
+          </a:xfrm>
+        </p:grpSpPr>
+        <p:sp>
+          <p:nvSpPr>
+            <p:cNvPr id="62" name="Left Brace 61">
+              <a:extLst>
+                <a:ext uri="{FF2B5EF4-FFF2-40B4-BE49-F238E27FC236}">
+                  <a16:creationId xmlns:a16="http://schemas.microsoft.com/office/drawing/2014/main" id="{7DA8FF88-BCFB-401D-B66A-6B0400BC9D1F}"/>
+                </a:ext>
+              </a:extLst>
+            </p:cNvPr>
+            <p:cNvSpPr/>
+            <p:nvPr/>
+          </p:nvSpPr>
+          <p:spPr>
+            <a:xfrm>
+              <a:off x="1070632" y="512333"/>
+              <a:ext cx="488636" cy="5833334"/>
+            </a:xfrm>
+            <a:prstGeom prst="leftBrace">
+              <a:avLst>
+                <a:gd name="adj1" fmla="val 132452"/>
+                <a:gd name="adj2" fmla="val 50000"/>
+              </a:avLst>
+            </a:prstGeom>
+            <a:ln w="38100">
+              <a:solidFill>
+                <a:schemeClr val="tx2">
+                  <a:lumMod val="75000"/>
+                </a:schemeClr>
+              </a:solidFill>
+            </a:ln>
+          </p:spPr>
+          <p:style>
+            <a:lnRef idx="1">
+              <a:schemeClr val="accent1"/>
+            </a:lnRef>
+            <a:fillRef idx="0">
+              <a:schemeClr val="accent1"/>
+            </a:fillRef>
+            <a:effectRef idx="0">
+              <a:schemeClr val="accent1"/>
+            </a:effectRef>
+            <a:fontRef idx="minor">
+              <a:schemeClr val="tx1"/>
+            </a:fontRef>
+          </p:style>
+          <p:txBody>
+            <a:bodyPr rtlCol="0" anchor="ctr"/>
+            <a:lstStyle/>
+            <a:p>
+              <a:pPr algn="ctr"/>
+              <a:endParaRPr lang="en-US"/>
+            </a:p>
+          </p:txBody>
+        </p:sp>
+        <p:sp>
+          <p:nvSpPr>
+            <p:cNvPr id="63" name="TextBox 62">
+              <a:extLst>
+                <a:ext uri="{FF2B5EF4-FFF2-40B4-BE49-F238E27FC236}">
+                  <a16:creationId xmlns:a16="http://schemas.microsoft.com/office/drawing/2014/main" id="{5C43ED60-25EC-4F5D-8259-147654C51445}"/>
+                </a:ext>
+              </a:extLst>
+            </p:cNvPr>
+            <p:cNvSpPr txBox="1"/>
+            <p:nvPr/>
+          </p:nvSpPr>
+          <p:spPr>
+            <a:xfrm rot="16200000">
+              <a:off x="-344943" y="3228928"/>
+              <a:ext cx="1900380" cy="646331"/>
+            </a:xfrm>
+            <a:prstGeom prst="rect">
+              <a:avLst/>
+            </a:prstGeom>
+            <a:noFill/>
+          </p:spPr>
+          <p:txBody>
+            <a:bodyPr wrap="none" rtlCol="0">
+              <a:spAutoFit/>
+            </a:bodyPr>
+            <a:lstStyle/>
+            <a:p>
+              <a:r>
+                <a:rPr lang="en-US" sz="3600" dirty="0"/>
+                <a:t>inputs</a:t>
+              </a:r>
+            </a:p>
+          </p:txBody>
+        </p:sp>
+      </p:grpSp>
+      <p:sp>
+        <p:nvSpPr>
+          <p:cNvPr id="64" name="output">
+            <a:extLst>
+              <a:ext uri="{FF2B5EF4-FFF2-40B4-BE49-F238E27FC236}">
+                <a16:creationId xmlns:a16="http://schemas.microsoft.com/office/drawing/2014/main" id="{C121EDEF-86CC-485B-B3EA-D07B64FCE677}"/>
+              </a:ext>
+            </a:extLst>
+          </p:cNvPr>
+          <p:cNvSpPr txBox="1"/>
+          <p:nvPr/>
+        </p:nvSpPr>
+        <p:spPr>
+          <a:xfrm>
+            <a:off x="9494862" y="2563831"/>
+            <a:ext cx="1462260" cy="646331"/>
+          </a:xfrm>
+          <a:prstGeom prst="rect">
+            <a:avLst/>
+          </a:prstGeom>
+          <a:noFill/>
+        </p:spPr>
+        <p:txBody>
+          <a:bodyPr wrap="none" rtlCol="0">
+            <a:spAutoFit/>
+          </a:bodyPr>
+          <a:lstStyle/>
+          <a:p>
+            <a:r>
+              <a:rPr lang="en-US" sz="3600" dirty="0"/>
+              <a:t>output</a:t>
+            </a:r>
+          </a:p>
+        </p:txBody>
+      </p:sp>
+      <p:grpSp>
+        <p:nvGrpSpPr>
+          <p:cNvPr id="57" name="weights">
+            <a:extLst>
+              <a:ext uri="{FF2B5EF4-FFF2-40B4-BE49-F238E27FC236}">
+                <a16:creationId xmlns:a16="http://schemas.microsoft.com/office/drawing/2014/main" id="{50FB0871-4966-4FCB-9A67-BBED46E1BACD}"/>
+              </a:ext>
+            </a:extLst>
+          </p:cNvPr>
+          <p:cNvGrpSpPr/>
+          <p:nvPr/>
+        </p:nvGrpSpPr>
+        <p:grpSpPr>
+          <a:xfrm>
+            <a:off x="1649244" y="5586970"/>
+            <a:ext cx="2945725" cy="957254"/>
+            <a:chOff x="2723133" y="5562961"/>
+            <a:chExt cx="2945725" cy="957254"/>
+          </a:xfrm>
+        </p:grpSpPr>
+        <p:pic>
+          <p:nvPicPr>
+            <p:cNvPr id="73" name="Graphic 72" descr="Arrow: Counterclockwise curve">
+              <a:extLst>
+                <a:ext uri="{FF2B5EF4-FFF2-40B4-BE49-F238E27FC236}">
+                  <a16:creationId xmlns:a16="http://schemas.microsoft.com/office/drawing/2014/main" id="{DF43F800-8F13-409A-890D-9BE2575CBA9F}"/>
+                </a:ext>
+              </a:extLst>
+            </p:cNvPr>
+            <p:cNvPicPr>
+              <a:picLocks noChangeAspect="1"/>
+            </p:cNvPicPr>
+            <p:nvPr/>
+          </p:nvPicPr>
+          <p:blipFill>
+            <a:blip r:embed="rId2">
+              <a:extLst>
+                <a:ext uri="{28A0092B-C50C-407E-A947-70E740481C1C}">
+                  <a14:useLocalDpi xmlns:a14="http://schemas.microsoft.com/office/drawing/2010/main" val="0"/>
+                </a:ext>
+                <a:ext uri="{96DAC541-7B7A-43D3-8B79-37D633B846F1}">
+                  <asvg:svgBlip xmlns:asvg="http://schemas.microsoft.com/office/drawing/2016/SVG/main" r:embed="rId3"/>
+                </a:ext>
+              </a:extLst>
+            </a:blip>
+            <a:stretch>
+              <a:fillRect/>
+            </a:stretch>
+          </p:blipFill>
+          <p:spPr>
+            <a:xfrm rot="8013434" flipV="1">
+              <a:off x="2723133" y="5562961"/>
+              <a:ext cx="693165" cy="693165"/>
+            </a:xfrm>
+            <a:prstGeom prst="rect">
+              <a:avLst/>
+            </a:prstGeom>
+          </p:spPr>
+        </p:pic>
+        <p:sp>
+          <p:nvSpPr>
+            <p:cNvPr id="74" name="TextBox 73">
+              <a:extLst>
+                <a:ext uri="{FF2B5EF4-FFF2-40B4-BE49-F238E27FC236}">
+                  <a16:creationId xmlns:a16="http://schemas.microsoft.com/office/drawing/2014/main" id="{57382632-E897-4BF8-8765-698760AC14DE}"/>
+                </a:ext>
+              </a:extLst>
+            </p:cNvPr>
+            <p:cNvSpPr txBox="1"/>
+            <p:nvPr/>
+          </p:nvSpPr>
+          <p:spPr>
+            <a:xfrm>
+              <a:off x="3104951" y="5996995"/>
+              <a:ext cx="2563907" cy="523220"/>
+            </a:xfrm>
+            <a:prstGeom prst="rect">
+              <a:avLst/>
+            </a:prstGeom>
+            <a:noFill/>
+          </p:spPr>
+          <p:txBody>
+            <a:bodyPr wrap="none" rtlCol="0">
+              <a:spAutoFit/>
+            </a:bodyPr>
+            <a:lstStyle/>
+            <a:p>
+              <a:r>
+                <a:rPr lang="en-US" sz="2800" dirty="0"/>
+                <a:t>bias (always = 1)</a:t>
+              </a:r>
+            </a:p>
+          </p:txBody>
+        </p:sp>
+      </p:grpSp>
+      <p:grpSp>
+        <p:nvGrpSpPr>
+          <p:cNvPr id="75" name="weights">
+            <a:extLst>
+              <a:ext uri="{FF2B5EF4-FFF2-40B4-BE49-F238E27FC236}">
+                <a16:creationId xmlns:a16="http://schemas.microsoft.com/office/drawing/2014/main" id="{45F7CEAC-F6EF-4196-A271-99B393BC7C18}"/>
+              </a:ext>
+            </a:extLst>
+          </p:cNvPr>
+          <p:cNvGrpSpPr/>
+          <p:nvPr/>
+        </p:nvGrpSpPr>
+        <p:grpSpPr>
+          <a:xfrm>
+            <a:off x="1609296" y="539703"/>
+            <a:ext cx="2359551" cy="1059054"/>
+            <a:chOff x="2976931" y="5813303"/>
+            <a:chExt cx="2359551" cy="1059054"/>
+          </a:xfrm>
+        </p:grpSpPr>
+        <p:pic>
+          <p:nvPicPr>
+            <p:cNvPr id="76" name="Graphic 75" descr="Arrow: Counterclockwise curve">
+              <a:extLst>
+                <a:ext uri="{FF2B5EF4-FFF2-40B4-BE49-F238E27FC236}">
+                  <a16:creationId xmlns:a16="http://schemas.microsoft.com/office/drawing/2014/main" id="{6FF31F91-EDC9-4EFD-9FE2-DA4E31449472}"/>
+                </a:ext>
+              </a:extLst>
+            </p:cNvPr>
+            <p:cNvPicPr>
+              <a:picLocks noChangeAspect="1"/>
+            </p:cNvPicPr>
+            <p:nvPr/>
+          </p:nvPicPr>
+          <p:blipFill>
+            <a:blip r:embed="rId2">
+              <a:extLst>
+                <a:ext uri="{28A0092B-C50C-407E-A947-70E740481C1C}">
+                  <a14:useLocalDpi xmlns:a14="http://schemas.microsoft.com/office/drawing/2010/main" val="0"/>
+                </a:ext>
+                <a:ext uri="{96DAC541-7B7A-43D3-8B79-37D633B846F1}">
+                  <asvg:svgBlip xmlns:asvg="http://schemas.microsoft.com/office/drawing/2016/SVG/main" r:embed="rId3"/>
+                </a:ext>
+              </a:extLst>
+            </a:blip>
+            <a:stretch>
+              <a:fillRect/>
+            </a:stretch>
+          </p:blipFill>
+          <p:spPr>
+            <a:xfrm rot="13586566">
+              <a:off x="2976931" y="6179192"/>
+              <a:ext cx="693165" cy="693165"/>
+            </a:xfrm>
+            <a:prstGeom prst="rect">
+              <a:avLst/>
+            </a:prstGeom>
+          </p:spPr>
+        </p:pic>
+        <p:sp>
+          <p:nvSpPr>
+            <p:cNvPr id="77" name="TextBox 76">
+              <a:extLst>
+                <a:ext uri="{FF2B5EF4-FFF2-40B4-BE49-F238E27FC236}">
+                  <a16:creationId xmlns:a16="http://schemas.microsoft.com/office/drawing/2014/main" id="{826E10B2-BA4C-4DA3-A5DB-8A8A7A241498}"/>
+                </a:ext>
+              </a:extLst>
+            </p:cNvPr>
+            <p:cNvSpPr txBox="1"/>
+            <p:nvPr/>
+          </p:nvSpPr>
+          <p:spPr>
+            <a:xfrm>
+              <a:off x="3315416" y="5813303"/>
+              <a:ext cx="2021066" cy="523220"/>
+            </a:xfrm>
+            <a:prstGeom prst="rect">
+              <a:avLst/>
+            </a:prstGeom>
+            <a:noFill/>
+          </p:spPr>
+          <p:txBody>
+            <a:bodyPr wrap="none" rtlCol="0">
+              <a:spAutoFit/>
+            </a:bodyPr>
+            <a:lstStyle/>
+            <a:p>
+              <a:r>
+                <a:rPr lang="en-US" sz="2800" dirty="0"/>
+                <a:t>x-coordinate</a:t>
+              </a:r>
+            </a:p>
+          </p:txBody>
+        </p:sp>
+      </p:grpSp>
+      <p:sp>
+        <p:nvSpPr>
+          <p:cNvPr id="29" name="TextBox 28">
+            <a:extLst>
+              <a:ext uri="{FF2B5EF4-FFF2-40B4-BE49-F238E27FC236}">
+                <a16:creationId xmlns:a16="http://schemas.microsoft.com/office/drawing/2014/main" id="{9B36C50F-8AD1-4D03-B0AE-6F249BFA61E2}"/>
+              </a:ext>
+            </a:extLst>
+          </p:cNvPr>
+          <p:cNvSpPr txBox="1"/>
+          <p:nvPr/>
+        </p:nvSpPr>
+        <p:spPr>
+          <a:xfrm>
+            <a:off x="1538647" y="3050443"/>
+            <a:ext cx="659155" cy="830997"/>
+          </a:xfrm>
+          <a:prstGeom prst="rect">
+            <a:avLst/>
+          </a:prstGeom>
+          <a:noFill/>
+        </p:spPr>
+        <p:txBody>
+          <a:bodyPr wrap="none" rtlCol="0">
+            <a:spAutoFit/>
+          </a:bodyPr>
+          <a:lstStyle/>
+          <a:p>
+            <a:r>
+              <a:rPr lang="en-US" sz="4800" dirty="0"/>
+              <a:t>x</a:t>
+            </a:r>
+            <a:r>
+              <a:rPr lang="en-US" sz="4800" baseline="-25000" dirty="0"/>
+              <a:t>2</a:t>
+            </a:r>
+          </a:p>
+        </p:txBody>
+      </p:sp>
+      <p:cxnSp>
+        <p:nvCxnSpPr>
+          <p:cNvPr id="30" name="Straight Arrow Connector 29">
+            <a:extLst>
+              <a:ext uri="{FF2B5EF4-FFF2-40B4-BE49-F238E27FC236}">
+                <a16:creationId xmlns:a16="http://schemas.microsoft.com/office/drawing/2014/main" id="{E1573B3C-CF41-411C-850E-869FAC2F00F3}"/>
+              </a:ext>
+            </a:extLst>
+          </p:cNvPr>
+          <p:cNvCxnSpPr>
+            <a:cxnSpLocks/>
+            <a:stCxn id="29" idx="3"/>
+            <a:endCxn id="2" idx="2"/>
+          </p:cNvCxnSpPr>
+          <p:nvPr/>
+        </p:nvCxnSpPr>
+        <p:spPr>
+          <a:xfrm flipV="1">
+            <a:off x="2197802" y="3429000"/>
+            <a:ext cx="1901447" cy="36942"/>
+          </a:xfrm>
+          <a:prstGeom prst="straightConnector1">
+            <a:avLst/>
+          </a:prstGeom>
+          <a:ln w="57150">
+            <a:solidFill>
+              <a:schemeClr val="accent1">
+                <a:lumMod val="75000"/>
+              </a:schemeClr>
+            </a:solidFill>
+            <a:tailEnd type="triangle"/>
+          </a:ln>
+        </p:spPr>
+        <p:style>
+          <a:lnRef idx="1">
+            <a:schemeClr val="accent1"/>
+          </a:lnRef>
+          <a:fillRef idx="0">
+            <a:schemeClr val="accent1"/>
+          </a:fillRef>
+          <a:effectRef idx="0">
+            <a:schemeClr val="accent1"/>
+          </a:effectRef>
+          <a:fontRef idx="minor">
+            <a:schemeClr val="tx1"/>
+          </a:fontRef>
+        </p:style>
+      </p:cxnSp>
+      <p:grpSp>
+        <p:nvGrpSpPr>
+          <p:cNvPr id="9" name="Group 8">
+            <a:extLst>
+              <a:ext uri="{FF2B5EF4-FFF2-40B4-BE49-F238E27FC236}">
+                <a16:creationId xmlns:a16="http://schemas.microsoft.com/office/drawing/2014/main" id="{39F128E3-D976-4C77-823A-456DEA2F52AB}"/>
+              </a:ext>
+            </a:extLst>
+          </p:cNvPr>
+          <p:cNvGrpSpPr/>
+          <p:nvPr/>
+        </p:nvGrpSpPr>
+        <p:grpSpPr>
+          <a:xfrm>
+            <a:off x="2642171" y="1505299"/>
+            <a:ext cx="642157" cy="3289288"/>
+            <a:chOff x="2642171" y="1505299"/>
+            <a:chExt cx="642157" cy="3289288"/>
+          </a:xfrm>
+        </p:grpSpPr>
+        <p:grpSp>
+          <p:nvGrpSpPr>
+            <p:cNvPr id="10" name="weight variables">
+              <a:extLst>
+                <a:ext uri="{FF2B5EF4-FFF2-40B4-BE49-F238E27FC236}">
+                  <a16:creationId xmlns:a16="http://schemas.microsoft.com/office/drawing/2014/main" id="{C7768F97-9A35-4E95-BC65-C33C1B9C1D08}"/>
+                </a:ext>
+              </a:extLst>
+            </p:cNvPr>
+            <p:cNvGrpSpPr/>
+            <p:nvPr/>
+          </p:nvGrpSpPr>
+          <p:grpSpPr>
+            <a:xfrm>
+              <a:off x="2649057" y="1505299"/>
+              <a:ext cx="635271" cy="3289288"/>
+              <a:chOff x="2649057" y="1505299"/>
+              <a:chExt cx="635271" cy="3289288"/>
+            </a:xfrm>
+          </p:grpSpPr>
+          <p:sp>
+            <p:nvSpPr>
+              <p:cNvPr id="52" name="TextBox 51">
+                <a:extLst>
+                  <a:ext uri="{FF2B5EF4-FFF2-40B4-BE49-F238E27FC236}">
+                    <a16:creationId xmlns:a16="http://schemas.microsoft.com/office/drawing/2014/main" id="{5305D105-4CF9-4718-B8D6-53B5FA2A4CA9}"/>
+                  </a:ext>
+                </a:extLst>
+              </p:cNvPr>
+              <p:cNvSpPr txBox="1"/>
+              <p:nvPr/>
+            </p:nvSpPr>
+            <p:spPr>
+              <a:xfrm>
+                <a:off x="2649057" y="1505299"/>
+                <a:ext cx="617477" cy="584775"/>
+              </a:xfrm>
+              <a:prstGeom prst="rect">
+                <a:avLst/>
+              </a:prstGeom>
+              <a:noFill/>
+            </p:spPr>
+            <p:txBody>
+              <a:bodyPr wrap="none" rtlCol="0">
+                <a:spAutoFit/>
+              </a:bodyPr>
+              <a:lstStyle/>
+              <a:p>
+                <a:r>
+                  <a:rPr lang="en-US" sz="3200" dirty="0">
+                    <a:solidFill>
+                      <a:schemeClr val="tx2">
+                        <a:lumMod val="75000"/>
+                      </a:schemeClr>
+                    </a:solidFill>
+                  </a:rPr>
+                  <a:t>w</a:t>
+                </a:r>
+                <a:r>
+                  <a:rPr lang="en-US" sz="3200" baseline="-25000" dirty="0">
+                    <a:solidFill>
+                      <a:schemeClr val="tx2">
+                        <a:lumMod val="75000"/>
+                      </a:schemeClr>
+                    </a:solidFill>
+                  </a:rPr>
+                  <a:t>1</a:t>
+                </a:r>
+              </a:p>
+            </p:txBody>
+          </p:sp>
+          <p:sp>
+            <p:nvSpPr>
+              <p:cNvPr id="55" name="TextBox 54">
+                <a:extLst>
+                  <a:ext uri="{FF2B5EF4-FFF2-40B4-BE49-F238E27FC236}">
+                    <a16:creationId xmlns:a16="http://schemas.microsoft.com/office/drawing/2014/main" id="{AB3F375A-FEB9-4400-A78E-ABD9A5BACBE5}"/>
+                  </a:ext>
+                </a:extLst>
+              </p:cNvPr>
+              <p:cNvSpPr txBox="1"/>
+              <p:nvPr/>
+            </p:nvSpPr>
+            <p:spPr>
+              <a:xfrm>
+                <a:off x="2666851" y="4209812"/>
+                <a:ext cx="617477" cy="584775"/>
+              </a:xfrm>
+              <a:prstGeom prst="rect">
+                <a:avLst/>
+              </a:prstGeom>
+              <a:noFill/>
+            </p:spPr>
+            <p:txBody>
+              <a:bodyPr wrap="none" rtlCol="0">
+                <a:spAutoFit/>
+              </a:bodyPr>
+              <a:lstStyle/>
+              <a:p>
+                <a:r>
+                  <a:rPr lang="en-US" sz="3200" dirty="0">
+                    <a:solidFill>
+                      <a:schemeClr val="tx2">
+                        <a:lumMod val="75000"/>
+                      </a:schemeClr>
+                    </a:solidFill>
+                  </a:rPr>
+                  <a:t>w</a:t>
+                </a:r>
+                <a:r>
+                  <a:rPr lang="en-US" sz="3200" baseline="-25000" dirty="0">
+                    <a:solidFill>
+                      <a:schemeClr val="tx2">
+                        <a:lumMod val="75000"/>
+                      </a:schemeClr>
+                    </a:solidFill>
+                  </a:rPr>
+                  <a:t>3</a:t>
+                </a:r>
+              </a:p>
+            </p:txBody>
+          </p:sp>
+        </p:grpSp>
+        <p:sp>
+          <p:nvSpPr>
+            <p:cNvPr id="32" name="TextBox 31">
+              <a:extLst>
+                <a:ext uri="{FF2B5EF4-FFF2-40B4-BE49-F238E27FC236}">
+                  <a16:creationId xmlns:a16="http://schemas.microsoft.com/office/drawing/2014/main" id="{C995EB0B-4FF8-41AC-8632-C05F796E787F}"/>
+                </a:ext>
+              </a:extLst>
+            </p:cNvPr>
+            <p:cNvSpPr txBox="1"/>
+            <p:nvPr/>
+          </p:nvSpPr>
+          <p:spPr>
+            <a:xfrm>
+              <a:off x="2642171" y="2851677"/>
+              <a:ext cx="617477" cy="584775"/>
+            </a:xfrm>
+            <a:prstGeom prst="rect">
+              <a:avLst/>
+            </a:prstGeom>
+            <a:noFill/>
+          </p:spPr>
+          <p:txBody>
+            <a:bodyPr wrap="none" rtlCol="0">
+              <a:spAutoFit/>
+            </a:bodyPr>
+            <a:lstStyle/>
+            <a:p>
+              <a:r>
+                <a:rPr lang="en-US" sz="3200" dirty="0">
+                  <a:solidFill>
+                    <a:schemeClr val="tx2">
+                      <a:lumMod val="75000"/>
+                    </a:schemeClr>
+                  </a:solidFill>
+                </a:rPr>
+                <a:t>w</a:t>
+              </a:r>
+              <a:r>
+                <a:rPr lang="en-US" sz="3200" baseline="-25000" dirty="0">
+                  <a:solidFill>
+                    <a:schemeClr val="tx2">
+                      <a:lumMod val="75000"/>
+                    </a:schemeClr>
+                  </a:solidFill>
+                </a:rPr>
+                <a:t>2</a:t>
+              </a:r>
+            </a:p>
+          </p:txBody>
+        </p:sp>
+      </p:grpSp>
+      <p:grpSp>
+        <p:nvGrpSpPr>
+          <p:cNvPr id="34" name="weights">
+            <a:extLst>
+              <a:ext uri="{FF2B5EF4-FFF2-40B4-BE49-F238E27FC236}">
+                <a16:creationId xmlns:a16="http://schemas.microsoft.com/office/drawing/2014/main" id="{97F3B4BB-9F7C-4610-BFF3-74C365DE978E}"/>
+              </a:ext>
+            </a:extLst>
+          </p:cNvPr>
+          <p:cNvGrpSpPr/>
+          <p:nvPr/>
+        </p:nvGrpSpPr>
+        <p:grpSpPr>
+          <a:xfrm>
+            <a:off x="1548287" y="2449605"/>
+            <a:ext cx="2521110" cy="923916"/>
+            <a:chOff x="2611319" y="5996995"/>
+            <a:chExt cx="2521110" cy="923916"/>
+          </a:xfrm>
+        </p:grpSpPr>
+        <p:pic>
+          <p:nvPicPr>
+            <p:cNvPr id="35" name="Graphic 34" descr="Arrow: Counterclockwise curve">
+              <a:extLst>
+                <a:ext uri="{FF2B5EF4-FFF2-40B4-BE49-F238E27FC236}">
+                  <a16:creationId xmlns:a16="http://schemas.microsoft.com/office/drawing/2014/main" id="{2C59A782-2CA7-45F6-A6E1-5B776CB5E34F}"/>
+                </a:ext>
+              </a:extLst>
+            </p:cNvPr>
+            <p:cNvPicPr>
+              <a:picLocks noChangeAspect="1"/>
+            </p:cNvPicPr>
+            <p:nvPr/>
+          </p:nvPicPr>
+          <p:blipFill>
+            <a:blip r:embed="rId2">
+              <a:extLst>
+                <a:ext uri="{28A0092B-C50C-407E-A947-70E740481C1C}">
+                  <a14:useLocalDpi xmlns:a14="http://schemas.microsoft.com/office/drawing/2010/main" val="0"/>
+                </a:ext>
+                <a:ext uri="{96DAC541-7B7A-43D3-8B79-37D633B846F1}">
+                  <asvg:svgBlip xmlns:asvg="http://schemas.microsoft.com/office/drawing/2016/SVG/main" r:embed="rId3"/>
+                </a:ext>
+              </a:extLst>
+            </a:blip>
+            <a:stretch>
+              <a:fillRect/>
+            </a:stretch>
+          </p:blipFill>
+          <p:spPr>
+            <a:xfrm rot="13586566">
+              <a:off x="2611319" y="6227746"/>
+              <a:ext cx="693165" cy="693165"/>
+            </a:xfrm>
+            <a:prstGeom prst="rect">
+              <a:avLst/>
+            </a:prstGeom>
+          </p:spPr>
+        </p:pic>
+        <p:sp>
+          <p:nvSpPr>
+            <p:cNvPr id="36" name="TextBox 35">
+              <a:extLst>
+                <a:ext uri="{FF2B5EF4-FFF2-40B4-BE49-F238E27FC236}">
+                  <a16:creationId xmlns:a16="http://schemas.microsoft.com/office/drawing/2014/main" id="{EBC14526-4F7C-453F-BB16-B16DC090F11A}"/>
+                </a:ext>
+              </a:extLst>
+            </p:cNvPr>
+            <p:cNvSpPr txBox="1"/>
+            <p:nvPr/>
+          </p:nvSpPr>
+          <p:spPr>
+            <a:xfrm>
+              <a:off x="3104951" y="5996995"/>
+              <a:ext cx="2027478" cy="523220"/>
+            </a:xfrm>
+            <a:prstGeom prst="rect">
+              <a:avLst/>
+            </a:prstGeom>
+            <a:noFill/>
+          </p:spPr>
+          <p:txBody>
+            <a:bodyPr wrap="none" rtlCol="0">
+              <a:spAutoFit/>
+            </a:bodyPr>
+            <a:lstStyle/>
+            <a:p>
+              <a:r>
+                <a:rPr lang="en-US" sz="2800" dirty="0"/>
+                <a:t>y-coordinate</a:t>
+              </a:r>
+            </a:p>
+          </p:txBody>
+        </p:sp>
+      </p:grpSp>
+    </p:spTree>
+    <p:extLst>
+      <p:ext uri="{BB962C8B-B14F-4D97-AF65-F5344CB8AC3E}">
+        <p14:creationId xmlns:p14="http://schemas.microsoft.com/office/powerpoint/2010/main" val="2749687243"/>
+      </p:ext>
+    </p:extLst>
+  </p:cSld>
+  <p:clrMapOvr>
+    <a:masterClrMapping/>
+  </p:clrMapOvr>
+  <p:timing>
+    <p:tnLst>
+      <p:par>
+        <p:cTn id="1" dur="indefinite" restart="never" nodeType="tmRoot">
+          <p:childTnLst>
+            <p:seq concurrent="1" nextAc="seek">
+              <p:cTn id="2" dur="indefinite" nodeType="mainSeq">
+                <p:childTnLst>
+                  <p:par>
+                    <p:cTn id="3" fill="hold">
+                      <p:stCondLst>
+                        <p:cond delay="indefinite"/>
+                      </p:stCondLst>
+                      <p:childTnLst>
+                        <p:par>
+                          <p:cTn id="4" fill="hold">
+                            <p:stCondLst>
+                              <p:cond delay="0"/>
+                            </p:stCondLst>
+                            <p:childTnLst>
+                              <p:par>
+                                <p:cTn id="5" presetID="10" presetClass="entr" presetSubtype="0" fill="hold" nodeType="clickEffect">
+                                  <p:stCondLst>
+                                    <p:cond delay="0"/>
+                                  </p:stCondLst>
+                                  <p:childTnLst>
+                                    <p:set>
+                                      <p:cBhvr>
+                                        <p:cTn id="6" dur="1" fill="hold">
+                                          <p:stCondLst>
+                                            <p:cond delay="0"/>
+                                          </p:stCondLst>
+                                        </p:cTn>
+                                        <p:tgtEl>
+                                          <p:spTgt spid="5"/>
+                                        </p:tgtEl>
+                                        <p:attrNameLst>
+                                          <p:attrName>style.visibility</p:attrName>
+                                        </p:attrNameLst>
+                                      </p:cBhvr>
+                                      <p:to>
+                                        <p:strVal val="visible"/>
+                                      </p:to>
+                                    </p:set>
+                                    <p:animEffect transition="in" filter="fade">
+                                      <p:cBhvr>
+                                        <p:cTn id="7" dur="2000"/>
+                                        <p:tgtEl>
+                                          <p:spTgt spid="5"/>
+                                        </p:tgtEl>
+                                      </p:cBhvr>
+                                    </p:animEffect>
+                                  </p:childTnLst>
+                                </p:cTn>
+                              </p:par>
+                            </p:childTnLst>
+                          </p:cTn>
+                        </p:par>
+                        <p:par>
+                          <p:cTn id="8" fill="hold">
+                            <p:stCondLst>
+                              <p:cond delay="2000"/>
+                            </p:stCondLst>
+                            <p:childTnLst>
+                              <p:par>
+                                <p:cTn id="9" presetID="2" presetClass="entr" presetSubtype="8" fill="hold" nodeType="afterEffect">
+                                  <p:stCondLst>
+                                    <p:cond delay="0"/>
+                                  </p:stCondLst>
+                                  <p:childTnLst>
+                                    <p:set>
+                                      <p:cBhvr>
+                                        <p:cTn id="10" dur="1" fill="hold">
+                                          <p:stCondLst>
+                                            <p:cond delay="0"/>
+                                          </p:stCondLst>
+                                        </p:cTn>
+                                        <p:tgtEl>
+                                          <p:spTgt spid="7"/>
+                                        </p:tgtEl>
+                                        <p:attrNameLst>
+                                          <p:attrName>style.visibility</p:attrName>
+                                        </p:attrNameLst>
+                                      </p:cBhvr>
+                                      <p:to>
+                                        <p:strVal val="visible"/>
+                                      </p:to>
+                                    </p:set>
+                                    <p:anim calcmode="lin" valueType="num">
+                                      <p:cBhvr additive="base">
+                                        <p:cTn id="11" dur="1000" fill="hold"/>
+                                        <p:tgtEl>
+                                          <p:spTgt spid="7"/>
+                                        </p:tgtEl>
+                                        <p:attrNameLst>
+                                          <p:attrName>ppt_x</p:attrName>
+                                        </p:attrNameLst>
+                                      </p:cBhvr>
+                                      <p:tavLst>
+                                        <p:tav tm="0">
+                                          <p:val>
+                                            <p:strVal val="0-#ppt_w/2"/>
+                                          </p:val>
+                                        </p:tav>
+                                        <p:tav tm="100000">
+                                          <p:val>
+                                            <p:strVal val="#ppt_x"/>
+                                          </p:val>
+                                        </p:tav>
+                                      </p:tavLst>
+                                    </p:anim>
+                                    <p:anim calcmode="lin" valueType="num">
+                                      <p:cBhvr additive="base">
+                                        <p:cTn id="12" dur="1000" fill="hold"/>
+                                        <p:tgtEl>
+                                          <p:spTgt spid="7"/>
+                                        </p:tgtEl>
+                                        <p:attrNameLst>
+                                          <p:attrName>ppt_y</p:attrName>
+                                        </p:attrNameLst>
+                                      </p:cBhvr>
+                                      <p:tavLst>
+                                        <p:tav tm="0">
+                                          <p:val>
+                                            <p:strVal val="#ppt_y"/>
+                                          </p:val>
+                                        </p:tav>
+                                        <p:tav tm="100000">
+                                          <p:val>
+                                            <p:strVal val="#ppt_y"/>
+                                          </p:val>
+                                        </p:tav>
+                                      </p:tavLst>
+                                    </p:anim>
+                                  </p:childTnLst>
+                                </p:cTn>
+                              </p:par>
+                            </p:childTnLst>
+                          </p:cTn>
+                        </p:par>
+                      </p:childTnLst>
+                    </p:cTn>
+                  </p:par>
+                  <p:par>
+                    <p:cTn id="13" fill="hold">
+                      <p:stCondLst>
+                        <p:cond delay="indefinite"/>
+                      </p:stCondLst>
+                      <p:childTnLst>
+                        <p:par>
+                          <p:cTn id="14" fill="hold">
+                            <p:stCondLst>
+                              <p:cond delay="0"/>
+                            </p:stCondLst>
+                            <p:childTnLst>
+                              <p:par>
+                                <p:cTn id="15" presetID="10" presetClass="entr" presetSubtype="0" fill="hold" grpId="0" nodeType="clickEffect">
+                                  <p:stCondLst>
+                                    <p:cond delay="0"/>
+                                  </p:stCondLst>
+                                  <p:childTnLst>
+                                    <p:set>
+                                      <p:cBhvr>
+                                        <p:cTn id="16" dur="1" fill="hold">
+                                          <p:stCondLst>
+                                            <p:cond delay="0"/>
+                                          </p:stCondLst>
+                                        </p:cTn>
+                                        <p:tgtEl>
+                                          <p:spTgt spid="50"/>
+                                        </p:tgtEl>
+                                        <p:attrNameLst>
+                                          <p:attrName>style.visibility</p:attrName>
+                                        </p:attrNameLst>
+                                      </p:cBhvr>
+                                      <p:to>
+                                        <p:strVal val="visible"/>
+                                      </p:to>
+                                    </p:set>
+                                    <p:animEffect transition="in" filter="fade">
+                                      <p:cBhvr>
+                                        <p:cTn id="17" dur="2000"/>
+                                        <p:tgtEl>
+                                          <p:spTgt spid="50"/>
+                                        </p:tgtEl>
+                                      </p:cBhvr>
+                                    </p:animEffect>
+                                  </p:childTnLst>
+                                </p:cTn>
+                              </p:par>
+                            </p:childTnLst>
+                          </p:cTn>
+                        </p:par>
+                        <p:par>
+                          <p:cTn id="18" fill="hold">
+                            <p:stCondLst>
+                              <p:cond delay="2000"/>
+                            </p:stCondLst>
+                            <p:childTnLst>
+                              <p:par>
+                                <p:cTn id="19" presetID="2" presetClass="entr" presetSubtype="2" fill="hold" grpId="0" nodeType="afterEffect">
+                                  <p:stCondLst>
+                                    <p:cond delay="0"/>
+                                  </p:stCondLst>
+                                  <p:childTnLst>
+                                    <p:set>
+                                      <p:cBhvr>
+                                        <p:cTn id="20" dur="1" fill="hold">
+                                          <p:stCondLst>
+                                            <p:cond delay="0"/>
+                                          </p:stCondLst>
+                                        </p:cTn>
+                                        <p:tgtEl>
+                                          <p:spTgt spid="64"/>
+                                        </p:tgtEl>
+                                        <p:attrNameLst>
+                                          <p:attrName>style.visibility</p:attrName>
+                                        </p:attrNameLst>
+                                      </p:cBhvr>
+                                      <p:to>
+                                        <p:strVal val="visible"/>
+                                      </p:to>
+                                    </p:set>
+                                    <p:anim calcmode="lin" valueType="num">
+                                      <p:cBhvr additive="base">
+                                        <p:cTn id="21" dur="1000" fill="hold"/>
+                                        <p:tgtEl>
+                                          <p:spTgt spid="64"/>
+                                        </p:tgtEl>
+                                        <p:attrNameLst>
+                                          <p:attrName>ppt_x</p:attrName>
+                                        </p:attrNameLst>
+                                      </p:cBhvr>
+                                      <p:tavLst>
+                                        <p:tav tm="0">
+                                          <p:val>
+                                            <p:strVal val="1+#ppt_w/2"/>
+                                          </p:val>
+                                        </p:tav>
+                                        <p:tav tm="100000">
+                                          <p:val>
+                                            <p:strVal val="#ppt_x"/>
+                                          </p:val>
+                                        </p:tav>
+                                      </p:tavLst>
+                                    </p:anim>
+                                    <p:anim calcmode="lin" valueType="num">
+                                      <p:cBhvr additive="base">
+                                        <p:cTn id="22" dur="1000" fill="hold"/>
+                                        <p:tgtEl>
+                                          <p:spTgt spid="64"/>
+                                        </p:tgtEl>
+                                        <p:attrNameLst>
+                                          <p:attrName>ppt_y</p:attrName>
+                                        </p:attrNameLst>
+                                      </p:cBhvr>
+                                      <p:tavLst>
+                                        <p:tav tm="0">
+                                          <p:val>
+                                            <p:strVal val="#ppt_y"/>
+                                          </p:val>
+                                        </p:tav>
+                                        <p:tav tm="100000">
+                                          <p:val>
+                                            <p:strVal val="#ppt_y"/>
+                                          </p:val>
+                                        </p:tav>
+                                      </p:tavLst>
+                                    </p:anim>
+                                  </p:childTnLst>
+                                </p:cTn>
+                              </p:par>
+                            </p:childTnLst>
+                          </p:cTn>
+                        </p:par>
+                      </p:childTnLst>
+                    </p:cTn>
+                  </p:par>
+                  <p:par>
+                    <p:cTn id="23" fill="hold">
+                      <p:stCondLst>
+                        <p:cond delay="indefinite"/>
+                      </p:stCondLst>
+                      <p:childTnLst>
+                        <p:par>
+                          <p:cTn id="24" fill="hold">
+                            <p:stCondLst>
+                              <p:cond delay="0"/>
+                            </p:stCondLst>
+                            <p:childTnLst>
+                              <p:par>
+                                <p:cTn id="25" presetID="10" presetClass="entr" presetSubtype="0" fill="hold" nodeType="clickEffect">
+                                  <p:stCondLst>
+                                    <p:cond delay="0"/>
+                                  </p:stCondLst>
+                                  <p:childTnLst>
+                                    <p:set>
+                                      <p:cBhvr>
+                                        <p:cTn id="26" dur="1" fill="hold">
+                                          <p:stCondLst>
+                                            <p:cond delay="0"/>
+                                          </p:stCondLst>
+                                        </p:cTn>
+                                        <p:tgtEl>
+                                          <p:spTgt spid="6"/>
+                                        </p:tgtEl>
+                                        <p:attrNameLst>
+                                          <p:attrName>style.visibility</p:attrName>
+                                        </p:attrNameLst>
+                                      </p:cBhvr>
+                                      <p:to>
+                                        <p:strVal val="visible"/>
+                                      </p:to>
+                                    </p:set>
+                                    <p:animEffect transition="in" filter="fade">
+                                      <p:cBhvr>
+                                        <p:cTn id="27" dur="500"/>
+                                        <p:tgtEl>
+                                          <p:spTgt spid="6"/>
+                                        </p:tgtEl>
+                                      </p:cBhvr>
+                                    </p:animEffect>
+                                  </p:childTnLst>
+                                </p:cTn>
+                              </p:par>
+                            </p:childTnLst>
+                          </p:cTn>
+                        </p:par>
+                      </p:childTnLst>
+                    </p:cTn>
+                  </p:par>
+                  <p:par>
+                    <p:cTn id="28" fill="hold">
+                      <p:stCondLst>
+                        <p:cond delay="indefinite"/>
+                      </p:stCondLst>
+                      <p:childTnLst>
+                        <p:par>
+                          <p:cTn id="29" fill="hold">
+                            <p:stCondLst>
+                              <p:cond delay="0"/>
+                            </p:stCondLst>
+                            <p:childTnLst>
+                              <p:par>
+                                <p:cTn id="30" presetID="10" presetClass="entr" presetSubtype="0" fill="hold" grpId="0" nodeType="clickEffect">
+                                  <p:stCondLst>
+                                    <p:cond delay="0"/>
+                                  </p:stCondLst>
+                                  <p:childTnLst>
+                                    <p:set>
+                                      <p:cBhvr>
+                                        <p:cTn id="31" dur="1" fill="hold">
+                                          <p:stCondLst>
+                                            <p:cond delay="0"/>
+                                          </p:stCondLst>
+                                        </p:cTn>
+                                        <p:tgtEl>
+                                          <p:spTgt spid="8"/>
+                                        </p:tgtEl>
+                                        <p:attrNameLst>
+                                          <p:attrName>style.visibility</p:attrName>
+                                        </p:attrNameLst>
+                                      </p:cBhvr>
+                                      <p:to>
+                                        <p:strVal val="visible"/>
+                                      </p:to>
+                                    </p:set>
+                                    <p:animEffect transition="in" filter="fade">
+                                      <p:cBhvr>
+                                        <p:cTn id="32" dur="2000"/>
+                                        <p:tgtEl>
+                                          <p:spTgt spid="8"/>
+                                        </p:tgtEl>
+                                      </p:cBhvr>
+                                    </p:animEffect>
+                                  </p:childTnLst>
+                                </p:cTn>
+                              </p:par>
+                            </p:childTnLst>
+                          </p:cTn>
+                        </p:par>
+                      </p:childTnLst>
+                    </p:cTn>
+                  </p:par>
+                  <p:par>
+                    <p:cTn id="33" fill="hold">
+                      <p:stCondLst>
+                        <p:cond delay="indefinite"/>
+                      </p:stCondLst>
+                      <p:childTnLst>
+                        <p:par>
+                          <p:cTn id="34" fill="hold">
+                            <p:stCondLst>
+                              <p:cond delay="0"/>
+                            </p:stCondLst>
+                            <p:childTnLst>
+                              <p:par>
+                                <p:cTn id="35" presetID="10" presetClass="entr" presetSubtype="0" fill="hold" nodeType="clickEffect">
+                                  <p:stCondLst>
+                                    <p:cond delay="0"/>
+                                  </p:stCondLst>
+                                  <p:childTnLst>
+                                    <p:set>
+                                      <p:cBhvr>
+                                        <p:cTn id="36" dur="1" fill="hold">
+                                          <p:stCondLst>
+                                            <p:cond delay="0"/>
+                                          </p:stCondLst>
+                                        </p:cTn>
+                                        <p:tgtEl>
+                                          <p:spTgt spid="16"/>
+                                        </p:tgtEl>
+                                        <p:attrNameLst>
+                                          <p:attrName>style.visibility</p:attrName>
+                                        </p:attrNameLst>
+                                      </p:cBhvr>
+                                      <p:to>
+                                        <p:strVal val="visible"/>
+                                      </p:to>
+                                    </p:set>
+                                    <p:animEffect transition="in" filter="fade">
+                                      <p:cBhvr>
+                                        <p:cTn id="37" dur="2000"/>
+                                        <p:tgtEl>
+                                          <p:spTgt spid="16"/>
+                                        </p:tgtEl>
+                                      </p:cBhvr>
+                                    </p:animEffect>
+                                  </p:childTnLst>
+                                </p:cTn>
+                              </p:par>
+                            </p:childTnLst>
+                          </p:cTn>
+                        </p:par>
+                        <p:par>
+                          <p:cTn id="38" fill="hold">
+                            <p:stCondLst>
+                              <p:cond delay="2000"/>
+                            </p:stCondLst>
+                            <p:childTnLst>
+                              <p:par>
+                                <p:cTn id="39" presetID="2" presetClass="entr" presetSubtype="4" fill="hold" nodeType="afterEffect">
+                                  <p:stCondLst>
+                                    <p:cond delay="0"/>
+                                  </p:stCondLst>
+                                  <p:childTnLst>
+                                    <p:set>
+                                      <p:cBhvr>
+                                        <p:cTn id="40" dur="1" fill="hold">
+                                          <p:stCondLst>
+                                            <p:cond delay="0"/>
+                                          </p:stCondLst>
+                                        </p:cTn>
+                                        <p:tgtEl>
+                                          <p:spTgt spid="57"/>
+                                        </p:tgtEl>
+                                        <p:attrNameLst>
+                                          <p:attrName>style.visibility</p:attrName>
+                                        </p:attrNameLst>
+                                      </p:cBhvr>
+                                      <p:to>
+                                        <p:strVal val="visible"/>
+                                      </p:to>
+                                    </p:set>
+                                    <p:anim calcmode="lin" valueType="num">
+                                      <p:cBhvr additive="base">
+                                        <p:cTn id="41" dur="1000" fill="hold"/>
+                                        <p:tgtEl>
+                                          <p:spTgt spid="57"/>
+                                        </p:tgtEl>
+                                        <p:attrNameLst>
+                                          <p:attrName>ppt_x</p:attrName>
+                                        </p:attrNameLst>
+                                      </p:cBhvr>
+                                      <p:tavLst>
+                                        <p:tav tm="0">
+                                          <p:val>
+                                            <p:strVal val="#ppt_x"/>
+                                          </p:val>
+                                        </p:tav>
+                                        <p:tav tm="100000">
+                                          <p:val>
+                                            <p:strVal val="#ppt_x"/>
+                                          </p:val>
+                                        </p:tav>
+                                      </p:tavLst>
+                                    </p:anim>
+                                    <p:anim calcmode="lin" valueType="num">
+                                      <p:cBhvr additive="base">
+                                        <p:cTn id="42" dur="1000" fill="hold"/>
+                                        <p:tgtEl>
+                                          <p:spTgt spid="57"/>
+                                        </p:tgtEl>
+                                        <p:attrNameLst>
+                                          <p:attrName>ppt_y</p:attrName>
+                                        </p:attrNameLst>
+                                      </p:cBhvr>
+                                      <p:tavLst>
+                                        <p:tav tm="0">
+                                          <p:val>
+                                            <p:strVal val="1+#ppt_h/2"/>
+                                          </p:val>
+                                        </p:tav>
+                                        <p:tav tm="100000">
+                                          <p:val>
+                                            <p:strVal val="#ppt_y"/>
+                                          </p:val>
+                                        </p:tav>
+                                      </p:tavLst>
+                                    </p:anim>
+                                  </p:childTnLst>
+                                </p:cTn>
+                              </p:par>
+                            </p:childTnLst>
+                          </p:cTn>
+                        </p:par>
+                        <p:par>
+                          <p:cTn id="43" fill="hold">
+                            <p:stCondLst>
+                              <p:cond delay="3000"/>
+                            </p:stCondLst>
+                            <p:childTnLst>
+                              <p:par>
+                                <p:cTn id="44" presetID="2" presetClass="entr" presetSubtype="4" fill="hold" nodeType="afterEffect">
+                                  <p:stCondLst>
+                                    <p:cond delay="0"/>
+                                  </p:stCondLst>
+                                  <p:childTnLst>
+                                    <p:set>
+                                      <p:cBhvr>
+                                        <p:cTn id="45" dur="1" fill="hold">
+                                          <p:stCondLst>
+                                            <p:cond delay="0"/>
+                                          </p:stCondLst>
+                                        </p:cTn>
+                                        <p:tgtEl>
+                                          <p:spTgt spid="75"/>
+                                        </p:tgtEl>
+                                        <p:attrNameLst>
+                                          <p:attrName>style.visibility</p:attrName>
+                                        </p:attrNameLst>
+                                      </p:cBhvr>
+                                      <p:to>
+                                        <p:strVal val="visible"/>
+                                      </p:to>
+                                    </p:set>
+                                    <p:anim calcmode="lin" valueType="num">
+                                      <p:cBhvr additive="base">
+                                        <p:cTn id="46" dur="1000" fill="hold"/>
+                                        <p:tgtEl>
+                                          <p:spTgt spid="75"/>
+                                        </p:tgtEl>
+                                        <p:attrNameLst>
+                                          <p:attrName>ppt_x</p:attrName>
+                                        </p:attrNameLst>
+                                      </p:cBhvr>
+                                      <p:tavLst>
+                                        <p:tav tm="0">
+                                          <p:val>
+                                            <p:strVal val="#ppt_x"/>
+                                          </p:val>
+                                        </p:tav>
+                                        <p:tav tm="100000">
+                                          <p:val>
+                                            <p:strVal val="#ppt_x"/>
+                                          </p:val>
+                                        </p:tav>
+                                      </p:tavLst>
+                                    </p:anim>
+                                    <p:anim calcmode="lin" valueType="num">
+                                      <p:cBhvr additive="base">
+                                        <p:cTn id="47" dur="1000" fill="hold"/>
+                                        <p:tgtEl>
+                                          <p:spTgt spid="75"/>
+                                        </p:tgtEl>
+                                        <p:attrNameLst>
+                                          <p:attrName>ppt_y</p:attrName>
+                                        </p:attrNameLst>
+                                      </p:cBhvr>
+                                      <p:tavLst>
+                                        <p:tav tm="0">
+                                          <p:val>
+                                            <p:strVal val="1+#ppt_h/2"/>
+                                          </p:val>
+                                        </p:tav>
+                                        <p:tav tm="100000">
+                                          <p:val>
+                                            <p:strVal val="#ppt_y"/>
+                                          </p:val>
+                                        </p:tav>
+                                      </p:tavLst>
+                                    </p:anim>
+                                  </p:childTnLst>
+                                </p:cTn>
+                              </p:par>
+                            </p:childTnLst>
+                          </p:cTn>
+                        </p:par>
+                        <p:par>
+                          <p:cTn id="48" fill="hold">
+                            <p:stCondLst>
+                              <p:cond delay="4000"/>
+                            </p:stCondLst>
+                            <p:childTnLst>
+                              <p:par>
+                                <p:cTn id="49" presetID="2" presetClass="entr" presetSubtype="4" fill="hold" nodeType="afterEffect">
+                                  <p:stCondLst>
+                                    <p:cond delay="0"/>
+                                  </p:stCondLst>
+                                  <p:childTnLst>
+                                    <p:set>
+                                      <p:cBhvr>
+                                        <p:cTn id="50" dur="1" fill="hold">
+                                          <p:stCondLst>
+                                            <p:cond delay="0"/>
+                                          </p:stCondLst>
+                                        </p:cTn>
+                                        <p:tgtEl>
+                                          <p:spTgt spid="34"/>
+                                        </p:tgtEl>
+                                        <p:attrNameLst>
+                                          <p:attrName>style.visibility</p:attrName>
+                                        </p:attrNameLst>
+                                      </p:cBhvr>
+                                      <p:to>
+                                        <p:strVal val="visible"/>
+                                      </p:to>
+                                    </p:set>
+                                    <p:anim calcmode="lin" valueType="num">
+                                      <p:cBhvr additive="base">
+                                        <p:cTn id="51" dur="1000" fill="hold"/>
+                                        <p:tgtEl>
+                                          <p:spTgt spid="34"/>
+                                        </p:tgtEl>
+                                        <p:attrNameLst>
+                                          <p:attrName>ppt_x</p:attrName>
+                                        </p:attrNameLst>
+                                      </p:cBhvr>
+                                      <p:tavLst>
+                                        <p:tav tm="0">
+                                          <p:val>
+                                            <p:strVal val="#ppt_x"/>
+                                          </p:val>
+                                        </p:tav>
+                                        <p:tav tm="100000">
+                                          <p:val>
+                                            <p:strVal val="#ppt_x"/>
+                                          </p:val>
+                                        </p:tav>
+                                      </p:tavLst>
+                                    </p:anim>
+                                    <p:anim calcmode="lin" valueType="num">
+                                      <p:cBhvr additive="base">
+                                        <p:cTn id="52" dur="1000" fill="hold"/>
+                                        <p:tgtEl>
+                                          <p:spTgt spid="34"/>
+                                        </p:tgtEl>
+                                        <p:attrNameLst>
+                                          <p:attrName>ppt_y</p:attrName>
+                                        </p:attrNameLst>
+                                      </p:cBhvr>
+                                      <p:tavLst>
+                                        <p:tav tm="0">
+                                          <p:val>
+                                            <p:strVal val="1+#ppt_h/2"/>
+                                          </p:val>
+                                        </p:tav>
+                                        <p:tav tm="100000">
+                                          <p:val>
+                                            <p:strVal val="#ppt_y"/>
+                                          </p:val>
+                                        </p:tav>
+                                      </p:tavLst>
+                                    </p:anim>
+                                  </p:childTnLst>
+                                </p:cTn>
+                              </p:par>
+                            </p:childTnLst>
+                          </p:cTn>
+                        </p:par>
+                      </p:childTnLst>
+                    </p:cTn>
+                  </p:par>
+                </p:childTnLst>
+              </p:cTn>
+              <p:prevCondLst>
+                <p:cond evt="onPrev" delay="0">
+                  <p:tgtEl>
+                    <p:sldTgt/>
+                  </p:tgtEl>
+                </p:cond>
+              </p:prevCondLst>
+              <p:nextCondLst>
+                <p:cond evt="onNext" delay="0">
+                  <p:tgtEl>
+                    <p:sldTgt/>
+                  </p:tgtEl>
+                </p:cond>
+              </p:nextCondLst>
+            </p:seq>
+          </p:childTnLst>
+        </p:cTn>
+      </p:par>
+    </p:tnLst>
+    <p:bldLst>
+      <p:bldP spid="8" grpId="0"/>
+      <p:bldP spid="50" grpId="0"/>
+      <p:bldP spid="64" grpId="0"/>
+    </p:bldLst>
+  </p:timing>
+</p:sld>
+</file>
+
+<file path=ppt/slides/slide9.xml><?xml version="1.0" encoding="utf-8"?>
+<p:sld xmlns:a="http://schemas.openxmlformats.org/drawingml/2006/main" xmlns:r="http://schemas.openxmlformats.org/officeDocument/2006/relationships" xmlns:p="http://schemas.openxmlformats.org/presentationml/2006/main">
+  <p:cSld>
+    <p:spTree>
+      <p:nvGrpSpPr>
+        <p:cNvPr id="1" name=""/>
+        <p:cNvGrpSpPr/>
+        <p:nvPr/>
+      </p:nvGrpSpPr>
+      <p:grpSpPr>
+        <a:xfrm>
+          <a:off x="0" y="0"/>
+          <a:ext cx="0" cy="0"/>
+          <a:chOff x="0" y="0"/>
+          <a:chExt cx="0" cy="0"/>
+        </a:xfrm>
+      </p:grpSpPr>
+      <p:pic>
+        <p:nvPicPr>
+          <p:cNvPr id="5" name="Picture 4">
+            <a:extLst>
+              <a:ext uri="{FF2B5EF4-FFF2-40B4-BE49-F238E27FC236}">
+                <a16:creationId xmlns:a16="http://schemas.microsoft.com/office/drawing/2014/main" id="{2BDEFDCA-B7AA-4AF6-BA4C-716C3180FFB6}"/>
+              </a:ext>
+            </a:extLst>
+          </p:cNvPr>
+          <p:cNvPicPr>
+            <a:picLocks noChangeAspect="1"/>
+          </p:cNvPicPr>
+          <p:nvPr/>
+        </p:nvPicPr>
+        <p:blipFill rotWithShape="1">
+          <a:blip r:embed="rId2"/>
+          <a:srcRect l="33061" t="20000" r="27395" b="10068"/>
+          <a:stretch/>
+        </p:blipFill>
+        <p:spPr>
+          <a:xfrm>
+            <a:off x="2991457" y="528942"/>
+            <a:ext cx="5987508" cy="5956153"/>
+          </a:xfrm>
+          <a:prstGeom prst="rect">
+            <a:avLst/>
+          </a:prstGeom>
+        </p:spPr>
+      </p:pic>
+      <p:pic>
+        <p:nvPicPr>
+          <p:cNvPr id="9" name="Picture 8">
+            <a:extLst>
+              <a:ext uri="{FF2B5EF4-FFF2-40B4-BE49-F238E27FC236}">
+                <a16:creationId xmlns:a16="http://schemas.microsoft.com/office/drawing/2014/main" id="{92ACAAB5-BF1B-444D-8051-536EA20FDDAF}"/>
+              </a:ext>
+            </a:extLst>
+          </p:cNvPr>
+          <p:cNvPicPr>
+            <a:picLocks noChangeAspect="1"/>
+          </p:cNvPicPr>
+          <p:nvPr/>
+        </p:nvPicPr>
+        <p:blipFill rotWithShape="1">
+          <a:blip r:embed="rId3"/>
+          <a:srcRect l="32832" t="19592" r="27645" b="9932"/>
+          <a:stretch/>
+        </p:blipFill>
+        <p:spPr>
+          <a:xfrm>
+            <a:off x="2980155" y="479213"/>
+            <a:ext cx="5987508" cy="6005567"/>
+          </a:xfrm>
+          <a:prstGeom prst="rect">
+            <a:avLst/>
+          </a:prstGeom>
+        </p:spPr>
+      </p:pic>
+      <p:sp>
+        <p:nvSpPr>
+          <p:cNvPr id="41" name="TextBox 40">
+            <a:extLst>
+              <a:ext uri="{FF2B5EF4-FFF2-40B4-BE49-F238E27FC236}">
+                <a16:creationId xmlns:a16="http://schemas.microsoft.com/office/drawing/2014/main" id="{79874ED8-A3F3-4331-9980-AF08CEA7FFA6}"/>
+              </a:ext>
+            </a:extLst>
+          </p:cNvPr>
+          <p:cNvSpPr txBox="1"/>
+          <p:nvPr/>
+        </p:nvSpPr>
+        <p:spPr>
+          <a:xfrm>
+            <a:off x="5875799" y="2346051"/>
+            <a:ext cx="4729052" cy="1815882"/>
+          </a:xfrm>
+          <a:prstGeom prst="rect">
+            <a:avLst/>
+          </a:prstGeom>
+          <a:noFill/>
+        </p:spPr>
+        <p:txBody>
+          <a:bodyPr wrap="none" rtlCol="0">
+            <a:spAutoFit/>
+          </a:bodyPr>
+          <a:lstStyle/>
+          <a:p>
+            <a:r>
+              <a:rPr lang="en-US" sz="2800" dirty="0"/>
+              <a:t>After 10 million training points:</a:t>
+            </a:r>
+          </a:p>
+          <a:p>
+            <a:r>
+              <a:rPr lang="en-US" sz="2800" dirty="0"/>
+              <a:t>w1 = -28.5</a:t>
+            </a:r>
+          </a:p>
+          <a:p>
+            <a:r>
+              <a:rPr lang="en-US" sz="2800" dirty="0"/>
+              <a:t>w2 = +16.0</a:t>
+            </a:r>
+          </a:p>
+          <a:p>
+            <a:r>
+              <a:rPr lang="en-US" sz="2800" dirty="0"/>
+              <a:t>w3 = -4329.5</a:t>
+            </a:r>
+          </a:p>
+        </p:txBody>
+      </p:sp>
+      <p:sp>
+        <p:nvSpPr>
+          <p:cNvPr id="42" name="TextBox 41">
+            <a:extLst>
+              <a:ext uri="{FF2B5EF4-FFF2-40B4-BE49-F238E27FC236}">
+                <a16:creationId xmlns:a16="http://schemas.microsoft.com/office/drawing/2014/main" id="{D5089785-7557-4124-9CA9-C0C6C979FA64}"/>
+              </a:ext>
+            </a:extLst>
+          </p:cNvPr>
+          <p:cNvSpPr txBox="1"/>
+          <p:nvPr/>
+        </p:nvSpPr>
+        <p:spPr>
+          <a:xfrm>
+            <a:off x="5875799" y="4175957"/>
+            <a:ext cx="3958135" cy="523220"/>
+          </a:xfrm>
+          <a:prstGeom prst="rect">
+            <a:avLst/>
+          </a:prstGeom>
+          <a:noFill/>
+        </p:spPr>
+        <p:txBody>
+          <a:bodyPr wrap="none" rtlCol="0">
+            <a:spAutoFit/>
+          </a:bodyPr>
+          <a:lstStyle/>
+          <a:p>
+            <a:r>
+              <a:rPr lang="en-US" sz="2800" dirty="0"/>
+              <a:t>-28.5x + 16.0y -4329.5 = 0</a:t>
+            </a:r>
+          </a:p>
+        </p:txBody>
+      </p:sp>
+      <p:sp>
+        <p:nvSpPr>
+          <p:cNvPr id="43" name="TextBox 42">
+            <a:extLst>
+              <a:ext uri="{FF2B5EF4-FFF2-40B4-BE49-F238E27FC236}">
+                <a16:creationId xmlns:a16="http://schemas.microsoft.com/office/drawing/2014/main" id="{476C0C5C-EC66-43F8-AF2A-2666B34C8260}"/>
+              </a:ext>
+            </a:extLst>
+          </p:cNvPr>
+          <p:cNvSpPr txBox="1"/>
+          <p:nvPr/>
+        </p:nvSpPr>
+        <p:spPr>
+          <a:xfrm>
+            <a:off x="5870325" y="4702321"/>
+            <a:ext cx="4826962" cy="1384995"/>
+          </a:xfrm>
+          <a:prstGeom prst="rect">
+            <a:avLst/>
+          </a:prstGeom>
+          <a:noFill/>
+        </p:spPr>
+        <p:txBody>
+          <a:bodyPr wrap="none" rtlCol="0">
+            <a:spAutoFit/>
+          </a:bodyPr>
+          <a:lstStyle/>
+          <a:p>
+            <a:r>
+              <a:rPr lang="en-US" sz="2800" dirty="0"/>
+              <a:t>y = (28.5/16.0)x + (4329.5/16.0)</a:t>
+            </a:r>
+          </a:p>
+          <a:p>
+            <a:r>
+              <a:rPr lang="en-US" sz="2800" dirty="0"/>
+              <a:t>y = 1.8 * x + 270.6</a:t>
+            </a:r>
+          </a:p>
+          <a:p>
+            <a:r>
+              <a:rPr lang="en-US" sz="2800" dirty="0"/>
+              <a:t>accuracy 85.7%</a:t>
+            </a:r>
+          </a:p>
+        </p:txBody>
+      </p:sp>
+      <p:pic>
+        <p:nvPicPr>
+          <p:cNvPr id="7" name="Picture 6">
+            <a:extLst>
+              <a:ext uri="{FF2B5EF4-FFF2-40B4-BE49-F238E27FC236}">
+                <a16:creationId xmlns:a16="http://schemas.microsoft.com/office/drawing/2014/main" id="{D0EF5CA3-8613-4FC6-97A2-2A9D2F68E40D}"/>
+              </a:ext>
+            </a:extLst>
+          </p:cNvPr>
+          <p:cNvPicPr>
+            <a:picLocks noChangeAspect="1"/>
+          </p:cNvPicPr>
+          <p:nvPr/>
+        </p:nvPicPr>
+        <p:blipFill>
+          <a:blip r:embed="rId4"/>
+          <a:stretch>
+            <a:fillRect/>
+          </a:stretch>
+        </p:blipFill>
+        <p:spPr>
+          <a:xfrm>
+            <a:off x="321274" y="114643"/>
+            <a:ext cx="5621414" cy="2675210"/>
+          </a:xfrm>
+          <a:prstGeom prst="rect">
+            <a:avLst/>
+          </a:prstGeom>
+        </p:spPr>
+      </p:pic>
+      <p:grpSp>
+        <p:nvGrpSpPr>
+          <p:cNvPr id="6" name="summation equation">
+            <a:extLst>
+              <a:ext uri="{FF2B5EF4-FFF2-40B4-BE49-F238E27FC236}">
+                <a16:creationId xmlns:a16="http://schemas.microsoft.com/office/drawing/2014/main" id="{22347190-B710-4747-AA01-CA6CF08FD564}"/>
+              </a:ext>
+            </a:extLst>
+          </p:cNvPr>
+          <p:cNvGrpSpPr/>
+          <p:nvPr/>
+        </p:nvGrpSpPr>
+        <p:grpSpPr>
+          <a:xfrm>
+            <a:off x="7738769" y="1206984"/>
+            <a:ext cx="4131957" cy="1108239"/>
+            <a:chOff x="5253013" y="4253956"/>
+            <a:chExt cx="4131957" cy="1108239"/>
+          </a:xfrm>
+        </p:grpSpPr>
+        <p:sp>
+          <p:nvSpPr>
+            <p:cNvPr id="8" name="text">
+              <a:extLst>
+                <a:ext uri="{FF2B5EF4-FFF2-40B4-BE49-F238E27FC236}">
+                  <a16:creationId xmlns:a16="http://schemas.microsoft.com/office/drawing/2014/main" id="{A3D8930B-A200-48FC-8151-E05D9025A096}"/>
+                </a:ext>
+              </a:extLst>
+            </p:cNvPr>
+            <p:cNvSpPr txBox="1"/>
+            <p:nvPr/>
+          </p:nvSpPr>
+          <p:spPr>
+            <a:xfrm>
+              <a:off x="6087272" y="4715864"/>
+              <a:ext cx="3297698" cy="646331"/>
+            </a:xfrm>
+            <a:prstGeom prst="rect">
+              <a:avLst/>
+            </a:prstGeom>
+            <a:noFill/>
+          </p:spPr>
+          <p:txBody>
+            <a:bodyPr wrap="none" rtlCol="0">
+              <a:spAutoFit/>
+            </a:bodyPr>
+            <a:lstStyle/>
+            <a:p>
+              <a:r>
+                <a:rPr lang="en-US" sz="3600" dirty="0"/>
+                <a:t>y  = 0.5 * x + 500</a:t>
+              </a:r>
+              <a:endParaRPr lang="en-US" sz="4400" baseline="-25000" dirty="0"/>
+            </a:p>
+          </p:txBody>
+        </p:sp>
+        <p:pic>
+          <p:nvPicPr>
+            <p:cNvPr id="10" name="Graphic 9" descr="Arrow: Counterclockwise curve">
+              <a:extLst>
+                <a:ext uri="{FF2B5EF4-FFF2-40B4-BE49-F238E27FC236}">
+                  <a16:creationId xmlns:a16="http://schemas.microsoft.com/office/drawing/2014/main" id="{8C075E70-84AC-4F04-B1C7-5AF24D096B26}"/>
+                </a:ext>
+              </a:extLst>
+            </p:cNvPr>
+            <p:cNvPicPr>
+              <a:picLocks noChangeAspect="1"/>
+            </p:cNvPicPr>
+            <p:nvPr/>
+          </p:nvPicPr>
+          <p:blipFill>
+            <a:blip r:embed="rId5">
+              <a:extLst>
+                <a:ext uri="{28A0092B-C50C-407E-A947-70E740481C1C}">
+                  <a14:useLocalDpi xmlns:a14="http://schemas.microsoft.com/office/drawing/2010/main" val="0"/>
+                </a:ext>
+                <a:ext uri="{96DAC541-7B7A-43D3-8B79-37D633B846F1}">
+                  <asvg:svgBlip xmlns:asvg="http://schemas.microsoft.com/office/drawing/2016/SVG/main" r:embed="rId6"/>
+                </a:ext>
+              </a:extLst>
+            </a:blip>
+            <a:stretch>
+              <a:fillRect/>
+            </a:stretch>
+          </p:blipFill>
+          <p:spPr>
+            <a:xfrm rot="20725794" flipH="1" flipV="1">
+              <a:off x="5253013" y="4253956"/>
+              <a:ext cx="915155" cy="915155"/>
+            </a:xfrm>
+            <a:prstGeom prst="rect">
+              <a:avLst/>
+            </a:prstGeom>
+          </p:spPr>
+        </p:pic>
+      </p:grpSp>
+    </p:spTree>
+    <p:extLst>
+      <p:ext uri="{BB962C8B-B14F-4D97-AF65-F5344CB8AC3E}">
+        <p14:creationId xmlns:p14="http://schemas.microsoft.com/office/powerpoint/2010/main" val="2438512402"/>
+      </p:ext>
+    </p:extLst>
+  </p:cSld>
+  <p:clrMapOvr>
+    <a:masterClrMapping/>
+  </p:clrMapOvr>
+  <p:timing>
+    <p:tnLst>
+      <p:par>
+        <p:cTn id="1" dur="indefinite" restart="never" nodeType="tmRoot">
+          <p:childTnLst>
+            <p:seq concurrent="1" nextAc="seek">
+              <p:cTn id="2" dur="indefinite" nodeType="mainSeq">
+                <p:childTnLst>
+                  <p:par>
+                    <p:cTn id="3" fill="hold">
+                      <p:stCondLst>
+                        <p:cond delay="indefinite"/>
+                      </p:stCondLst>
+                      <p:childTnLst>
+                        <p:par>
+                          <p:cTn id="4" fill="hold">
+                            <p:stCondLst>
+                              <p:cond delay="0"/>
+                            </p:stCondLst>
+                            <p:childTnLst>
+                              <p:par>
+                                <p:cTn id="5" presetID="10" presetClass="entr" presetSubtype="0" fill="hold" nodeType="clickEffect">
+                                  <p:stCondLst>
+                                    <p:cond delay="0"/>
+                                  </p:stCondLst>
+                                  <p:childTnLst>
+                                    <p:set>
+                                      <p:cBhvr>
+                                        <p:cTn id="6" dur="1" fill="hold">
+                                          <p:stCondLst>
+                                            <p:cond delay="0"/>
+                                          </p:stCondLst>
+                                        </p:cTn>
+                                        <p:tgtEl>
+                                          <p:spTgt spid="6"/>
+                                        </p:tgtEl>
+                                        <p:attrNameLst>
+                                          <p:attrName>style.visibility</p:attrName>
+                                        </p:attrNameLst>
+                                      </p:cBhvr>
+                                      <p:to>
+                                        <p:strVal val="visible"/>
+                                      </p:to>
+                                    </p:set>
+                                    <p:animEffect transition="in" filter="fade">
+                                      <p:cBhvr>
+                                        <p:cTn id="7" dur="500"/>
+                                        <p:tgtEl>
+                                          <p:spTgt spid="6"/>
+                                        </p:tgtEl>
+                                      </p:cBhvr>
+                                    </p:animEffect>
+                                  </p:childTnLst>
+                                </p:cTn>
+                              </p:par>
+                            </p:childTnLst>
+                          </p:cTn>
+                        </p:par>
+                      </p:childTnLst>
+                    </p:cTn>
+                  </p:par>
+                </p:childTnLst>
+              </p:cTn>
+              <p:prevCondLst>
+                <p:cond evt="onPrev" delay="0">
+                  <p:tgtEl>
+                    <p:sldTgt/>
+                  </p:tgtEl>
+                </p:cond>
+              </p:prevCondLst>
+              <p:nextCondLst>
+                <p:cond evt="onNext" delay="0">
+                  <p:tgtEl>
+                    <p:sldTgt/>
+                  </p:tgtEl>
+                </p:cond>
+              </p:nextCondLst>
+            </p:seq>
+          </p:childTnLst>
+        </p:cTn>
+      </p:par>
+    </p:tnLst>
+  </p:timing>
 </p:sld>
 </file>
 
